--- a/Diseño/Spot it - Documento de Diseño.pptx
+++ b/Diseño/Spot it - Documento de Diseño.pptx
@@ -8,13 +8,21 @@
     <p:sldId id="256" r:id="rId2"/>
     <p:sldId id="257" r:id="rId3"/>
     <p:sldId id="261" r:id="rId4"/>
-    <p:sldId id="264" r:id="rId5"/>
-    <p:sldId id="265" r:id="rId6"/>
-    <p:sldId id="270" r:id="rId7"/>
-    <p:sldId id="260" r:id="rId8"/>
-    <p:sldId id="267" r:id="rId9"/>
-    <p:sldId id="268" r:id="rId10"/>
-    <p:sldId id="273" r:id="rId11"/>
+    <p:sldId id="265" r:id="rId5"/>
+    <p:sldId id="270" r:id="rId6"/>
+    <p:sldId id="260" r:id="rId7"/>
+    <p:sldId id="267" r:id="rId8"/>
+    <p:sldId id="268" r:id="rId9"/>
+    <p:sldId id="273" r:id="rId10"/>
+    <p:sldId id="264" r:id="rId11"/>
+    <p:sldId id="275" r:id="rId12"/>
+    <p:sldId id="276" r:id="rId13"/>
+    <p:sldId id="277" r:id="rId14"/>
+    <p:sldId id="278" r:id="rId15"/>
+    <p:sldId id="279" r:id="rId16"/>
+    <p:sldId id="280" r:id="rId17"/>
+    <p:sldId id="281" r:id="rId18"/>
+    <p:sldId id="282" r:id="rId19"/>
   </p:sldIdLst>
   <p:sldSz cx="9144000" cy="6858000" type="screen4x3"/>
   <p:notesSz cx="6858000" cy="9144000"/>
@@ -297,6 +305,7 @@
           <a:p>
             <a:fld id="{64C881A9-B206-4814-BA69-D1F0232E548C}" type="datetimeFigureOut">
               <a:rPr lang="en-US" smtClean="0"/>
+              <a:pPr/>
               <a:t>10/4/2012</a:t>
             </a:fld>
             <a:endParaRPr lang="en-US"/>
@@ -339,7 +348,8 @@
           <a:p>
             <a:fld id="{E5496A2D-0FFF-4FF2-AC26-5AA4BA9A85D5}" type="slidenum">
               <a:rPr lang="en-US" smtClean="0"/>
-              <a:t>‹Nº›</a:t>
+              <a:pPr/>
+              <a:t>‹#›</a:t>
             </a:fld>
             <a:endParaRPr lang="en-US"/>
           </a:p>
@@ -462,6 +472,7 @@
           <a:p>
             <a:fld id="{64C881A9-B206-4814-BA69-D1F0232E548C}" type="datetimeFigureOut">
               <a:rPr lang="en-US" smtClean="0"/>
+              <a:pPr/>
               <a:t>10/4/2012</a:t>
             </a:fld>
             <a:endParaRPr lang="en-US"/>
@@ -504,7 +515,8 @@
           <a:p>
             <a:fld id="{E5496A2D-0FFF-4FF2-AC26-5AA4BA9A85D5}" type="slidenum">
               <a:rPr lang="en-US" smtClean="0"/>
-              <a:t>‹Nº›</a:t>
+              <a:pPr/>
+              <a:t>‹#›</a:t>
             </a:fld>
             <a:endParaRPr lang="en-US"/>
           </a:p>
@@ -637,6 +649,7 @@
           <a:p>
             <a:fld id="{64C881A9-B206-4814-BA69-D1F0232E548C}" type="datetimeFigureOut">
               <a:rPr lang="en-US" smtClean="0"/>
+              <a:pPr/>
               <a:t>10/4/2012</a:t>
             </a:fld>
             <a:endParaRPr lang="en-US"/>
@@ -679,7 +692,8 @@
           <a:p>
             <a:fld id="{E5496A2D-0FFF-4FF2-AC26-5AA4BA9A85D5}" type="slidenum">
               <a:rPr lang="en-US" smtClean="0"/>
-              <a:t>‹Nº›</a:t>
+              <a:pPr/>
+              <a:t>‹#›</a:t>
             </a:fld>
             <a:endParaRPr lang="en-US"/>
           </a:p>
@@ -802,6 +816,7 @@
           <a:p>
             <a:fld id="{64C881A9-B206-4814-BA69-D1F0232E548C}" type="datetimeFigureOut">
               <a:rPr lang="en-US" smtClean="0"/>
+              <a:pPr/>
               <a:t>10/4/2012</a:t>
             </a:fld>
             <a:endParaRPr lang="en-US"/>
@@ -844,7 +859,8 @@
           <a:p>
             <a:fld id="{E5496A2D-0FFF-4FF2-AC26-5AA4BA9A85D5}" type="slidenum">
               <a:rPr lang="en-US" smtClean="0"/>
-              <a:t>‹Nº›</a:t>
+              <a:pPr/>
+              <a:t>‹#›</a:t>
             </a:fld>
             <a:endParaRPr lang="en-US"/>
           </a:p>
@@ -1043,6 +1059,7 @@
           <a:p>
             <a:fld id="{64C881A9-B206-4814-BA69-D1F0232E548C}" type="datetimeFigureOut">
               <a:rPr lang="en-US" smtClean="0"/>
+              <a:pPr/>
               <a:t>10/4/2012</a:t>
             </a:fld>
             <a:endParaRPr lang="en-US"/>
@@ -1085,7 +1102,8 @@
           <a:p>
             <a:fld id="{E5496A2D-0FFF-4FF2-AC26-5AA4BA9A85D5}" type="slidenum">
               <a:rPr lang="en-US" smtClean="0"/>
-              <a:t>‹Nº›</a:t>
+              <a:pPr/>
+              <a:t>‹#›</a:t>
             </a:fld>
             <a:endParaRPr lang="en-US"/>
           </a:p>
@@ -1326,6 +1344,7 @@
           <a:p>
             <a:fld id="{64C881A9-B206-4814-BA69-D1F0232E548C}" type="datetimeFigureOut">
               <a:rPr lang="en-US" smtClean="0"/>
+              <a:pPr/>
               <a:t>10/4/2012</a:t>
             </a:fld>
             <a:endParaRPr lang="en-US"/>
@@ -1368,7 +1387,8 @@
           <a:p>
             <a:fld id="{E5496A2D-0FFF-4FF2-AC26-5AA4BA9A85D5}" type="slidenum">
               <a:rPr lang="en-US" smtClean="0"/>
-              <a:t>‹Nº›</a:t>
+              <a:pPr/>
+              <a:t>‹#›</a:t>
             </a:fld>
             <a:endParaRPr lang="en-US"/>
           </a:p>
@@ -1743,6 +1763,7 @@
           <a:p>
             <a:fld id="{64C881A9-B206-4814-BA69-D1F0232E548C}" type="datetimeFigureOut">
               <a:rPr lang="en-US" smtClean="0"/>
+              <a:pPr/>
               <a:t>10/4/2012</a:t>
             </a:fld>
             <a:endParaRPr lang="en-US"/>
@@ -1785,7 +1806,8 @@
           <a:p>
             <a:fld id="{E5496A2D-0FFF-4FF2-AC26-5AA4BA9A85D5}" type="slidenum">
               <a:rPr lang="en-US" smtClean="0"/>
-              <a:t>‹Nº›</a:t>
+              <a:pPr/>
+              <a:t>‹#›</a:t>
             </a:fld>
             <a:endParaRPr lang="en-US"/>
           </a:p>
@@ -1856,6 +1878,7 @@
           <a:p>
             <a:fld id="{64C881A9-B206-4814-BA69-D1F0232E548C}" type="datetimeFigureOut">
               <a:rPr lang="en-US" smtClean="0"/>
+              <a:pPr/>
               <a:t>10/4/2012</a:t>
             </a:fld>
             <a:endParaRPr lang="en-US"/>
@@ -1898,7 +1921,8 @@
           <a:p>
             <a:fld id="{E5496A2D-0FFF-4FF2-AC26-5AA4BA9A85D5}" type="slidenum">
               <a:rPr lang="en-US" smtClean="0"/>
-              <a:t>‹Nº›</a:t>
+              <a:pPr/>
+              <a:t>‹#›</a:t>
             </a:fld>
             <a:endParaRPr lang="en-US"/>
           </a:p>
@@ -1946,6 +1970,7 @@
           <a:p>
             <a:fld id="{64C881A9-B206-4814-BA69-D1F0232E548C}" type="datetimeFigureOut">
               <a:rPr lang="en-US" smtClean="0"/>
+              <a:pPr/>
               <a:t>10/4/2012</a:t>
             </a:fld>
             <a:endParaRPr lang="en-US"/>
@@ -1988,7 +2013,8 @@
           <a:p>
             <a:fld id="{E5496A2D-0FFF-4FF2-AC26-5AA4BA9A85D5}" type="slidenum">
               <a:rPr lang="en-US" smtClean="0"/>
-              <a:t>‹Nº›</a:t>
+              <a:pPr/>
+              <a:t>‹#›</a:t>
             </a:fld>
             <a:endParaRPr lang="en-US"/>
           </a:p>
@@ -2218,6 +2244,7 @@
           <a:p>
             <a:fld id="{64C881A9-B206-4814-BA69-D1F0232E548C}" type="datetimeFigureOut">
               <a:rPr lang="en-US" smtClean="0"/>
+              <a:pPr/>
               <a:t>10/4/2012</a:t>
             </a:fld>
             <a:endParaRPr lang="en-US"/>
@@ -2260,7 +2287,8 @@
           <a:p>
             <a:fld id="{E5496A2D-0FFF-4FF2-AC26-5AA4BA9A85D5}" type="slidenum">
               <a:rPr lang="en-US" smtClean="0"/>
-              <a:t>‹Nº›</a:t>
+              <a:pPr/>
+              <a:t>‹#›</a:t>
             </a:fld>
             <a:endParaRPr lang="en-US"/>
           </a:p>
@@ -2466,6 +2494,7 @@
           <a:p>
             <a:fld id="{64C881A9-B206-4814-BA69-D1F0232E548C}" type="datetimeFigureOut">
               <a:rPr lang="en-US" smtClean="0"/>
+              <a:pPr/>
               <a:t>10/4/2012</a:t>
             </a:fld>
             <a:endParaRPr lang="en-US"/>
@@ -2508,7 +2537,8 @@
           <a:p>
             <a:fld id="{E5496A2D-0FFF-4FF2-AC26-5AA4BA9A85D5}" type="slidenum">
               <a:rPr lang="en-US" smtClean="0"/>
-              <a:t>‹Nº›</a:t>
+              <a:pPr/>
+              <a:t>‹#›</a:t>
             </a:fld>
             <a:endParaRPr lang="en-US"/>
           </a:p>
@@ -2674,6 +2704,7 @@
           <a:p>
             <a:fld id="{64C881A9-B206-4814-BA69-D1F0232E548C}" type="datetimeFigureOut">
               <a:rPr lang="en-US" smtClean="0"/>
+              <a:pPr/>
               <a:t>10/4/2012</a:t>
             </a:fld>
             <a:endParaRPr lang="en-US"/>
@@ -2752,7 +2783,8 @@
           <a:p>
             <a:fld id="{E5496A2D-0FFF-4FF2-AC26-5AA4BA9A85D5}" type="slidenum">
               <a:rPr lang="en-US" smtClean="0"/>
-              <a:t>‹Nº›</a:t>
+              <a:pPr/>
+              <a:t>‹#›</a:t>
             </a:fld>
             <a:endParaRPr lang="en-US"/>
           </a:p>
@@ -3179,12 +3211,641 @@
               </a:rPr>
             </a:br>
             <a:r>
+              <a:rPr lang="es-CL" dirty="0" err="1" smtClean="0">
+                <a:solidFill>
+                  <a:schemeClr val="accent2"/>
+                </a:solidFill>
+              </a:rPr>
+              <a:t>Usuario_Amigo_Usuario</a:t>
+            </a:r>
+            <a:endParaRPr lang="en-US" dirty="0">
+              <a:solidFill>
+                <a:schemeClr val="accent2"/>
+              </a:solidFill>
+            </a:endParaRPr>
+          </a:p>
+        </p:txBody>
+      </p:sp>
+      <p:grpSp>
+        <p:nvGrpSpPr>
+          <p:cNvPr id="15" name="14 Grupo"/>
+          <p:cNvGrpSpPr/>
+          <p:nvPr/>
+        </p:nvGrpSpPr>
+        <p:grpSpPr>
+          <a:xfrm>
+            <a:off x="2743200" y="2590800"/>
+            <a:ext cx="3733800" cy="1664732"/>
+            <a:chOff x="2743200" y="2590800"/>
+            <a:chExt cx="3733800" cy="1664732"/>
+          </a:xfrm>
+        </p:grpSpPr>
+        <p:sp>
+          <p:nvSpPr>
+            <p:cNvPr id="4" name="3 Rectángulo">
+              <a:hlinkClick r:id="rId2" action="ppaction://hlinksldjump"/>
+            </p:cNvPr>
+            <p:cNvSpPr/>
+            <p:nvPr/>
+          </p:nvSpPr>
+          <p:spPr>
+            <a:xfrm>
+              <a:off x="2819400" y="3352800"/>
+              <a:ext cx="990600" cy="533400"/>
+            </a:xfrm>
+            <a:prstGeom prst="rect">
+              <a:avLst/>
+            </a:prstGeom>
+            <a:solidFill>
+              <a:schemeClr val="bg1"/>
+            </a:solidFill>
+            <a:ln>
+              <a:solidFill>
+                <a:schemeClr val="accent4">
+                  <a:lumMod val="60000"/>
+                  <a:lumOff val="40000"/>
+                </a:schemeClr>
+              </a:solidFill>
+            </a:ln>
+          </p:spPr>
+          <p:style>
+            <a:lnRef idx="2">
+              <a:schemeClr val="accent1">
+                <a:shade val="50000"/>
+              </a:schemeClr>
+            </a:lnRef>
+            <a:fillRef idx="1">
+              <a:schemeClr val="accent1"/>
+            </a:fillRef>
+            <a:effectRef idx="0">
+              <a:schemeClr val="accent1"/>
+            </a:effectRef>
+            <a:fontRef idx="minor">
+              <a:schemeClr val="lt1"/>
+            </a:fontRef>
+          </p:style>
+          <p:txBody>
+            <a:bodyPr rtlCol="0" anchor="ctr"/>
+            <a:lstStyle/>
+            <a:p>
+              <a:pPr algn="ctr"/>
+              <a:r>
+                <a:rPr lang="es-CL" sz="2000" dirty="0" smtClean="0">
+                  <a:solidFill>
+                    <a:schemeClr val="bg1">
+                      <a:lumMod val="50000"/>
+                    </a:schemeClr>
+                  </a:solidFill>
+                </a:rPr>
+                <a:t>Usuario</a:t>
+              </a:r>
+              <a:endParaRPr lang="en-US" sz="2000" dirty="0">
+                <a:solidFill>
+                  <a:schemeClr val="bg1">
+                    <a:lumMod val="50000"/>
+                  </a:schemeClr>
+                </a:solidFill>
+              </a:endParaRPr>
+            </a:p>
+          </p:txBody>
+        </p:sp>
+        <p:sp>
+          <p:nvSpPr>
+            <p:cNvPr id="28" name="27 Rombo"/>
+            <p:cNvSpPr/>
+            <p:nvPr/>
+          </p:nvSpPr>
+          <p:spPr>
+            <a:xfrm>
+              <a:off x="5410200" y="3352800"/>
+              <a:ext cx="1066800" cy="533400"/>
+            </a:xfrm>
+            <a:prstGeom prst="diamond">
+              <a:avLst/>
+            </a:prstGeom>
+            <a:solidFill>
+              <a:schemeClr val="bg1"/>
+            </a:solidFill>
+            <a:ln>
+              <a:solidFill>
+                <a:schemeClr val="accent4">
+                  <a:lumMod val="60000"/>
+                  <a:lumOff val="40000"/>
+                </a:schemeClr>
+              </a:solidFill>
+            </a:ln>
+          </p:spPr>
+          <p:style>
+            <a:lnRef idx="2">
+              <a:schemeClr val="accent1">
+                <a:shade val="50000"/>
+              </a:schemeClr>
+            </a:lnRef>
+            <a:fillRef idx="1">
+              <a:schemeClr val="accent1"/>
+            </a:fillRef>
+            <a:effectRef idx="0">
+              <a:schemeClr val="accent1"/>
+            </a:effectRef>
+            <a:fontRef idx="minor">
+              <a:schemeClr val="lt1"/>
+            </a:fontRef>
+          </p:style>
+          <p:txBody>
+            <a:bodyPr rtlCol="0" anchor="ctr"/>
+            <a:lstStyle/>
+            <a:p>
+              <a:pPr algn="ctr"/>
+              <a:r>
+                <a:rPr lang="es-CL" sz="1000" dirty="0" smtClean="0">
+                  <a:solidFill>
+                    <a:schemeClr val="bg1">
+                      <a:lumMod val="50000"/>
+                    </a:schemeClr>
+                  </a:solidFill>
+                </a:rPr>
+                <a:t>Amigo</a:t>
+              </a:r>
+              <a:endParaRPr lang="en-US" sz="2000" dirty="0">
+                <a:solidFill>
+                  <a:schemeClr val="bg1">
+                    <a:lumMod val="50000"/>
+                  </a:schemeClr>
+                </a:solidFill>
+              </a:endParaRPr>
+            </a:p>
+          </p:txBody>
+        </p:sp>
+        <p:cxnSp>
+          <p:nvCxnSpPr>
+            <p:cNvPr id="29" name="28 Conector recto"/>
+            <p:cNvCxnSpPr>
+              <a:stCxn id="28" idx="0"/>
+              <a:endCxn id="33" idx="4"/>
+            </p:cNvCxnSpPr>
+            <p:nvPr/>
+          </p:nvCxnSpPr>
+          <p:spPr>
+            <a:xfrm flipH="1" flipV="1">
+              <a:off x="5942076" y="3048000"/>
+              <a:ext cx="1524" cy="304800"/>
+            </a:xfrm>
+            <a:prstGeom prst="line">
+              <a:avLst/>
+            </a:prstGeom>
+            <a:solidFill>
+              <a:schemeClr val="bg1"/>
+            </a:solidFill>
+            <a:ln>
+              <a:solidFill>
+                <a:schemeClr val="accent4">
+                  <a:lumMod val="60000"/>
+                  <a:lumOff val="40000"/>
+                </a:schemeClr>
+              </a:solidFill>
+            </a:ln>
+          </p:spPr>
+          <p:style>
+            <a:lnRef idx="2">
+              <a:schemeClr val="accent1">
+                <a:shade val="50000"/>
+              </a:schemeClr>
+            </a:lnRef>
+            <a:fillRef idx="1">
+              <a:schemeClr val="accent1"/>
+            </a:fillRef>
+            <a:effectRef idx="0">
+              <a:schemeClr val="accent1"/>
+            </a:effectRef>
+            <a:fontRef idx="minor">
+              <a:schemeClr val="lt1"/>
+            </a:fontRef>
+          </p:style>
+        </p:cxnSp>
+        <p:sp>
+          <p:nvSpPr>
+            <p:cNvPr id="33" name="32 Elipse"/>
+            <p:cNvSpPr/>
+            <p:nvPr/>
+          </p:nvSpPr>
+          <p:spPr>
+            <a:xfrm>
+              <a:off x="5446776" y="2590800"/>
+              <a:ext cx="990600" cy="457200"/>
+            </a:xfrm>
+            <a:prstGeom prst="ellipse">
+              <a:avLst/>
+            </a:prstGeom>
+            <a:solidFill>
+              <a:schemeClr val="bg1"/>
+            </a:solidFill>
+            <a:ln>
+              <a:solidFill>
+                <a:schemeClr val="accent4">
+                  <a:lumMod val="60000"/>
+                  <a:lumOff val="40000"/>
+                </a:schemeClr>
+              </a:solidFill>
+            </a:ln>
+          </p:spPr>
+          <p:style>
+            <a:lnRef idx="2">
+              <a:schemeClr val="accent1">
+                <a:shade val="50000"/>
+              </a:schemeClr>
+            </a:lnRef>
+            <a:fillRef idx="1">
+              <a:schemeClr val="accent1"/>
+            </a:fillRef>
+            <a:effectRef idx="0">
+              <a:schemeClr val="accent1"/>
+            </a:effectRef>
+            <a:fontRef idx="minor">
+              <a:schemeClr val="lt1"/>
+            </a:fontRef>
+          </p:style>
+          <p:txBody>
+            <a:bodyPr rtlCol="0" anchor="ctr"/>
+            <a:lstStyle/>
+            <a:p>
+              <a:pPr algn="ctr"/>
+              <a:r>
+                <a:rPr lang="es-CL" sz="1200" dirty="0" smtClean="0">
+                  <a:solidFill>
+                    <a:schemeClr val="bg1">
+                      <a:lumMod val="50000"/>
+                    </a:schemeClr>
+                  </a:solidFill>
+                </a:rPr>
+                <a:t>Desde</a:t>
+              </a:r>
+              <a:endParaRPr lang="en-US" sz="1200" dirty="0">
+                <a:solidFill>
+                  <a:schemeClr val="bg1">
+                    <a:lumMod val="50000"/>
+                  </a:schemeClr>
+                </a:solidFill>
+              </a:endParaRPr>
+            </a:p>
+          </p:txBody>
+        </p:sp>
+        <p:cxnSp>
+          <p:nvCxnSpPr>
+            <p:cNvPr id="38" name="37 Forma"/>
+            <p:cNvCxnSpPr>
+              <a:stCxn id="28" idx="2"/>
+              <a:endCxn id="4" idx="2"/>
+            </p:cNvCxnSpPr>
+            <p:nvPr/>
+          </p:nvCxnSpPr>
+          <p:spPr>
+            <a:xfrm rot="5400000">
+              <a:off x="4629150" y="2571750"/>
+              <a:ext cx="12700" cy="2628900"/>
+            </a:xfrm>
+            <a:prstGeom prst="bentConnector3">
+              <a:avLst>
+                <a:gd name="adj1" fmla="val 4824002"/>
+              </a:avLst>
+            </a:prstGeom>
+            <a:solidFill>
+              <a:schemeClr val="bg1"/>
+            </a:solidFill>
+            <a:ln>
+              <a:solidFill>
+                <a:schemeClr val="accent4">
+                  <a:lumMod val="60000"/>
+                  <a:lumOff val="40000"/>
+                </a:schemeClr>
+              </a:solidFill>
+            </a:ln>
+          </p:spPr>
+          <p:style>
+            <a:lnRef idx="2">
+              <a:schemeClr val="accent1">
+                <a:shade val="50000"/>
+              </a:schemeClr>
+            </a:lnRef>
+            <a:fillRef idx="1">
+              <a:schemeClr val="accent1"/>
+            </a:fillRef>
+            <a:effectRef idx="0">
+              <a:schemeClr val="accent1"/>
+            </a:effectRef>
+            <a:fontRef idx="minor">
+              <a:schemeClr val="lt1"/>
+            </a:fontRef>
+          </p:style>
+        </p:cxnSp>
+        <p:cxnSp>
+          <p:nvCxnSpPr>
+            <p:cNvPr id="79" name="78 Conector recto"/>
+            <p:cNvCxnSpPr>
+              <a:stCxn id="4" idx="3"/>
+              <a:endCxn id="28" idx="1"/>
+            </p:cNvCxnSpPr>
+            <p:nvPr/>
+          </p:nvCxnSpPr>
+          <p:spPr>
+            <a:xfrm>
+              <a:off x="3810000" y="3619500"/>
+              <a:ext cx="1600200" cy="0"/>
+            </a:xfrm>
+            <a:prstGeom prst="line">
+              <a:avLst/>
+            </a:prstGeom>
+            <a:solidFill>
+              <a:schemeClr val="bg1"/>
+            </a:solidFill>
+            <a:ln>
+              <a:solidFill>
+                <a:schemeClr val="accent4">
+                  <a:lumMod val="60000"/>
+                  <a:lumOff val="40000"/>
+                </a:schemeClr>
+              </a:solidFill>
+            </a:ln>
+          </p:spPr>
+          <p:style>
+            <a:lnRef idx="2">
+              <a:schemeClr val="accent1">
+                <a:shade val="50000"/>
+              </a:schemeClr>
+            </a:lnRef>
+            <a:fillRef idx="1">
+              <a:schemeClr val="accent1"/>
+            </a:fillRef>
+            <a:effectRef idx="0">
+              <a:schemeClr val="accent1"/>
+            </a:effectRef>
+            <a:fontRef idx="minor">
+              <a:schemeClr val="lt1"/>
+            </a:fontRef>
+          </p:style>
+        </p:cxnSp>
+        <p:sp>
+          <p:nvSpPr>
+            <p:cNvPr id="9" name="8 CuadroTexto"/>
+            <p:cNvSpPr txBox="1"/>
+            <p:nvPr/>
+          </p:nvSpPr>
+          <p:spPr>
+            <a:xfrm>
+              <a:off x="3810000" y="3276600"/>
+              <a:ext cx="609600" cy="369332"/>
+            </a:xfrm>
+            <a:prstGeom prst="rect">
+              <a:avLst/>
+            </a:prstGeom>
+            <a:noFill/>
+          </p:spPr>
+          <p:txBody>
+            <a:bodyPr wrap="square" rtlCol="0">
+              <a:spAutoFit/>
+            </a:bodyPr>
+            <a:lstStyle/>
+            <a:p>
+              <a:r>
+                <a:rPr lang="es-CL" dirty="0" smtClean="0">
+                  <a:solidFill>
+                    <a:schemeClr val="bg1">
+                      <a:lumMod val="50000"/>
+                    </a:schemeClr>
+                  </a:solidFill>
+                </a:rPr>
+                <a:t>0..N</a:t>
+              </a:r>
+              <a:endParaRPr lang="en-US" dirty="0">
+                <a:solidFill>
+                  <a:schemeClr val="bg1">
+                    <a:lumMod val="50000"/>
+                  </a:schemeClr>
+                </a:solidFill>
+              </a:endParaRPr>
+            </a:p>
+          </p:txBody>
+        </p:sp>
+        <p:sp>
+          <p:nvSpPr>
+            <p:cNvPr id="10" name="9 CuadroTexto"/>
+            <p:cNvSpPr txBox="1"/>
+            <p:nvPr/>
+          </p:nvSpPr>
+          <p:spPr>
+            <a:xfrm>
+              <a:off x="2743200" y="3886200"/>
+              <a:ext cx="609600" cy="369332"/>
+            </a:xfrm>
+            <a:prstGeom prst="rect">
+              <a:avLst/>
+            </a:prstGeom>
+            <a:noFill/>
+          </p:spPr>
+          <p:txBody>
+            <a:bodyPr wrap="square" rtlCol="0">
+              <a:spAutoFit/>
+            </a:bodyPr>
+            <a:lstStyle/>
+            <a:p>
+              <a:r>
+                <a:rPr lang="es-CL" dirty="0" smtClean="0">
+                  <a:solidFill>
+                    <a:schemeClr val="bg1">
+                      <a:lumMod val="50000"/>
+                    </a:schemeClr>
+                  </a:solidFill>
+                </a:rPr>
+                <a:t>0..N</a:t>
+              </a:r>
+              <a:endParaRPr lang="en-US" dirty="0">
+                <a:solidFill>
+                  <a:schemeClr val="bg1">
+                    <a:lumMod val="50000"/>
+                  </a:schemeClr>
+                </a:solidFill>
+              </a:endParaRPr>
+            </a:p>
+          </p:txBody>
+        </p:sp>
+      </p:grpSp>
+      <p:sp>
+        <p:nvSpPr>
+          <p:cNvPr id="12" name="11 Botón de acción: Inicio">
+            <a:hlinkClick r:id="rId3" action="ppaction://hlinksldjump" highlightClick="1"/>
+          </p:cNvPr>
+          <p:cNvSpPr/>
+          <p:nvPr/>
+        </p:nvSpPr>
+        <p:spPr>
+          <a:xfrm>
+            <a:off x="8305800" y="6096000"/>
+            <a:ext cx="457200" cy="381000"/>
+          </a:xfrm>
+          <a:prstGeom prst="actionButtonHome">
+            <a:avLst/>
+          </a:prstGeom>
+          <a:solidFill>
+            <a:schemeClr val="accent2">
+              <a:lumMod val="20000"/>
+              <a:lumOff val="80000"/>
+            </a:schemeClr>
+          </a:solidFill>
+          <a:ln>
+            <a:solidFill>
+              <a:schemeClr val="accent2"/>
+            </a:solidFill>
+          </a:ln>
+        </p:spPr>
+        <p:style>
+          <a:lnRef idx="2">
+            <a:schemeClr val="accent1">
+              <a:shade val="50000"/>
+            </a:schemeClr>
+          </a:lnRef>
+          <a:fillRef idx="1">
+            <a:schemeClr val="accent1"/>
+          </a:fillRef>
+          <a:effectRef idx="0">
+            <a:schemeClr val="accent1"/>
+          </a:effectRef>
+          <a:fontRef idx="minor">
+            <a:schemeClr val="lt1"/>
+          </a:fontRef>
+        </p:style>
+        <p:txBody>
+          <a:bodyPr rtlCol="0" anchor="ctr"/>
+          <a:lstStyle/>
+          <a:p>
+            <a:pPr algn="ctr"/>
+            <a:endParaRPr lang="en-US"/>
+          </a:p>
+        </p:txBody>
+      </p:sp>
+      <p:sp>
+        <p:nvSpPr>
+          <p:cNvPr id="13" name="Action Button: Return 12">
+            <a:hlinkClick r:id="" action="ppaction://hlinkshowjump?jump=lastslideviewed" highlightClick="1"/>
+          </p:cNvPr>
+          <p:cNvSpPr/>
+          <p:nvPr/>
+        </p:nvSpPr>
+        <p:spPr>
+          <a:xfrm>
+            <a:off x="7696200" y="6096000"/>
+            <a:ext cx="457200" cy="381000"/>
+          </a:xfrm>
+          <a:prstGeom prst="actionButtonReturn">
+            <a:avLst/>
+          </a:prstGeom>
+          <a:solidFill>
+            <a:schemeClr val="accent2">
+              <a:lumMod val="20000"/>
+              <a:lumOff val="80000"/>
+            </a:schemeClr>
+          </a:solidFill>
+          <a:ln>
+            <a:solidFill>
+              <a:schemeClr val="accent2"/>
+            </a:solidFill>
+          </a:ln>
+        </p:spPr>
+        <p:style>
+          <a:lnRef idx="2">
+            <a:schemeClr val="accent1">
+              <a:shade val="50000"/>
+            </a:schemeClr>
+          </a:lnRef>
+          <a:fillRef idx="1">
+            <a:schemeClr val="accent1"/>
+          </a:fillRef>
+          <a:effectRef idx="0">
+            <a:schemeClr val="accent1"/>
+          </a:effectRef>
+          <a:fontRef idx="minor">
+            <a:schemeClr val="lt1"/>
+          </a:fontRef>
+        </p:style>
+        <p:txBody>
+          <a:bodyPr rtlCol="0" anchor="ctr"/>
+          <a:lstStyle/>
+          <a:p>
+            <a:pPr algn="ctr"/>
+            <a:endParaRPr lang="es-CL"/>
+          </a:p>
+        </p:txBody>
+      </p:sp>
+    </p:spTree>
+  </p:cSld>
+  <p:clrMapOvr>
+    <a:masterClrMapping/>
+  </p:clrMapOvr>
+  <p:transition advClick="0"/>
+  <p:timing>
+    <p:tnLst>
+      <p:par>
+        <p:cTn id="1" dur="indefinite" restart="never" nodeType="tmRoot"/>
+      </p:par>
+    </p:tnLst>
+  </p:timing>
+</p:sld>
+</file>
+
+<file path=ppt/slides/slide11.xml><?xml version="1.0" encoding="utf-8"?>
+<p:sld xmlns:a="http://schemas.openxmlformats.org/drawingml/2006/main" xmlns:r="http://schemas.openxmlformats.org/officeDocument/2006/relationships" xmlns:p="http://schemas.openxmlformats.org/presentationml/2006/main">
+  <p:cSld>
+    <p:spTree>
+      <p:nvGrpSpPr>
+        <p:cNvPr id="1" name=""/>
+        <p:cNvGrpSpPr/>
+        <p:nvPr/>
+      </p:nvGrpSpPr>
+      <p:grpSpPr>
+        <a:xfrm>
+          <a:off x="0" y="0"/>
+          <a:ext cx="0" cy="0"/>
+          <a:chOff x="0" y="0"/>
+          <a:chExt cx="0" cy="0"/>
+        </a:xfrm>
+      </p:grpSpPr>
+      <p:sp>
+        <p:nvSpPr>
+          <p:cNvPr id="2" name="1 Título"/>
+          <p:cNvSpPr>
+            <a:spLocks noGrp="1"/>
+          </p:cNvSpPr>
+          <p:nvPr>
+            <p:ph type="title"/>
+          </p:nvPr>
+        </p:nvSpPr>
+        <p:spPr/>
+        <p:txBody>
+          <a:bodyPr>
+            <a:normAutofit fontScale="90000"/>
+          </a:bodyPr>
+          <a:lstStyle/>
+          <a:p>
+            <a:r>
               <a:rPr lang="es-CL" dirty="0" smtClean="0">
                 <a:solidFill>
                   <a:schemeClr val="accent2"/>
                 </a:solidFill>
               </a:rPr>
-              <a:t>Evento</a:t>
+              <a:t>Detalle Modelo Relacional:</a:t>
+            </a:r>
+            <a:br>
+              <a:rPr lang="es-CL" dirty="0" smtClean="0">
+                <a:solidFill>
+                  <a:schemeClr val="accent2"/>
+                </a:solidFill>
+              </a:rPr>
+            </a:br>
+            <a:r>
+              <a:rPr lang="es-CL" dirty="0" err="1" smtClean="0">
+                <a:solidFill>
+                  <a:schemeClr val="accent2"/>
+                </a:solidFill>
+              </a:rPr>
+              <a:t>Lugar_DentroDe_Categoria</a:t>
             </a:r>
             <a:endParaRPr lang="en-US" dirty="0">
               <a:solidFill>
@@ -3249,31 +3910,236 @@
       </p:sp>
       <p:grpSp>
         <p:nvGrpSpPr>
-          <p:cNvPr id="3" name="34 Grupo"/>
+          <p:cNvPr id="27" name="Group 26"/>
           <p:cNvGrpSpPr/>
           <p:nvPr/>
         </p:nvGrpSpPr>
         <p:grpSpPr>
           <a:xfrm>
-            <a:off x="3352800" y="2590800"/>
-            <a:ext cx="2743200" cy="1524000"/>
-            <a:chOff x="3352800" y="2438400"/>
-            <a:chExt cx="2743200" cy="1524000"/>
+            <a:off x="4114800" y="2438400"/>
+            <a:ext cx="1219200" cy="2819400"/>
+            <a:chOff x="6434796" y="2362200"/>
+            <a:chExt cx="1219200" cy="2819400"/>
           </a:xfrm>
         </p:grpSpPr>
+        <p:sp>
+          <p:nvSpPr>
+            <p:cNvPr id="14" name="24 Rectángulo">
+              <a:hlinkClick r:id="rId3" action="ppaction://hlinksldjump"/>
+            </p:cNvPr>
+            <p:cNvSpPr/>
+            <p:nvPr/>
+          </p:nvSpPr>
+          <p:spPr>
+            <a:xfrm>
+              <a:off x="6553200" y="2362200"/>
+              <a:ext cx="990600" cy="533400"/>
+            </a:xfrm>
+            <a:prstGeom prst="rect">
+              <a:avLst/>
+            </a:prstGeom>
+            <a:solidFill>
+              <a:schemeClr val="bg1"/>
+            </a:solidFill>
+            <a:ln>
+              <a:solidFill>
+                <a:schemeClr val="accent4">
+                  <a:lumMod val="60000"/>
+                  <a:lumOff val="40000"/>
+                </a:schemeClr>
+              </a:solidFill>
+            </a:ln>
+          </p:spPr>
+          <p:style>
+            <a:lnRef idx="2">
+              <a:schemeClr val="accent1">
+                <a:shade val="50000"/>
+              </a:schemeClr>
+            </a:lnRef>
+            <a:fillRef idx="1">
+              <a:schemeClr val="accent1"/>
+            </a:fillRef>
+            <a:effectRef idx="0">
+              <a:schemeClr val="accent1"/>
+            </a:effectRef>
+            <a:fontRef idx="minor">
+              <a:schemeClr val="lt1"/>
+            </a:fontRef>
+          </p:style>
+          <p:txBody>
+            <a:bodyPr rtlCol="0" anchor="ctr"/>
+            <a:lstStyle/>
+            <a:p>
+              <a:pPr algn="ctr"/>
+              <a:r>
+                <a:rPr lang="es-CL" sz="2000" dirty="0" smtClean="0">
+                  <a:solidFill>
+                    <a:schemeClr val="bg1">
+                      <a:lumMod val="50000"/>
+                    </a:schemeClr>
+                  </a:solidFill>
+                </a:rPr>
+                <a:t>Lugar</a:t>
+              </a:r>
+              <a:endParaRPr lang="en-US" sz="2000" dirty="0">
+                <a:solidFill>
+                  <a:schemeClr val="bg1">
+                    <a:lumMod val="50000"/>
+                  </a:schemeClr>
+                </a:solidFill>
+              </a:endParaRPr>
+            </a:p>
+          </p:txBody>
+        </p:sp>
+        <p:sp>
+          <p:nvSpPr>
+            <p:cNvPr id="15" name="44 Rombo"/>
+            <p:cNvSpPr/>
+            <p:nvPr/>
+          </p:nvSpPr>
+          <p:spPr>
+            <a:xfrm>
+              <a:off x="6477000" y="3505200"/>
+              <a:ext cx="1143000" cy="533400"/>
+            </a:xfrm>
+            <a:prstGeom prst="diamond">
+              <a:avLst/>
+            </a:prstGeom>
+            <a:solidFill>
+              <a:schemeClr val="bg1"/>
+            </a:solidFill>
+            <a:ln>
+              <a:solidFill>
+                <a:schemeClr val="accent4">
+                  <a:lumMod val="60000"/>
+                  <a:lumOff val="40000"/>
+                </a:schemeClr>
+              </a:solidFill>
+            </a:ln>
+          </p:spPr>
+          <p:style>
+            <a:lnRef idx="2">
+              <a:schemeClr val="accent1">
+                <a:shade val="50000"/>
+              </a:schemeClr>
+            </a:lnRef>
+            <a:fillRef idx="1">
+              <a:schemeClr val="accent1"/>
+            </a:fillRef>
+            <a:effectRef idx="0">
+              <a:schemeClr val="accent1"/>
+            </a:effectRef>
+            <a:fontRef idx="minor">
+              <a:schemeClr val="lt1"/>
+            </a:fontRef>
+          </p:style>
+          <p:txBody>
+            <a:bodyPr rtlCol="0" anchor="ctr"/>
+            <a:lstStyle/>
+            <a:p>
+              <a:pPr algn="ctr"/>
+              <a:r>
+                <a:rPr lang="es-CL" sz="1000" dirty="0" smtClean="0">
+                  <a:solidFill>
+                    <a:schemeClr val="bg1">
+                      <a:lumMod val="50000"/>
+                    </a:schemeClr>
+                  </a:solidFill>
+                </a:rPr>
+                <a:t>Dentro de</a:t>
+              </a:r>
+              <a:endParaRPr lang="en-US" sz="2000" dirty="0">
+                <a:solidFill>
+                  <a:schemeClr val="bg1">
+                    <a:lumMod val="50000"/>
+                  </a:schemeClr>
+                </a:solidFill>
+              </a:endParaRPr>
+            </a:p>
+          </p:txBody>
+        </p:sp>
+        <p:sp>
+          <p:nvSpPr>
+            <p:cNvPr id="16" name="45 Rectángulo">
+              <a:hlinkClick r:id="rId4" action="ppaction://hlinksldjump"/>
+            </p:cNvPr>
+            <p:cNvSpPr/>
+            <p:nvPr/>
+          </p:nvSpPr>
+          <p:spPr>
+            <a:xfrm>
+              <a:off x="6434796" y="4648200"/>
+              <a:ext cx="1219200" cy="533400"/>
+            </a:xfrm>
+            <a:prstGeom prst="rect">
+              <a:avLst/>
+            </a:prstGeom>
+            <a:solidFill>
+              <a:schemeClr val="bg1"/>
+            </a:solidFill>
+            <a:ln>
+              <a:solidFill>
+                <a:schemeClr val="accent4">
+                  <a:lumMod val="60000"/>
+                  <a:lumOff val="40000"/>
+                </a:schemeClr>
+              </a:solidFill>
+            </a:ln>
+          </p:spPr>
+          <p:style>
+            <a:lnRef idx="2">
+              <a:schemeClr val="accent1">
+                <a:shade val="50000"/>
+              </a:schemeClr>
+            </a:lnRef>
+            <a:fillRef idx="1">
+              <a:schemeClr val="accent1"/>
+            </a:fillRef>
+            <a:effectRef idx="0">
+              <a:schemeClr val="accent1"/>
+            </a:effectRef>
+            <a:fontRef idx="minor">
+              <a:schemeClr val="lt1"/>
+            </a:fontRef>
+          </p:style>
+          <p:txBody>
+            <a:bodyPr rtlCol="0" anchor="ctr"/>
+            <a:lstStyle/>
+            <a:p>
+              <a:pPr algn="ctr"/>
+              <a:r>
+                <a:rPr lang="es-CL" sz="2000" dirty="0" smtClean="0">
+                  <a:solidFill>
+                    <a:schemeClr val="bg1">
+                      <a:lumMod val="50000"/>
+                    </a:schemeClr>
+                  </a:solidFill>
+                </a:rPr>
+                <a:t>Categoría</a:t>
+              </a:r>
+              <a:endParaRPr lang="en-US" sz="2000" dirty="0">
+                <a:solidFill>
+                  <a:schemeClr val="bg1">
+                    <a:lumMod val="50000"/>
+                  </a:schemeClr>
+                </a:solidFill>
+              </a:endParaRPr>
+            </a:p>
+          </p:txBody>
+        </p:sp>
         <p:cxnSp>
           <p:nvCxnSpPr>
-            <p:cNvPr id="29" name="28 Conector recto"/>
+            <p:cNvPr id="17" name="28 Conector recto"/>
             <p:cNvCxnSpPr>
-              <a:stCxn id="13" idx="0"/>
-              <a:endCxn id="33" idx="4"/>
+              <a:stCxn id="15" idx="0"/>
+              <a:endCxn id="14" idx="2"/>
             </p:cNvCxnSpPr>
             <p:nvPr/>
           </p:nvCxnSpPr>
           <p:spPr>
             <a:xfrm flipV="1">
-              <a:off x="4686300" y="2895600"/>
-              <a:ext cx="0" cy="533400"/>
+              <a:off x="7048500" y="2895600"/>
+              <a:ext cx="0" cy="609600"/>
             </a:xfrm>
             <a:prstGeom prst="line">
               <a:avLst/>
@@ -3307,18 +4173,21 @@
             </a:fontRef>
           </p:style>
         </p:cxnSp>
-        <p:sp>
-          <p:nvSpPr>
-            <p:cNvPr id="33" name="32 Elipse"/>
-            <p:cNvSpPr/>
+        <p:cxnSp>
+          <p:nvCxnSpPr>
+            <p:cNvPr id="22" name="28 Conector recto"/>
+            <p:cNvCxnSpPr>
+              <a:stCxn id="16" idx="0"/>
+              <a:endCxn id="15" idx="2"/>
+            </p:cNvCxnSpPr>
             <p:nvPr/>
-          </p:nvSpPr>
+          </p:nvCxnSpPr>
           <p:spPr>
-            <a:xfrm>
-              <a:off x="4191000" y="2438400"/>
-              <a:ext cx="990600" cy="457200"/>
+            <a:xfrm flipV="1">
+              <a:off x="7044396" y="4038600"/>
+              <a:ext cx="4104" cy="609600"/>
             </a:xfrm>
-            <a:prstGeom prst="ellipse">
+            <a:prstGeom prst="line">
               <a:avLst/>
             </a:prstGeom>
             <a:solidFill>
@@ -3349,22 +4218,353 @@
               <a:schemeClr val="lt1"/>
             </a:fontRef>
           </p:style>
+        </p:cxnSp>
+      </p:grpSp>
+      <p:sp>
+        <p:nvSpPr>
+          <p:cNvPr id="28" name="8 CuadroTexto"/>
+          <p:cNvSpPr txBox="1"/>
+          <p:nvPr/>
+        </p:nvSpPr>
+        <p:spPr>
+          <a:xfrm>
+            <a:off x="4800600" y="3048000"/>
+            <a:ext cx="609600" cy="369332"/>
+          </a:xfrm>
+          <a:prstGeom prst="rect">
+            <a:avLst/>
+          </a:prstGeom>
+          <a:noFill/>
+        </p:spPr>
+        <p:txBody>
+          <a:bodyPr wrap="square" rtlCol="0">
+            <a:spAutoFit/>
+          </a:bodyPr>
+          <a:lstStyle/>
+          <a:p>
+            <a:r>
+              <a:rPr lang="es-CL" dirty="0" smtClean="0">
+                <a:solidFill>
+                  <a:schemeClr val="bg1">
+                    <a:lumMod val="50000"/>
+                  </a:schemeClr>
+                </a:solidFill>
+              </a:rPr>
+              <a:t>0..N</a:t>
+            </a:r>
+            <a:endParaRPr lang="en-US" dirty="0">
+              <a:solidFill>
+                <a:schemeClr val="bg1">
+                  <a:lumMod val="50000"/>
+                </a:schemeClr>
+              </a:solidFill>
+            </a:endParaRPr>
+          </a:p>
+        </p:txBody>
+      </p:sp>
+      <p:sp>
+        <p:nvSpPr>
+          <p:cNvPr id="30" name="8 CuadroTexto"/>
+          <p:cNvSpPr txBox="1"/>
+          <p:nvPr/>
+        </p:nvSpPr>
+        <p:spPr>
+          <a:xfrm>
+            <a:off x="4800600" y="4267200"/>
+            <a:ext cx="609600" cy="369332"/>
+          </a:xfrm>
+          <a:prstGeom prst="rect">
+            <a:avLst/>
+          </a:prstGeom>
+          <a:noFill/>
+        </p:spPr>
+        <p:txBody>
+          <a:bodyPr wrap="square" rtlCol="0">
+            <a:spAutoFit/>
+          </a:bodyPr>
+          <a:lstStyle/>
+          <a:p>
+            <a:r>
+              <a:rPr lang="es-CL" dirty="0" smtClean="0">
+                <a:solidFill>
+                  <a:schemeClr val="bg1">
+                    <a:lumMod val="50000"/>
+                  </a:schemeClr>
+                </a:solidFill>
+              </a:rPr>
+              <a:t>0..N</a:t>
+            </a:r>
+            <a:endParaRPr lang="en-US" dirty="0">
+              <a:solidFill>
+                <a:schemeClr val="bg1">
+                  <a:lumMod val="50000"/>
+                </a:schemeClr>
+              </a:solidFill>
+            </a:endParaRPr>
+          </a:p>
+        </p:txBody>
+      </p:sp>
+      <p:sp>
+        <p:nvSpPr>
+          <p:cNvPr id="32" name="Action Button: Return 31">
+            <a:hlinkClick r:id="" action="ppaction://hlinkshowjump?jump=lastslideviewed" highlightClick="1"/>
+          </p:cNvPr>
+          <p:cNvSpPr/>
+          <p:nvPr/>
+        </p:nvSpPr>
+        <p:spPr>
+          <a:xfrm>
+            <a:off x="7696200" y="6096000"/>
+            <a:ext cx="457200" cy="381000"/>
+          </a:xfrm>
+          <a:prstGeom prst="actionButtonReturn">
+            <a:avLst/>
+          </a:prstGeom>
+          <a:solidFill>
+            <a:schemeClr val="accent2">
+              <a:lumMod val="20000"/>
+              <a:lumOff val="80000"/>
+            </a:schemeClr>
+          </a:solidFill>
+          <a:ln>
+            <a:solidFill>
+              <a:schemeClr val="accent2"/>
+            </a:solidFill>
+          </a:ln>
+        </p:spPr>
+        <p:style>
+          <a:lnRef idx="2">
+            <a:schemeClr val="accent1">
+              <a:shade val="50000"/>
+            </a:schemeClr>
+          </a:lnRef>
+          <a:fillRef idx="1">
+            <a:schemeClr val="accent1"/>
+          </a:fillRef>
+          <a:effectRef idx="0">
+            <a:schemeClr val="accent1"/>
+          </a:effectRef>
+          <a:fontRef idx="minor">
+            <a:schemeClr val="lt1"/>
+          </a:fontRef>
+        </p:style>
+        <p:txBody>
+          <a:bodyPr rtlCol="0" anchor="ctr"/>
+          <a:lstStyle/>
+          <a:p>
+            <a:pPr algn="ctr"/>
+            <a:endParaRPr lang="es-CL"/>
+          </a:p>
+        </p:txBody>
+      </p:sp>
+    </p:spTree>
+  </p:cSld>
+  <p:clrMapOvr>
+    <a:masterClrMapping/>
+  </p:clrMapOvr>
+  <p:transition advClick="0"/>
+  <p:timing>
+    <p:tnLst>
+      <p:par>
+        <p:cTn id="1" dur="indefinite" restart="never" nodeType="tmRoot"/>
+      </p:par>
+    </p:tnLst>
+  </p:timing>
+</p:sld>
+</file>
+
+<file path=ppt/slides/slide12.xml><?xml version="1.0" encoding="utf-8"?>
+<p:sld xmlns:a="http://schemas.openxmlformats.org/drawingml/2006/main" xmlns:r="http://schemas.openxmlformats.org/officeDocument/2006/relationships" xmlns:p="http://schemas.openxmlformats.org/presentationml/2006/main">
+  <p:cSld>
+    <p:spTree>
+      <p:nvGrpSpPr>
+        <p:cNvPr id="1" name=""/>
+        <p:cNvGrpSpPr/>
+        <p:nvPr/>
+      </p:nvGrpSpPr>
+      <p:grpSpPr>
+        <a:xfrm>
+          <a:off x="0" y="0"/>
+          <a:ext cx="0" cy="0"/>
+          <a:chOff x="0" y="0"/>
+          <a:chExt cx="0" cy="0"/>
+        </a:xfrm>
+      </p:grpSpPr>
+      <p:sp>
+        <p:nvSpPr>
+          <p:cNvPr id="2" name="1 Título"/>
+          <p:cNvSpPr>
+            <a:spLocks noGrp="1"/>
+          </p:cNvSpPr>
+          <p:nvPr>
+            <p:ph type="title"/>
+          </p:nvPr>
+        </p:nvSpPr>
+        <p:spPr/>
+        <p:txBody>
+          <a:bodyPr>
+            <a:normAutofit fontScale="90000"/>
+          </a:bodyPr>
+          <a:lstStyle/>
+          <a:p>
+            <a:r>
+              <a:rPr lang="es-CL" dirty="0" smtClean="0">
+                <a:solidFill>
+                  <a:schemeClr val="accent2"/>
+                </a:solidFill>
+              </a:rPr>
+              <a:t>Detalle Modelo Relacional:</a:t>
+            </a:r>
+            <a:br>
+              <a:rPr lang="es-CL" dirty="0" smtClean="0">
+                <a:solidFill>
+                  <a:schemeClr val="accent2"/>
+                </a:solidFill>
+              </a:rPr>
+            </a:br>
+            <a:r>
+              <a:rPr lang="es-CL" dirty="0" err="1" smtClean="0">
+                <a:solidFill>
+                  <a:schemeClr val="accent2"/>
+                </a:solidFill>
+              </a:rPr>
+              <a:t>Mapa_Tiene_Lugar</a:t>
+            </a:r>
+            <a:endParaRPr lang="en-US" dirty="0">
+              <a:solidFill>
+                <a:schemeClr val="accent2"/>
+              </a:solidFill>
+            </a:endParaRPr>
+          </a:p>
+        </p:txBody>
+      </p:sp>
+      <p:sp>
+        <p:nvSpPr>
+          <p:cNvPr id="12" name="11 Botón de acción: Inicio">
+            <a:hlinkClick r:id="rId2" action="ppaction://hlinksldjump" highlightClick="1"/>
+          </p:cNvPr>
+          <p:cNvSpPr/>
+          <p:nvPr/>
+        </p:nvSpPr>
+        <p:spPr>
+          <a:xfrm>
+            <a:off x="8305800" y="6096000"/>
+            <a:ext cx="457200" cy="381000"/>
+          </a:xfrm>
+          <a:prstGeom prst="actionButtonHome">
+            <a:avLst/>
+          </a:prstGeom>
+          <a:solidFill>
+            <a:schemeClr val="accent2">
+              <a:lumMod val="20000"/>
+              <a:lumOff val="80000"/>
+            </a:schemeClr>
+          </a:solidFill>
+          <a:ln>
+            <a:solidFill>
+              <a:schemeClr val="accent2"/>
+            </a:solidFill>
+          </a:ln>
+        </p:spPr>
+        <p:style>
+          <a:lnRef idx="2">
+            <a:schemeClr val="accent1">
+              <a:shade val="50000"/>
+            </a:schemeClr>
+          </a:lnRef>
+          <a:fillRef idx="1">
+            <a:schemeClr val="accent1"/>
+          </a:fillRef>
+          <a:effectRef idx="0">
+            <a:schemeClr val="accent1"/>
+          </a:effectRef>
+          <a:fontRef idx="minor">
+            <a:schemeClr val="lt1"/>
+          </a:fontRef>
+        </p:style>
+        <p:txBody>
+          <a:bodyPr rtlCol="0" anchor="ctr"/>
+          <a:lstStyle/>
+          <a:p>
+            <a:pPr algn="ctr"/>
+            <a:endParaRPr lang="en-US"/>
+          </a:p>
+        </p:txBody>
+      </p:sp>
+      <p:grpSp>
+        <p:nvGrpSpPr>
+          <p:cNvPr id="3" name="Group 26"/>
+          <p:cNvGrpSpPr/>
+          <p:nvPr/>
+        </p:nvGrpSpPr>
+        <p:grpSpPr>
+          <a:xfrm>
+            <a:off x="4157004" y="2438400"/>
+            <a:ext cx="1143000" cy="2819400"/>
+            <a:chOff x="6477000" y="2362200"/>
+            <a:chExt cx="1143000" cy="2819400"/>
+          </a:xfrm>
+        </p:grpSpPr>
+        <p:sp>
+          <p:nvSpPr>
+            <p:cNvPr id="14" name="24 Rectángulo">
+              <a:hlinkClick r:id="rId3" action="ppaction://hlinksldjump"/>
+            </p:cNvPr>
+            <p:cNvSpPr/>
+            <p:nvPr/>
+          </p:nvSpPr>
+          <p:spPr>
+            <a:xfrm>
+              <a:off x="6553200" y="2362200"/>
+              <a:ext cx="990600" cy="533400"/>
+            </a:xfrm>
+            <a:prstGeom prst="rect">
+              <a:avLst/>
+            </a:prstGeom>
+            <a:solidFill>
+              <a:schemeClr val="bg1"/>
+            </a:solidFill>
+            <a:ln>
+              <a:solidFill>
+                <a:schemeClr val="accent4">
+                  <a:lumMod val="60000"/>
+                  <a:lumOff val="40000"/>
+                </a:schemeClr>
+              </a:solidFill>
+            </a:ln>
+          </p:spPr>
+          <p:style>
+            <a:lnRef idx="2">
+              <a:schemeClr val="accent1">
+                <a:shade val="50000"/>
+              </a:schemeClr>
+            </a:lnRef>
+            <a:fillRef idx="1">
+              <a:schemeClr val="accent1"/>
+            </a:fillRef>
+            <a:effectRef idx="0">
+              <a:schemeClr val="accent1"/>
+            </a:effectRef>
+            <a:fontRef idx="minor">
+              <a:schemeClr val="lt1"/>
+            </a:fontRef>
+          </p:style>
           <p:txBody>
             <a:bodyPr rtlCol="0" anchor="ctr"/>
             <a:lstStyle/>
             <a:p>
               <a:pPr algn="ctr"/>
               <a:r>
-                <a:rPr lang="es-CL" sz="1200" dirty="0" smtClean="0">
+                <a:rPr lang="es-CL" sz="2000" dirty="0" smtClean="0">
                   <a:solidFill>
                     <a:schemeClr val="bg1">
                       <a:lumMod val="50000"/>
                     </a:schemeClr>
                   </a:solidFill>
                 </a:rPr>
-                <a:t>Fecha Inicio</a:t>
+                <a:t>Mapa</a:t>
               </a:r>
-              <a:endParaRPr lang="en-US" sz="1200" dirty="0">
+              <a:endParaRPr lang="en-US" sz="2000" dirty="0">
                 <a:solidFill>
                   <a:schemeClr val="bg1">
                     <a:lumMod val="50000"/>
@@ -3376,13 +4576,2717 @@
         </p:sp>
         <p:sp>
           <p:nvSpPr>
-            <p:cNvPr id="13" name="12 Rectángulo"/>
+            <p:cNvPr id="15" name="44 Rombo"/>
             <p:cNvSpPr/>
             <p:nvPr/>
           </p:nvSpPr>
           <p:spPr>
             <a:xfrm>
-              <a:off x="4114800" y="3429000"/>
+              <a:off x="6477000" y="3505200"/>
+              <a:ext cx="1143000" cy="533400"/>
+            </a:xfrm>
+            <a:prstGeom prst="diamond">
+              <a:avLst/>
+            </a:prstGeom>
+            <a:solidFill>
+              <a:schemeClr val="bg1"/>
+            </a:solidFill>
+            <a:ln>
+              <a:solidFill>
+                <a:schemeClr val="accent4">
+                  <a:lumMod val="60000"/>
+                  <a:lumOff val="40000"/>
+                </a:schemeClr>
+              </a:solidFill>
+            </a:ln>
+          </p:spPr>
+          <p:style>
+            <a:lnRef idx="2">
+              <a:schemeClr val="accent1">
+                <a:shade val="50000"/>
+              </a:schemeClr>
+            </a:lnRef>
+            <a:fillRef idx="1">
+              <a:schemeClr val="accent1"/>
+            </a:fillRef>
+            <a:effectRef idx="0">
+              <a:schemeClr val="accent1"/>
+            </a:effectRef>
+            <a:fontRef idx="minor">
+              <a:schemeClr val="lt1"/>
+            </a:fontRef>
+          </p:style>
+          <p:txBody>
+            <a:bodyPr rtlCol="0" anchor="ctr"/>
+            <a:lstStyle/>
+            <a:p>
+              <a:pPr algn="ctr"/>
+              <a:r>
+                <a:rPr lang="es-CL" sz="1000" dirty="0" smtClean="0">
+                  <a:solidFill>
+                    <a:schemeClr val="bg1">
+                      <a:lumMod val="50000"/>
+                    </a:schemeClr>
+                  </a:solidFill>
+                </a:rPr>
+                <a:t>Tiene</a:t>
+              </a:r>
+              <a:endParaRPr lang="en-US" sz="2000" dirty="0">
+                <a:solidFill>
+                  <a:schemeClr val="bg1">
+                    <a:lumMod val="50000"/>
+                  </a:schemeClr>
+                </a:solidFill>
+              </a:endParaRPr>
+            </a:p>
+          </p:txBody>
+        </p:sp>
+        <p:sp>
+          <p:nvSpPr>
+            <p:cNvPr id="16" name="45 Rectángulo">
+              <a:hlinkClick r:id="rId4" action="ppaction://hlinksldjump"/>
+            </p:cNvPr>
+            <p:cNvSpPr/>
+            <p:nvPr/>
+          </p:nvSpPr>
+          <p:spPr>
+            <a:xfrm>
+              <a:off x="6510996" y="4648200"/>
+              <a:ext cx="1066800" cy="533400"/>
+            </a:xfrm>
+            <a:prstGeom prst="rect">
+              <a:avLst/>
+            </a:prstGeom>
+            <a:solidFill>
+              <a:schemeClr val="bg1"/>
+            </a:solidFill>
+            <a:ln>
+              <a:solidFill>
+                <a:schemeClr val="accent4">
+                  <a:lumMod val="60000"/>
+                  <a:lumOff val="40000"/>
+                </a:schemeClr>
+              </a:solidFill>
+            </a:ln>
+          </p:spPr>
+          <p:style>
+            <a:lnRef idx="2">
+              <a:schemeClr val="accent1">
+                <a:shade val="50000"/>
+              </a:schemeClr>
+            </a:lnRef>
+            <a:fillRef idx="1">
+              <a:schemeClr val="accent1"/>
+            </a:fillRef>
+            <a:effectRef idx="0">
+              <a:schemeClr val="accent1"/>
+            </a:effectRef>
+            <a:fontRef idx="minor">
+              <a:schemeClr val="lt1"/>
+            </a:fontRef>
+          </p:style>
+          <p:txBody>
+            <a:bodyPr rtlCol="0" anchor="ctr"/>
+            <a:lstStyle/>
+            <a:p>
+              <a:pPr algn="ctr"/>
+              <a:r>
+                <a:rPr lang="es-CL" sz="2000" dirty="0" smtClean="0">
+                  <a:solidFill>
+                    <a:schemeClr val="bg1">
+                      <a:lumMod val="50000"/>
+                    </a:schemeClr>
+                  </a:solidFill>
+                </a:rPr>
+                <a:t>Lugar</a:t>
+              </a:r>
+              <a:endParaRPr lang="en-US" sz="2000" dirty="0">
+                <a:solidFill>
+                  <a:schemeClr val="bg1">
+                    <a:lumMod val="50000"/>
+                  </a:schemeClr>
+                </a:solidFill>
+              </a:endParaRPr>
+            </a:p>
+          </p:txBody>
+        </p:sp>
+        <p:cxnSp>
+          <p:nvCxnSpPr>
+            <p:cNvPr id="17" name="28 Conector recto"/>
+            <p:cNvCxnSpPr>
+              <a:stCxn id="15" idx="0"/>
+              <a:endCxn id="14" idx="2"/>
+            </p:cNvCxnSpPr>
+            <p:nvPr/>
+          </p:nvCxnSpPr>
+          <p:spPr>
+            <a:xfrm flipV="1">
+              <a:off x="7048500" y="2895600"/>
+              <a:ext cx="0" cy="609600"/>
+            </a:xfrm>
+            <a:prstGeom prst="line">
+              <a:avLst/>
+            </a:prstGeom>
+            <a:solidFill>
+              <a:schemeClr val="bg1"/>
+            </a:solidFill>
+            <a:ln>
+              <a:solidFill>
+                <a:schemeClr val="accent4">
+                  <a:lumMod val="60000"/>
+                  <a:lumOff val="40000"/>
+                </a:schemeClr>
+              </a:solidFill>
+            </a:ln>
+          </p:spPr>
+          <p:style>
+            <a:lnRef idx="2">
+              <a:schemeClr val="accent1">
+                <a:shade val="50000"/>
+              </a:schemeClr>
+            </a:lnRef>
+            <a:fillRef idx="1">
+              <a:schemeClr val="accent1"/>
+            </a:fillRef>
+            <a:effectRef idx="0">
+              <a:schemeClr val="accent1"/>
+            </a:effectRef>
+            <a:fontRef idx="minor">
+              <a:schemeClr val="lt1"/>
+            </a:fontRef>
+          </p:style>
+        </p:cxnSp>
+        <p:cxnSp>
+          <p:nvCxnSpPr>
+            <p:cNvPr id="22" name="28 Conector recto"/>
+            <p:cNvCxnSpPr>
+              <a:stCxn id="16" idx="0"/>
+              <a:endCxn id="15" idx="2"/>
+            </p:cNvCxnSpPr>
+            <p:nvPr/>
+          </p:nvCxnSpPr>
+          <p:spPr>
+            <a:xfrm flipV="1">
+              <a:off x="7044396" y="4038600"/>
+              <a:ext cx="4104" cy="609600"/>
+            </a:xfrm>
+            <a:prstGeom prst="line">
+              <a:avLst/>
+            </a:prstGeom>
+            <a:solidFill>
+              <a:schemeClr val="bg1"/>
+            </a:solidFill>
+            <a:ln>
+              <a:solidFill>
+                <a:schemeClr val="accent4">
+                  <a:lumMod val="60000"/>
+                  <a:lumOff val="40000"/>
+                </a:schemeClr>
+              </a:solidFill>
+            </a:ln>
+          </p:spPr>
+          <p:style>
+            <a:lnRef idx="2">
+              <a:schemeClr val="accent1">
+                <a:shade val="50000"/>
+              </a:schemeClr>
+            </a:lnRef>
+            <a:fillRef idx="1">
+              <a:schemeClr val="accent1"/>
+            </a:fillRef>
+            <a:effectRef idx="0">
+              <a:schemeClr val="accent1"/>
+            </a:effectRef>
+            <a:fontRef idx="minor">
+              <a:schemeClr val="lt1"/>
+            </a:fontRef>
+          </p:style>
+        </p:cxnSp>
+      </p:grpSp>
+      <p:sp>
+        <p:nvSpPr>
+          <p:cNvPr id="28" name="8 CuadroTexto"/>
+          <p:cNvSpPr txBox="1"/>
+          <p:nvPr/>
+        </p:nvSpPr>
+        <p:spPr>
+          <a:xfrm>
+            <a:off x="4800600" y="3048000"/>
+            <a:ext cx="609600" cy="369332"/>
+          </a:xfrm>
+          <a:prstGeom prst="rect">
+            <a:avLst/>
+          </a:prstGeom>
+          <a:noFill/>
+        </p:spPr>
+        <p:txBody>
+          <a:bodyPr wrap="square" rtlCol="0">
+            <a:spAutoFit/>
+          </a:bodyPr>
+          <a:lstStyle/>
+          <a:p>
+            <a:r>
+              <a:rPr lang="es-CL" dirty="0" smtClean="0">
+                <a:solidFill>
+                  <a:schemeClr val="bg1">
+                    <a:lumMod val="50000"/>
+                  </a:schemeClr>
+                </a:solidFill>
+              </a:rPr>
+              <a:t>1..1</a:t>
+            </a:r>
+            <a:endParaRPr lang="en-US" dirty="0">
+              <a:solidFill>
+                <a:schemeClr val="bg1">
+                  <a:lumMod val="50000"/>
+                </a:schemeClr>
+              </a:solidFill>
+            </a:endParaRPr>
+          </a:p>
+        </p:txBody>
+      </p:sp>
+      <p:sp>
+        <p:nvSpPr>
+          <p:cNvPr id="30" name="8 CuadroTexto"/>
+          <p:cNvSpPr txBox="1"/>
+          <p:nvPr/>
+        </p:nvSpPr>
+        <p:spPr>
+          <a:xfrm>
+            <a:off x="4800600" y="4267200"/>
+            <a:ext cx="609600" cy="369332"/>
+          </a:xfrm>
+          <a:prstGeom prst="rect">
+            <a:avLst/>
+          </a:prstGeom>
+          <a:noFill/>
+        </p:spPr>
+        <p:txBody>
+          <a:bodyPr wrap="square" rtlCol="0">
+            <a:spAutoFit/>
+          </a:bodyPr>
+          <a:lstStyle/>
+          <a:p>
+            <a:r>
+              <a:rPr lang="es-CL" dirty="0" smtClean="0">
+                <a:solidFill>
+                  <a:schemeClr val="bg1">
+                    <a:lumMod val="50000"/>
+                  </a:schemeClr>
+                </a:solidFill>
+              </a:rPr>
+              <a:t>0..N</a:t>
+            </a:r>
+            <a:endParaRPr lang="en-US" dirty="0">
+              <a:solidFill>
+                <a:schemeClr val="bg1">
+                  <a:lumMod val="50000"/>
+                </a:schemeClr>
+              </a:solidFill>
+            </a:endParaRPr>
+          </a:p>
+        </p:txBody>
+      </p:sp>
+      <p:sp>
+        <p:nvSpPr>
+          <p:cNvPr id="19" name="Action Button: Return 18">
+            <a:hlinkClick r:id="" action="ppaction://hlinkshowjump?jump=lastslideviewed" highlightClick="1"/>
+          </p:cNvPr>
+          <p:cNvSpPr/>
+          <p:nvPr/>
+        </p:nvSpPr>
+        <p:spPr>
+          <a:xfrm>
+            <a:off x="7696200" y="6096000"/>
+            <a:ext cx="457200" cy="381000"/>
+          </a:xfrm>
+          <a:prstGeom prst="actionButtonReturn">
+            <a:avLst/>
+          </a:prstGeom>
+          <a:solidFill>
+            <a:schemeClr val="accent2">
+              <a:lumMod val="20000"/>
+              <a:lumOff val="80000"/>
+            </a:schemeClr>
+          </a:solidFill>
+          <a:ln>
+            <a:solidFill>
+              <a:schemeClr val="accent2"/>
+            </a:solidFill>
+          </a:ln>
+        </p:spPr>
+        <p:style>
+          <a:lnRef idx="2">
+            <a:schemeClr val="accent1">
+              <a:shade val="50000"/>
+            </a:schemeClr>
+          </a:lnRef>
+          <a:fillRef idx="1">
+            <a:schemeClr val="accent1"/>
+          </a:fillRef>
+          <a:effectRef idx="0">
+            <a:schemeClr val="accent1"/>
+          </a:effectRef>
+          <a:fontRef idx="minor">
+            <a:schemeClr val="lt1"/>
+          </a:fontRef>
+        </p:style>
+        <p:txBody>
+          <a:bodyPr rtlCol="0" anchor="ctr"/>
+          <a:lstStyle/>
+          <a:p>
+            <a:pPr algn="ctr"/>
+            <a:endParaRPr lang="es-CL"/>
+          </a:p>
+        </p:txBody>
+      </p:sp>
+    </p:spTree>
+  </p:cSld>
+  <p:clrMapOvr>
+    <a:masterClrMapping/>
+  </p:clrMapOvr>
+  <p:transition advClick="0"/>
+  <p:timing>
+    <p:tnLst>
+      <p:par>
+        <p:cTn id="1" dur="indefinite" restart="never" nodeType="tmRoot"/>
+      </p:par>
+    </p:tnLst>
+  </p:timing>
+</p:sld>
+</file>
+
+<file path=ppt/slides/slide13.xml><?xml version="1.0" encoding="utf-8"?>
+<p:sld xmlns:a="http://schemas.openxmlformats.org/drawingml/2006/main" xmlns:r="http://schemas.openxmlformats.org/officeDocument/2006/relationships" xmlns:p="http://schemas.openxmlformats.org/presentationml/2006/main">
+  <p:cSld>
+    <p:spTree>
+      <p:nvGrpSpPr>
+        <p:cNvPr id="1" name=""/>
+        <p:cNvGrpSpPr/>
+        <p:nvPr/>
+      </p:nvGrpSpPr>
+      <p:grpSpPr>
+        <a:xfrm>
+          <a:off x="0" y="0"/>
+          <a:ext cx="0" cy="0"/>
+          <a:chOff x="0" y="0"/>
+          <a:chExt cx="0" cy="0"/>
+        </a:xfrm>
+      </p:grpSpPr>
+      <p:sp>
+        <p:nvSpPr>
+          <p:cNvPr id="2" name="1 Título"/>
+          <p:cNvSpPr>
+            <a:spLocks noGrp="1"/>
+          </p:cNvSpPr>
+          <p:nvPr>
+            <p:ph type="title"/>
+          </p:nvPr>
+        </p:nvSpPr>
+        <p:spPr/>
+        <p:txBody>
+          <a:bodyPr>
+            <a:normAutofit fontScale="90000"/>
+          </a:bodyPr>
+          <a:lstStyle/>
+          <a:p>
+            <a:r>
+              <a:rPr lang="es-CL" dirty="0" smtClean="0">
+                <a:solidFill>
+                  <a:schemeClr val="accent2"/>
+                </a:solidFill>
+              </a:rPr>
+              <a:t>Detalle Modelo Relacional:</a:t>
+            </a:r>
+            <a:br>
+              <a:rPr lang="es-CL" dirty="0" smtClean="0">
+                <a:solidFill>
+                  <a:schemeClr val="accent2"/>
+                </a:solidFill>
+              </a:rPr>
+            </a:br>
+            <a:r>
+              <a:rPr lang="es-CL" dirty="0" err="1" smtClean="0">
+                <a:solidFill>
+                  <a:schemeClr val="accent2"/>
+                </a:solidFill>
+              </a:rPr>
+              <a:t>Mapa_Tiene_Evento</a:t>
+            </a:r>
+            <a:endParaRPr lang="en-US" dirty="0">
+              <a:solidFill>
+                <a:schemeClr val="accent2"/>
+              </a:solidFill>
+            </a:endParaRPr>
+          </a:p>
+        </p:txBody>
+      </p:sp>
+      <p:sp>
+        <p:nvSpPr>
+          <p:cNvPr id="12" name="11 Botón de acción: Inicio">
+            <a:hlinkClick r:id="rId2" action="ppaction://hlinksldjump" highlightClick="1"/>
+          </p:cNvPr>
+          <p:cNvSpPr/>
+          <p:nvPr/>
+        </p:nvSpPr>
+        <p:spPr>
+          <a:xfrm>
+            <a:off x="8305800" y="6096000"/>
+            <a:ext cx="457200" cy="381000"/>
+          </a:xfrm>
+          <a:prstGeom prst="actionButtonHome">
+            <a:avLst/>
+          </a:prstGeom>
+          <a:solidFill>
+            <a:schemeClr val="accent2">
+              <a:lumMod val="20000"/>
+              <a:lumOff val="80000"/>
+            </a:schemeClr>
+          </a:solidFill>
+          <a:ln>
+            <a:solidFill>
+              <a:schemeClr val="accent2"/>
+            </a:solidFill>
+          </a:ln>
+        </p:spPr>
+        <p:style>
+          <a:lnRef idx="2">
+            <a:schemeClr val="accent1">
+              <a:shade val="50000"/>
+            </a:schemeClr>
+          </a:lnRef>
+          <a:fillRef idx="1">
+            <a:schemeClr val="accent1"/>
+          </a:fillRef>
+          <a:effectRef idx="0">
+            <a:schemeClr val="accent1"/>
+          </a:effectRef>
+          <a:fontRef idx="minor">
+            <a:schemeClr val="lt1"/>
+          </a:fontRef>
+        </p:style>
+        <p:txBody>
+          <a:bodyPr rtlCol="0" anchor="ctr"/>
+          <a:lstStyle/>
+          <a:p>
+            <a:pPr algn="ctr"/>
+            <a:endParaRPr lang="en-US"/>
+          </a:p>
+        </p:txBody>
+      </p:sp>
+      <p:sp>
+        <p:nvSpPr>
+          <p:cNvPr id="28" name="8 CuadroTexto"/>
+          <p:cNvSpPr txBox="1"/>
+          <p:nvPr/>
+        </p:nvSpPr>
+        <p:spPr>
+          <a:xfrm>
+            <a:off x="5257800" y="3429000"/>
+            <a:ext cx="609600" cy="369332"/>
+          </a:xfrm>
+          <a:prstGeom prst="rect">
+            <a:avLst/>
+          </a:prstGeom>
+          <a:noFill/>
+        </p:spPr>
+        <p:txBody>
+          <a:bodyPr wrap="square" rtlCol="0">
+            <a:spAutoFit/>
+          </a:bodyPr>
+          <a:lstStyle/>
+          <a:p>
+            <a:r>
+              <a:rPr lang="es-CL" dirty="0" smtClean="0">
+                <a:solidFill>
+                  <a:schemeClr val="bg1">
+                    <a:lumMod val="50000"/>
+                  </a:schemeClr>
+                </a:solidFill>
+              </a:rPr>
+              <a:t>1..1</a:t>
+            </a:r>
+            <a:endParaRPr lang="en-US" dirty="0">
+              <a:solidFill>
+                <a:schemeClr val="bg1">
+                  <a:lumMod val="50000"/>
+                </a:schemeClr>
+              </a:solidFill>
+            </a:endParaRPr>
+          </a:p>
+        </p:txBody>
+      </p:sp>
+      <p:sp>
+        <p:nvSpPr>
+          <p:cNvPr id="30" name="8 CuadroTexto"/>
+          <p:cNvSpPr txBox="1"/>
+          <p:nvPr/>
+        </p:nvSpPr>
+        <p:spPr>
+          <a:xfrm>
+            <a:off x="3810000" y="3429000"/>
+            <a:ext cx="609600" cy="369332"/>
+          </a:xfrm>
+          <a:prstGeom prst="rect">
+            <a:avLst/>
+          </a:prstGeom>
+          <a:noFill/>
+        </p:spPr>
+        <p:txBody>
+          <a:bodyPr wrap="square" rtlCol="0">
+            <a:spAutoFit/>
+          </a:bodyPr>
+          <a:lstStyle/>
+          <a:p>
+            <a:r>
+              <a:rPr lang="es-CL" dirty="0" smtClean="0">
+                <a:solidFill>
+                  <a:schemeClr val="bg1">
+                    <a:lumMod val="50000"/>
+                  </a:schemeClr>
+                </a:solidFill>
+              </a:rPr>
+              <a:t>0..N</a:t>
+            </a:r>
+            <a:endParaRPr lang="en-US" dirty="0">
+              <a:solidFill>
+                <a:schemeClr val="bg1">
+                  <a:lumMod val="50000"/>
+                </a:schemeClr>
+              </a:solidFill>
+            </a:endParaRPr>
+          </a:p>
+        </p:txBody>
+      </p:sp>
+      <p:grpSp>
+        <p:nvGrpSpPr>
+          <p:cNvPr id="27" name="Group 26"/>
+          <p:cNvGrpSpPr/>
+          <p:nvPr/>
+        </p:nvGrpSpPr>
+        <p:grpSpPr>
+          <a:xfrm>
+            <a:off x="2819400" y="3581400"/>
+            <a:ext cx="3962400" cy="533400"/>
+            <a:chOff x="4038600" y="1752600"/>
+            <a:chExt cx="3962400" cy="533400"/>
+          </a:xfrm>
+        </p:grpSpPr>
+        <p:sp>
+          <p:nvSpPr>
+            <p:cNvPr id="13" name="33 Rectángulo">
+              <a:hlinkClick r:id="rId3" action="ppaction://hlinksldjump"/>
+            </p:cNvPr>
+            <p:cNvSpPr/>
+            <p:nvPr/>
+          </p:nvSpPr>
+          <p:spPr>
+            <a:xfrm>
+              <a:off x="7010400" y="1752600"/>
+              <a:ext cx="990600" cy="533400"/>
+            </a:xfrm>
+            <a:prstGeom prst="rect">
+              <a:avLst/>
+            </a:prstGeom>
+            <a:solidFill>
+              <a:schemeClr val="bg1"/>
+            </a:solidFill>
+            <a:ln>
+              <a:solidFill>
+                <a:schemeClr val="accent4">
+                  <a:lumMod val="60000"/>
+                  <a:lumOff val="40000"/>
+                </a:schemeClr>
+              </a:solidFill>
+            </a:ln>
+          </p:spPr>
+          <p:style>
+            <a:lnRef idx="2">
+              <a:schemeClr val="accent1">
+                <a:shade val="50000"/>
+              </a:schemeClr>
+            </a:lnRef>
+            <a:fillRef idx="1">
+              <a:schemeClr val="accent1"/>
+            </a:fillRef>
+            <a:effectRef idx="0">
+              <a:schemeClr val="accent1"/>
+            </a:effectRef>
+            <a:fontRef idx="minor">
+              <a:schemeClr val="lt1"/>
+            </a:fontRef>
+          </p:style>
+          <p:txBody>
+            <a:bodyPr rtlCol="0" anchor="ctr"/>
+            <a:lstStyle/>
+            <a:p>
+              <a:pPr algn="ctr"/>
+              <a:r>
+                <a:rPr lang="es-CL" sz="2000" dirty="0" smtClean="0">
+                  <a:solidFill>
+                    <a:schemeClr val="bg1">
+                      <a:lumMod val="50000"/>
+                    </a:schemeClr>
+                  </a:solidFill>
+                </a:rPr>
+                <a:t>Mapa</a:t>
+              </a:r>
+              <a:endParaRPr lang="en-US" sz="2000" dirty="0">
+                <a:solidFill>
+                  <a:schemeClr val="bg1">
+                    <a:lumMod val="50000"/>
+                  </a:schemeClr>
+                </a:solidFill>
+              </a:endParaRPr>
+            </a:p>
+          </p:txBody>
+        </p:sp>
+        <p:sp>
+          <p:nvSpPr>
+            <p:cNvPr id="18" name="52 Rombo"/>
+            <p:cNvSpPr/>
+            <p:nvPr/>
+          </p:nvSpPr>
+          <p:spPr>
+            <a:xfrm>
+              <a:off x="5334000" y="1752600"/>
+              <a:ext cx="1219200" cy="533400"/>
+            </a:xfrm>
+            <a:prstGeom prst="diamond">
+              <a:avLst/>
+            </a:prstGeom>
+            <a:solidFill>
+              <a:schemeClr val="bg1"/>
+            </a:solidFill>
+            <a:ln>
+              <a:solidFill>
+                <a:schemeClr val="accent4">
+                  <a:lumMod val="60000"/>
+                  <a:lumOff val="40000"/>
+                </a:schemeClr>
+              </a:solidFill>
+            </a:ln>
+          </p:spPr>
+          <p:style>
+            <a:lnRef idx="2">
+              <a:schemeClr val="accent1">
+                <a:shade val="50000"/>
+              </a:schemeClr>
+            </a:lnRef>
+            <a:fillRef idx="1">
+              <a:schemeClr val="accent1"/>
+            </a:fillRef>
+            <a:effectRef idx="0">
+              <a:schemeClr val="accent1"/>
+            </a:effectRef>
+            <a:fontRef idx="minor">
+              <a:schemeClr val="lt1"/>
+            </a:fontRef>
+          </p:style>
+          <p:txBody>
+            <a:bodyPr rtlCol="0" anchor="ctr"/>
+            <a:lstStyle/>
+            <a:p>
+              <a:pPr algn="ctr"/>
+              <a:r>
+                <a:rPr lang="es-CL" sz="1000" dirty="0" smtClean="0">
+                  <a:solidFill>
+                    <a:schemeClr val="bg1">
+                      <a:lumMod val="50000"/>
+                    </a:schemeClr>
+                  </a:solidFill>
+                </a:rPr>
+                <a:t>Tiene</a:t>
+              </a:r>
+              <a:endParaRPr lang="en-US" sz="2000" dirty="0">
+                <a:solidFill>
+                  <a:schemeClr val="bg1">
+                    <a:lumMod val="50000"/>
+                  </a:schemeClr>
+                </a:solidFill>
+              </a:endParaRPr>
+            </a:p>
+          </p:txBody>
+        </p:sp>
+        <p:sp>
+          <p:nvSpPr>
+            <p:cNvPr id="19" name="104 Rectángulo">
+              <a:hlinkClick r:id="rId4" action="ppaction://hlinksldjump"/>
+            </p:cNvPr>
+            <p:cNvSpPr/>
+            <p:nvPr/>
+          </p:nvSpPr>
+          <p:spPr>
+            <a:xfrm>
+              <a:off x="4038600" y="1752600"/>
+              <a:ext cx="990600" cy="533400"/>
+            </a:xfrm>
+            <a:prstGeom prst="rect">
+              <a:avLst/>
+            </a:prstGeom>
+            <a:solidFill>
+              <a:schemeClr val="bg1"/>
+            </a:solidFill>
+            <a:ln>
+              <a:solidFill>
+                <a:schemeClr val="accent4">
+                  <a:lumMod val="60000"/>
+                  <a:lumOff val="40000"/>
+                </a:schemeClr>
+              </a:solidFill>
+            </a:ln>
+          </p:spPr>
+          <p:style>
+            <a:lnRef idx="2">
+              <a:schemeClr val="accent1">
+                <a:shade val="50000"/>
+              </a:schemeClr>
+            </a:lnRef>
+            <a:fillRef idx="1">
+              <a:schemeClr val="accent1"/>
+            </a:fillRef>
+            <a:effectRef idx="0">
+              <a:schemeClr val="accent1"/>
+            </a:effectRef>
+            <a:fontRef idx="minor">
+              <a:schemeClr val="lt1"/>
+            </a:fontRef>
+          </p:style>
+          <p:txBody>
+            <a:bodyPr rtlCol="0" anchor="ctr"/>
+            <a:lstStyle/>
+            <a:p>
+              <a:pPr algn="ctr"/>
+              <a:r>
+                <a:rPr lang="es-CL" sz="2000" dirty="0" smtClean="0">
+                  <a:solidFill>
+                    <a:schemeClr val="bg1">
+                      <a:lumMod val="50000"/>
+                    </a:schemeClr>
+                  </a:solidFill>
+                </a:rPr>
+                <a:t>Evento</a:t>
+              </a:r>
+              <a:endParaRPr lang="en-US" sz="2000" dirty="0">
+                <a:solidFill>
+                  <a:schemeClr val="bg1">
+                    <a:lumMod val="50000"/>
+                  </a:schemeClr>
+                </a:solidFill>
+              </a:endParaRPr>
+            </a:p>
+          </p:txBody>
+        </p:sp>
+        <p:cxnSp>
+          <p:nvCxnSpPr>
+            <p:cNvPr id="20" name="28 Conector recto"/>
+            <p:cNvCxnSpPr>
+              <a:stCxn id="18" idx="1"/>
+              <a:endCxn id="19" idx="3"/>
+            </p:cNvCxnSpPr>
+            <p:nvPr/>
+          </p:nvCxnSpPr>
+          <p:spPr>
+            <a:xfrm flipH="1">
+              <a:off x="5029200" y="2019300"/>
+              <a:ext cx="304800" cy="0"/>
+            </a:xfrm>
+            <a:prstGeom prst="line">
+              <a:avLst/>
+            </a:prstGeom>
+            <a:solidFill>
+              <a:schemeClr val="bg1"/>
+            </a:solidFill>
+            <a:ln>
+              <a:solidFill>
+                <a:schemeClr val="accent4">
+                  <a:lumMod val="60000"/>
+                  <a:lumOff val="40000"/>
+                </a:schemeClr>
+              </a:solidFill>
+            </a:ln>
+          </p:spPr>
+          <p:style>
+            <a:lnRef idx="2">
+              <a:schemeClr val="accent1">
+                <a:shade val="50000"/>
+              </a:schemeClr>
+            </a:lnRef>
+            <a:fillRef idx="1">
+              <a:schemeClr val="accent1"/>
+            </a:fillRef>
+            <a:effectRef idx="0">
+              <a:schemeClr val="accent1"/>
+            </a:effectRef>
+            <a:fontRef idx="minor">
+              <a:schemeClr val="lt1"/>
+            </a:fontRef>
+          </p:style>
+        </p:cxnSp>
+        <p:cxnSp>
+          <p:nvCxnSpPr>
+            <p:cNvPr id="24" name="28 Conector recto"/>
+            <p:cNvCxnSpPr>
+              <a:stCxn id="13" idx="1"/>
+              <a:endCxn id="18" idx="3"/>
+            </p:cNvCxnSpPr>
+            <p:nvPr/>
+          </p:nvCxnSpPr>
+          <p:spPr>
+            <a:xfrm flipH="1">
+              <a:off x="6553200" y="2019300"/>
+              <a:ext cx="457200" cy="0"/>
+            </a:xfrm>
+            <a:prstGeom prst="line">
+              <a:avLst/>
+            </a:prstGeom>
+            <a:solidFill>
+              <a:schemeClr val="bg1"/>
+            </a:solidFill>
+            <a:ln>
+              <a:solidFill>
+                <a:schemeClr val="accent4">
+                  <a:lumMod val="60000"/>
+                  <a:lumOff val="40000"/>
+                </a:schemeClr>
+              </a:solidFill>
+            </a:ln>
+          </p:spPr>
+          <p:style>
+            <a:lnRef idx="2">
+              <a:schemeClr val="accent1">
+                <a:shade val="50000"/>
+              </a:schemeClr>
+            </a:lnRef>
+            <a:fillRef idx="1">
+              <a:schemeClr val="accent1"/>
+            </a:fillRef>
+            <a:effectRef idx="0">
+              <a:schemeClr val="accent1"/>
+            </a:effectRef>
+            <a:fontRef idx="minor">
+              <a:schemeClr val="lt1"/>
+            </a:fontRef>
+          </p:style>
+        </p:cxnSp>
+      </p:grpSp>
+      <p:sp>
+        <p:nvSpPr>
+          <p:cNvPr id="29" name="Action Button: Return 28">
+            <a:hlinkClick r:id="" action="ppaction://hlinkshowjump?jump=lastslideviewed" highlightClick="1"/>
+          </p:cNvPr>
+          <p:cNvSpPr/>
+          <p:nvPr/>
+        </p:nvSpPr>
+        <p:spPr>
+          <a:xfrm>
+            <a:off x="7696200" y="6096000"/>
+            <a:ext cx="457200" cy="381000"/>
+          </a:xfrm>
+          <a:prstGeom prst="actionButtonReturn">
+            <a:avLst/>
+          </a:prstGeom>
+          <a:solidFill>
+            <a:schemeClr val="accent2">
+              <a:lumMod val="20000"/>
+              <a:lumOff val="80000"/>
+            </a:schemeClr>
+          </a:solidFill>
+          <a:ln>
+            <a:solidFill>
+              <a:schemeClr val="accent2"/>
+            </a:solidFill>
+          </a:ln>
+        </p:spPr>
+        <p:style>
+          <a:lnRef idx="2">
+            <a:schemeClr val="accent1">
+              <a:shade val="50000"/>
+            </a:schemeClr>
+          </a:lnRef>
+          <a:fillRef idx="1">
+            <a:schemeClr val="accent1"/>
+          </a:fillRef>
+          <a:effectRef idx="0">
+            <a:schemeClr val="accent1"/>
+          </a:effectRef>
+          <a:fontRef idx="minor">
+            <a:schemeClr val="lt1"/>
+          </a:fontRef>
+        </p:style>
+        <p:txBody>
+          <a:bodyPr rtlCol="0" anchor="ctr"/>
+          <a:lstStyle/>
+          <a:p>
+            <a:pPr algn="ctr"/>
+            <a:endParaRPr lang="es-CL"/>
+          </a:p>
+        </p:txBody>
+      </p:sp>
+    </p:spTree>
+  </p:cSld>
+  <p:clrMapOvr>
+    <a:masterClrMapping/>
+  </p:clrMapOvr>
+  <p:transition advClick="0"/>
+  <p:timing>
+    <p:tnLst>
+      <p:par>
+        <p:cTn id="1" dur="indefinite" restart="never" nodeType="tmRoot"/>
+      </p:par>
+    </p:tnLst>
+  </p:timing>
+</p:sld>
+</file>
+
+<file path=ppt/slides/slide14.xml><?xml version="1.0" encoding="utf-8"?>
+<p:sld xmlns:a="http://schemas.openxmlformats.org/drawingml/2006/main" xmlns:r="http://schemas.openxmlformats.org/officeDocument/2006/relationships" xmlns:p="http://schemas.openxmlformats.org/presentationml/2006/main">
+  <p:cSld>
+    <p:spTree>
+      <p:nvGrpSpPr>
+        <p:cNvPr id="1" name=""/>
+        <p:cNvGrpSpPr/>
+        <p:nvPr/>
+      </p:nvGrpSpPr>
+      <p:grpSpPr>
+        <a:xfrm>
+          <a:off x="0" y="0"/>
+          <a:ext cx="0" cy="0"/>
+          <a:chOff x="0" y="0"/>
+          <a:chExt cx="0" cy="0"/>
+        </a:xfrm>
+      </p:grpSpPr>
+      <p:sp>
+        <p:nvSpPr>
+          <p:cNvPr id="2" name="1 Título"/>
+          <p:cNvSpPr>
+            <a:spLocks noGrp="1"/>
+          </p:cNvSpPr>
+          <p:nvPr>
+            <p:ph type="title"/>
+          </p:nvPr>
+        </p:nvSpPr>
+        <p:spPr/>
+        <p:txBody>
+          <a:bodyPr>
+            <a:normAutofit fontScale="90000"/>
+          </a:bodyPr>
+          <a:lstStyle/>
+          <a:p>
+            <a:r>
+              <a:rPr lang="es-CL" dirty="0" smtClean="0">
+                <a:solidFill>
+                  <a:schemeClr val="accent2"/>
+                </a:solidFill>
+              </a:rPr>
+              <a:t>Detalle Modelo Relacional:</a:t>
+            </a:r>
+            <a:br>
+              <a:rPr lang="es-CL" dirty="0" smtClean="0">
+                <a:solidFill>
+                  <a:schemeClr val="accent2"/>
+                </a:solidFill>
+              </a:rPr>
+            </a:br>
+            <a:r>
+              <a:rPr lang="es-CL" dirty="0" err="1" smtClean="0">
+                <a:solidFill>
+                  <a:schemeClr val="accent2"/>
+                </a:solidFill>
+              </a:rPr>
+              <a:t>Usuario_Asiste</a:t>
+            </a:r>
+            <a:r>
+              <a:rPr lang="es-CL" dirty="0" smtClean="0">
+                <a:solidFill>
+                  <a:schemeClr val="accent2"/>
+                </a:solidFill>
+              </a:rPr>
+              <a:t> </a:t>
+            </a:r>
+            <a:r>
+              <a:rPr lang="es-CL" dirty="0" err="1" smtClean="0">
+                <a:solidFill>
+                  <a:schemeClr val="accent2"/>
+                </a:solidFill>
+              </a:rPr>
+              <a:t>A_Evento</a:t>
+            </a:r>
+            <a:endParaRPr lang="en-US" dirty="0">
+              <a:solidFill>
+                <a:schemeClr val="accent2"/>
+              </a:solidFill>
+            </a:endParaRPr>
+          </a:p>
+        </p:txBody>
+      </p:sp>
+      <p:sp>
+        <p:nvSpPr>
+          <p:cNvPr id="12" name="11 Botón de acción: Inicio">
+            <a:hlinkClick r:id="rId2" action="ppaction://hlinksldjump" highlightClick="1"/>
+          </p:cNvPr>
+          <p:cNvSpPr/>
+          <p:nvPr/>
+        </p:nvSpPr>
+        <p:spPr>
+          <a:xfrm>
+            <a:off x="8305800" y="6096000"/>
+            <a:ext cx="457200" cy="381000"/>
+          </a:xfrm>
+          <a:prstGeom prst="actionButtonHome">
+            <a:avLst/>
+          </a:prstGeom>
+          <a:solidFill>
+            <a:schemeClr val="accent2">
+              <a:lumMod val="20000"/>
+              <a:lumOff val="80000"/>
+            </a:schemeClr>
+          </a:solidFill>
+          <a:ln>
+            <a:solidFill>
+              <a:schemeClr val="accent2"/>
+            </a:solidFill>
+          </a:ln>
+        </p:spPr>
+        <p:style>
+          <a:lnRef idx="2">
+            <a:schemeClr val="accent1">
+              <a:shade val="50000"/>
+            </a:schemeClr>
+          </a:lnRef>
+          <a:fillRef idx="1">
+            <a:schemeClr val="accent1"/>
+          </a:fillRef>
+          <a:effectRef idx="0">
+            <a:schemeClr val="accent1"/>
+          </a:effectRef>
+          <a:fontRef idx="minor">
+            <a:schemeClr val="lt1"/>
+          </a:fontRef>
+        </p:style>
+        <p:txBody>
+          <a:bodyPr rtlCol="0" anchor="ctr"/>
+          <a:lstStyle/>
+          <a:p>
+            <a:pPr algn="ctr"/>
+            <a:endParaRPr lang="en-US"/>
+          </a:p>
+        </p:txBody>
+      </p:sp>
+      <p:sp>
+        <p:nvSpPr>
+          <p:cNvPr id="28" name="8 CuadroTexto"/>
+          <p:cNvSpPr txBox="1"/>
+          <p:nvPr/>
+        </p:nvSpPr>
+        <p:spPr>
+          <a:xfrm>
+            <a:off x="4724400" y="2819400"/>
+            <a:ext cx="609600" cy="369332"/>
+          </a:xfrm>
+          <a:prstGeom prst="rect">
+            <a:avLst/>
+          </a:prstGeom>
+          <a:noFill/>
+        </p:spPr>
+        <p:txBody>
+          <a:bodyPr wrap="square" rtlCol="0">
+            <a:spAutoFit/>
+          </a:bodyPr>
+          <a:lstStyle/>
+          <a:p>
+            <a:r>
+              <a:rPr lang="es-CL" dirty="0" smtClean="0">
+                <a:solidFill>
+                  <a:schemeClr val="bg1">
+                    <a:lumMod val="50000"/>
+                  </a:schemeClr>
+                </a:solidFill>
+              </a:rPr>
+              <a:t>0..N</a:t>
+            </a:r>
+            <a:endParaRPr lang="en-US" dirty="0">
+              <a:solidFill>
+                <a:schemeClr val="bg1">
+                  <a:lumMod val="50000"/>
+                </a:schemeClr>
+              </a:solidFill>
+            </a:endParaRPr>
+          </a:p>
+        </p:txBody>
+      </p:sp>
+      <p:sp>
+        <p:nvSpPr>
+          <p:cNvPr id="30" name="8 CuadroTexto"/>
+          <p:cNvSpPr txBox="1"/>
+          <p:nvPr/>
+        </p:nvSpPr>
+        <p:spPr>
+          <a:xfrm>
+            <a:off x="4724400" y="5410200"/>
+            <a:ext cx="609600" cy="369332"/>
+          </a:xfrm>
+          <a:prstGeom prst="rect">
+            <a:avLst/>
+          </a:prstGeom>
+          <a:noFill/>
+        </p:spPr>
+        <p:txBody>
+          <a:bodyPr wrap="square" rtlCol="0">
+            <a:spAutoFit/>
+          </a:bodyPr>
+          <a:lstStyle/>
+          <a:p>
+            <a:r>
+              <a:rPr lang="es-CL" dirty="0" smtClean="0">
+                <a:solidFill>
+                  <a:schemeClr val="bg1">
+                    <a:lumMod val="50000"/>
+                  </a:schemeClr>
+                </a:solidFill>
+              </a:rPr>
+              <a:t>0..N</a:t>
+            </a:r>
+            <a:endParaRPr lang="en-US" dirty="0">
+              <a:solidFill>
+                <a:schemeClr val="bg1">
+                  <a:lumMod val="50000"/>
+                </a:schemeClr>
+              </a:solidFill>
+            </a:endParaRPr>
+          </a:p>
+        </p:txBody>
+      </p:sp>
+      <p:grpSp>
+        <p:nvGrpSpPr>
+          <p:cNvPr id="22" name="Group 21"/>
+          <p:cNvGrpSpPr/>
+          <p:nvPr/>
+        </p:nvGrpSpPr>
+        <p:grpSpPr>
+          <a:xfrm>
+            <a:off x="3505200" y="2209800"/>
+            <a:ext cx="2514600" cy="3810000"/>
+            <a:chOff x="2514600" y="1752600"/>
+            <a:chExt cx="2514600" cy="3810000"/>
+          </a:xfrm>
+        </p:grpSpPr>
+        <p:sp>
+          <p:nvSpPr>
+            <p:cNvPr id="14" name="3 Rectángulo">
+              <a:hlinkClick r:id="rId3" action="ppaction://hlinksldjump"/>
+            </p:cNvPr>
+            <p:cNvSpPr/>
+            <p:nvPr/>
+          </p:nvSpPr>
+          <p:spPr>
+            <a:xfrm>
+              <a:off x="2514600" y="5029200"/>
+              <a:ext cx="990600" cy="533400"/>
+            </a:xfrm>
+            <a:prstGeom prst="rect">
+              <a:avLst/>
+            </a:prstGeom>
+            <a:solidFill>
+              <a:schemeClr val="bg1"/>
+            </a:solidFill>
+            <a:ln>
+              <a:solidFill>
+                <a:schemeClr val="accent4">
+                  <a:lumMod val="60000"/>
+                  <a:lumOff val="40000"/>
+                </a:schemeClr>
+              </a:solidFill>
+            </a:ln>
+          </p:spPr>
+          <p:style>
+            <a:lnRef idx="2">
+              <a:schemeClr val="accent1">
+                <a:shade val="50000"/>
+              </a:schemeClr>
+            </a:lnRef>
+            <a:fillRef idx="1">
+              <a:schemeClr val="accent1"/>
+            </a:fillRef>
+            <a:effectRef idx="0">
+              <a:schemeClr val="accent1"/>
+            </a:effectRef>
+            <a:fontRef idx="minor">
+              <a:schemeClr val="lt1"/>
+            </a:fontRef>
+          </p:style>
+          <p:txBody>
+            <a:bodyPr rtlCol="0" anchor="ctr"/>
+            <a:lstStyle/>
+            <a:p>
+              <a:pPr algn="ctr"/>
+              <a:r>
+                <a:rPr lang="es-CL" sz="2000" dirty="0" smtClean="0">
+                  <a:solidFill>
+                    <a:schemeClr val="bg1">
+                      <a:lumMod val="50000"/>
+                    </a:schemeClr>
+                  </a:solidFill>
+                </a:rPr>
+                <a:t>Usuario</a:t>
+              </a:r>
+              <a:endParaRPr lang="en-US" sz="2000" dirty="0">
+                <a:solidFill>
+                  <a:schemeClr val="bg1">
+                    <a:lumMod val="50000"/>
+                  </a:schemeClr>
+                </a:solidFill>
+              </a:endParaRPr>
+            </a:p>
+          </p:txBody>
+        </p:sp>
+        <p:sp>
+          <p:nvSpPr>
+            <p:cNvPr id="15" name="104 Rectángulo">
+              <a:hlinkClick r:id="rId4" action="ppaction://hlinksldjump"/>
+            </p:cNvPr>
+            <p:cNvSpPr/>
+            <p:nvPr/>
+          </p:nvSpPr>
+          <p:spPr>
+            <a:xfrm>
+              <a:off x="4038600" y="1752600"/>
+              <a:ext cx="990600" cy="533400"/>
+            </a:xfrm>
+            <a:prstGeom prst="rect">
+              <a:avLst/>
+            </a:prstGeom>
+            <a:solidFill>
+              <a:schemeClr val="bg1"/>
+            </a:solidFill>
+            <a:ln>
+              <a:solidFill>
+                <a:schemeClr val="accent4">
+                  <a:lumMod val="60000"/>
+                  <a:lumOff val="40000"/>
+                </a:schemeClr>
+              </a:solidFill>
+            </a:ln>
+          </p:spPr>
+          <p:style>
+            <a:lnRef idx="2">
+              <a:schemeClr val="accent1">
+                <a:shade val="50000"/>
+              </a:schemeClr>
+            </a:lnRef>
+            <a:fillRef idx="1">
+              <a:schemeClr val="accent1"/>
+            </a:fillRef>
+            <a:effectRef idx="0">
+              <a:schemeClr val="accent1"/>
+            </a:effectRef>
+            <a:fontRef idx="minor">
+              <a:schemeClr val="lt1"/>
+            </a:fontRef>
+          </p:style>
+          <p:txBody>
+            <a:bodyPr rtlCol="0" anchor="ctr"/>
+            <a:lstStyle/>
+            <a:p>
+              <a:pPr algn="ctr"/>
+              <a:r>
+                <a:rPr lang="es-CL" sz="2000" dirty="0" smtClean="0">
+                  <a:solidFill>
+                    <a:schemeClr val="bg1">
+                      <a:lumMod val="50000"/>
+                    </a:schemeClr>
+                  </a:solidFill>
+                </a:rPr>
+                <a:t>Evento</a:t>
+              </a:r>
+              <a:endParaRPr lang="en-US" sz="2000" dirty="0">
+                <a:solidFill>
+                  <a:schemeClr val="bg1">
+                    <a:lumMod val="50000"/>
+                  </a:schemeClr>
+                </a:solidFill>
+              </a:endParaRPr>
+            </a:p>
+          </p:txBody>
+        </p:sp>
+        <p:sp>
+          <p:nvSpPr>
+            <p:cNvPr id="16" name="120 Rombo"/>
+            <p:cNvSpPr/>
+            <p:nvPr/>
+          </p:nvSpPr>
+          <p:spPr>
+            <a:xfrm>
+              <a:off x="3124200" y="3124200"/>
+              <a:ext cx="1219200" cy="533400"/>
+            </a:xfrm>
+            <a:prstGeom prst="diamond">
+              <a:avLst/>
+            </a:prstGeom>
+            <a:solidFill>
+              <a:schemeClr val="bg1"/>
+            </a:solidFill>
+            <a:ln>
+              <a:solidFill>
+                <a:schemeClr val="accent4">
+                  <a:lumMod val="60000"/>
+                  <a:lumOff val="40000"/>
+                </a:schemeClr>
+              </a:solidFill>
+            </a:ln>
+          </p:spPr>
+          <p:style>
+            <a:lnRef idx="2">
+              <a:schemeClr val="accent1">
+                <a:shade val="50000"/>
+              </a:schemeClr>
+            </a:lnRef>
+            <a:fillRef idx="1">
+              <a:schemeClr val="accent1"/>
+            </a:fillRef>
+            <a:effectRef idx="0">
+              <a:schemeClr val="accent1"/>
+            </a:effectRef>
+            <a:fontRef idx="minor">
+              <a:schemeClr val="lt1"/>
+            </a:fontRef>
+          </p:style>
+          <p:txBody>
+            <a:bodyPr rtlCol="0" anchor="ctr"/>
+            <a:lstStyle/>
+            <a:p>
+              <a:pPr algn="ctr"/>
+              <a:r>
+                <a:rPr lang="es-CL" sz="1000" dirty="0" smtClean="0">
+                  <a:solidFill>
+                    <a:schemeClr val="bg1">
+                      <a:lumMod val="50000"/>
+                    </a:schemeClr>
+                  </a:solidFill>
+                </a:rPr>
+                <a:t>Asiste A</a:t>
+              </a:r>
+              <a:endParaRPr lang="en-US" sz="2000" dirty="0">
+                <a:solidFill>
+                  <a:schemeClr val="bg1">
+                    <a:lumMod val="50000"/>
+                  </a:schemeClr>
+                </a:solidFill>
+              </a:endParaRPr>
+            </a:p>
+          </p:txBody>
+        </p:sp>
+        <p:cxnSp>
+          <p:nvCxnSpPr>
+            <p:cNvPr id="17" name="65 Forma"/>
+            <p:cNvCxnSpPr>
+              <a:stCxn id="14" idx="3"/>
+              <a:endCxn id="16" idx="2"/>
+            </p:cNvCxnSpPr>
+            <p:nvPr/>
+          </p:nvCxnSpPr>
+          <p:spPr>
+            <a:xfrm flipV="1">
+              <a:off x="3505200" y="3657600"/>
+              <a:ext cx="228600" cy="1638300"/>
+            </a:xfrm>
+            <a:prstGeom prst="bentConnector2">
+              <a:avLst/>
+            </a:prstGeom>
+            <a:solidFill>
+              <a:schemeClr val="bg1"/>
+            </a:solidFill>
+            <a:ln>
+              <a:solidFill>
+                <a:schemeClr val="accent4">
+                  <a:lumMod val="60000"/>
+                  <a:lumOff val="40000"/>
+                </a:schemeClr>
+              </a:solidFill>
+            </a:ln>
+          </p:spPr>
+          <p:style>
+            <a:lnRef idx="2">
+              <a:schemeClr val="accent1">
+                <a:shade val="50000"/>
+              </a:schemeClr>
+            </a:lnRef>
+            <a:fillRef idx="1">
+              <a:schemeClr val="accent1"/>
+            </a:fillRef>
+            <a:effectRef idx="0">
+              <a:schemeClr val="accent1"/>
+            </a:effectRef>
+            <a:fontRef idx="minor">
+              <a:schemeClr val="lt1"/>
+            </a:fontRef>
+          </p:style>
+        </p:cxnSp>
+        <p:cxnSp>
+          <p:nvCxnSpPr>
+            <p:cNvPr id="21" name="65 Forma"/>
+            <p:cNvCxnSpPr>
+              <a:stCxn id="16" idx="0"/>
+              <a:endCxn id="15" idx="1"/>
+            </p:cNvCxnSpPr>
+            <p:nvPr/>
+          </p:nvCxnSpPr>
+          <p:spPr>
+            <a:xfrm rot="5400000" flipH="1" flipV="1">
+              <a:off x="3333750" y="2419350"/>
+              <a:ext cx="1104900" cy="304800"/>
+            </a:xfrm>
+            <a:prstGeom prst="bentConnector2">
+              <a:avLst/>
+            </a:prstGeom>
+            <a:solidFill>
+              <a:schemeClr val="bg1"/>
+            </a:solidFill>
+            <a:ln>
+              <a:solidFill>
+                <a:schemeClr val="accent4">
+                  <a:lumMod val="60000"/>
+                  <a:lumOff val="40000"/>
+                </a:schemeClr>
+              </a:solidFill>
+            </a:ln>
+          </p:spPr>
+          <p:style>
+            <a:lnRef idx="2">
+              <a:schemeClr val="accent1">
+                <a:shade val="50000"/>
+              </a:schemeClr>
+            </a:lnRef>
+            <a:fillRef idx="1">
+              <a:schemeClr val="accent1"/>
+            </a:fillRef>
+            <a:effectRef idx="0">
+              <a:schemeClr val="accent1"/>
+            </a:effectRef>
+            <a:fontRef idx="minor">
+              <a:schemeClr val="lt1"/>
+            </a:fontRef>
+          </p:style>
+        </p:cxnSp>
+      </p:grpSp>
+      <p:sp>
+        <p:nvSpPr>
+          <p:cNvPr id="23" name="Action Button: Return 22">
+            <a:hlinkClick r:id="" action="ppaction://hlinkshowjump?jump=lastslideviewed" highlightClick="1"/>
+          </p:cNvPr>
+          <p:cNvSpPr/>
+          <p:nvPr/>
+        </p:nvSpPr>
+        <p:spPr>
+          <a:xfrm>
+            <a:off x="7696200" y="6096000"/>
+            <a:ext cx="457200" cy="381000"/>
+          </a:xfrm>
+          <a:prstGeom prst="actionButtonReturn">
+            <a:avLst/>
+          </a:prstGeom>
+          <a:solidFill>
+            <a:schemeClr val="accent2">
+              <a:lumMod val="20000"/>
+              <a:lumOff val="80000"/>
+            </a:schemeClr>
+          </a:solidFill>
+          <a:ln>
+            <a:solidFill>
+              <a:schemeClr val="accent2"/>
+            </a:solidFill>
+          </a:ln>
+        </p:spPr>
+        <p:style>
+          <a:lnRef idx="2">
+            <a:schemeClr val="accent1">
+              <a:shade val="50000"/>
+            </a:schemeClr>
+          </a:lnRef>
+          <a:fillRef idx="1">
+            <a:schemeClr val="accent1"/>
+          </a:fillRef>
+          <a:effectRef idx="0">
+            <a:schemeClr val="accent1"/>
+          </a:effectRef>
+          <a:fontRef idx="minor">
+            <a:schemeClr val="lt1"/>
+          </a:fontRef>
+        </p:style>
+        <p:txBody>
+          <a:bodyPr rtlCol="0" anchor="ctr"/>
+          <a:lstStyle/>
+          <a:p>
+            <a:pPr algn="ctr"/>
+            <a:endParaRPr lang="es-CL"/>
+          </a:p>
+        </p:txBody>
+      </p:sp>
+    </p:spTree>
+  </p:cSld>
+  <p:clrMapOvr>
+    <a:masterClrMapping/>
+  </p:clrMapOvr>
+  <p:transition advClick="0"/>
+  <p:timing>
+    <p:tnLst>
+      <p:par>
+        <p:cTn id="1" dur="indefinite" restart="never" nodeType="tmRoot"/>
+      </p:par>
+    </p:tnLst>
+  </p:timing>
+</p:sld>
+</file>
+
+<file path=ppt/slides/slide15.xml><?xml version="1.0" encoding="utf-8"?>
+<p:sld xmlns:a="http://schemas.openxmlformats.org/drawingml/2006/main" xmlns:r="http://schemas.openxmlformats.org/officeDocument/2006/relationships" xmlns:p="http://schemas.openxmlformats.org/presentationml/2006/main">
+  <p:cSld>
+    <p:spTree>
+      <p:nvGrpSpPr>
+        <p:cNvPr id="1" name=""/>
+        <p:cNvGrpSpPr/>
+        <p:nvPr/>
+      </p:nvGrpSpPr>
+      <p:grpSpPr>
+        <a:xfrm>
+          <a:off x="0" y="0"/>
+          <a:ext cx="0" cy="0"/>
+          <a:chOff x="0" y="0"/>
+          <a:chExt cx="0" cy="0"/>
+        </a:xfrm>
+      </p:grpSpPr>
+      <p:sp>
+        <p:nvSpPr>
+          <p:cNvPr id="2" name="1 Título"/>
+          <p:cNvSpPr>
+            <a:spLocks noGrp="1"/>
+          </p:cNvSpPr>
+          <p:nvPr>
+            <p:ph type="title"/>
+          </p:nvPr>
+        </p:nvSpPr>
+        <p:spPr/>
+        <p:txBody>
+          <a:bodyPr>
+            <a:normAutofit fontScale="90000"/>
+          </a:bodyPr>
+          <a:lstStyle/>
+          <a:p>
+            <a:r>
+              <a:rPr lang="es-CL" dirty="0" smtClean="0">
+                <a:solidFill>
+                  <a:schemeClr val="accent2"/>
+                </a:solidFill>
+              </a:rPr>
+              <a:t>Detalle Modelo Relacional:</a:t>
+            </a:r>
+            <a:br>
+              <a:rPr lang="es-CL" dirty="0" smtClean="0">
+                <a:solidFill>
+                  <a:schemeClr val="accent2"/>
+                </a:solidFill>
+              </a:rPr>
+            </a:br>
+            <a:r>
+              <a:rPr lang="es-CL" dirty="0" err="1" smtClean="0">
+                <a:solidFill>
+                  <a:schemeClr val="accent2"/>
+                </a:solidFill>
+              </a:rPr>
+              <a:t>Usuario_Tiene_Solicitud</a:t>
+            </a:r>
+            <a:endParaRPr lang="en-US" dirty="0">
+              <a:solidFill>
+                <a:schemeClr val="accent2"/>
+              </a:solidFill>
+            </a:endParaRPr>
+          </a:p>
+        </p:txBody>
+      </p:sp>
+      <p:sp>
+        <p:nvSpPr>
+          <p:cNvPr id="12" name="11 Botón de acción: Inicio">
+            <a:hlinkClick r:id="rId2" action="ppaction://hlinksldjump" highlightClick="1"/>
+          </p:cNvPr>
+          <p:cNvSpPr/>
+          <p:nvPr/>
+        </p:nvSpPr>
+        <p:spPr>
+          <a:xfrm>
+            <a:off x="8305800" y="6096000"/>
+            <a:ext cx="457200" cy="381000"/>
+          </a:xfrm>
+          <a:prstGeom prst="actionButtonHome">
+            <a:avLst/>
+          </a:prstGeom>
+          <a:solidFill>
+            <a:schemeClr val="accent2">
+              <a:lumMod val="20000"/>
+              <a:lumOff val="80000"/>
+            </a:schemeClr>
+          </a:solidFill>
+          <a:ln>
+            <a:solidFill>
+              <a:schemeClr val="accent2"/>
+            </a:solidFill>
+          </a:ln>
+        </p:spPr>
+        <p:style>
+          <a:lnRef idx="2">
+            <a:schemeClr val="accent1">
+              <a:shade val="50000"/>
+            </a:schemeClr>
+          </a:lnRef>
+          <a:fillRef idx="1">
+            <a:schemeClr val="accent1"/>
+          </a:fillRef>
+          <a:effectRef idx="0">
+            <a:schemeClr val="accent1"/>
+          </a:effectRef>
+          <a:fontRef idx="minor">
+            <a:schemeClr val="lt1"/>
+          </a:fontRef>
+        </p:style>
+        <p:txBody>
+          <a:bodyPr rtlCol="0" anchor="ctr"/>
+          <a:lstStyle/>
+          <a:p>
+            <a:pPr algn="ctr"/>
+            <a:endParaRPr lang="en-US"/>
+          </a:p>
+        </p:txBody>
+      </p:sp>
+      <p:grpSp>
+        <p:nvGrpSpPr>
+          <p:cNvPr id="36" name="Group 35"/>
+          <p:cNvGrpSpPr/>
+          <p:nvPr/>
+        </p:nvGrpSpPr>
+        <p:grpSpPr>
+          <a:xfrm>
+            <a:off x="2971800" y="2286000"/>
+            <a:ext cx="3124200" cy="2895600"/>
+            <a:chOff x="2971800" y="2286000"/>
+            <a:chExt cx="3124200" cy="2895600"/>
+          </a:xfrm>
+        </p:grpSpPr>
+        <p:sp>
+          <p:nvSpPr>
+            <p:cNvPr id="28" name="8 CuadroTexto"/>
+            <p:cNvSpPr txBox="1"/>
+            <p:nvPr/>
+          </p:nvSpPr>
+          <p:spPr>
+            <a:xfrm>
+              <a:off x="4648200" y="2971800"/>
+              <a:ext cx="609600" cy="369332"/>
+            </a:xfrm>
+            <a:prstGeom prst="rect">
+              <a:avLst/>
+            </a:prstGeom>
+            <a:noFill/>
+          </p:spPr>
+          <p:txBody>
+            <a:bodyPr wrap="square" rtlCol="0">
+              <a:spAutoFit/>
+            </a:bodyPr>
+            <a:lstStyle/>
+            <a:p>
+              <a:r>
+                <a:rPr lang="es-CL" dirty="0" smtClean="0">
+                  <a:solidFill>
+                    <a:schemeClr val="bg1">
+                      <a:lumMod val="50000"/>
+                    </a:schemeClr>
+                  </a:solidFill>
+                </a:rPr>
+                <a:t>0..N</a:t>
+              </a:r>
+              <a:endParaRPr lang="en-US" dirty="0">
+                <a:solidFill>
+                  <a:schemeClr val="bg1">
+                    <a:lumMod val="50000"/>
+                  </a:schemeClr>
+                </a:solidFill>
+              </a:endParaRPr>
+            </a:p>
+          </p:txBody>
+        </p:sp>
+        <p:sp>
+          <p:nvSpPr>
+            <p:cNvPr id="30" name="8 CuadroTexto"/>
+            <p:cNvSpPr txBox="1"/>
+            <p:nvPr/>
+          </p:nvSpPr>
+          <p:spPr>
+            <a:xfrm>
+              <a:off x="5486400" y="4267200"/>
+              <a:ext cx="609600" cy="369332"/>
+            </a:xfrm>
+            <a:prstGeom prst="rect">
+              <a:avLst/>
+            </a:prstGeom>
+            <a:noFill/>
+          </p:spPr>
+          <p:txBody>
+            <a:bodyPr wrap="square" rtlCol="0">
+              <a:spAutoFit/>
+            </a:bodyPr>
+            <a:lstStyle/>
+            <a:p>
+              <a:r>
+                <a:rPr lang="es-CL" dirty="0" smtClean="0">
+                  <a:solidFill>
+                    <a:schemeClr val="bg1">
+                      <a:lumMod val="50000"/>
+                    </a:schemeClr>
+                  </a:solidFill>
+                </a:rPr>
+                <a:t>1..1</a:t>
+              </a:r>
+              <a:endParaRPr lang="en-US" dirty="0">
+                <a:solidFill>
+                  <a:schemeClr val="bg1">
+                    <a:lumMod val="50000"/>
+                  </a:schemeClr>
+                </a:solidFill>
+              </a:endParaRPr>
+            </a:p>
+          </p:txBody>
+        </p:sp>
+        <p:grpSp>
+          <p:nvGrpSpPr>
+            <p:cNvPr id="23" name="Group 22"/>
+            <p:cNvGrpSpPr/>
+            <p:nvPr/>
+          </p:nvGrpSpPr>
+          <p:grpSpPr>
+            <a:xfrm>
+              <a:off x="4114800" y="2438400"/>
+              <a:ext cx="1862796" cy="2743200"/>
+              <a:chOff x="1642404" y="2819400"/>
+              <a:chExt cx="1862796" cy="2743200"/>
+            </a:xfrm>
+          </p:grpSpPr>
+          <p:sp>
+            <p:nvSpPr>
+              <p:cNvPr id="13" name="3 Rectángulo">
+                <a:hlinkClick r:id="rId3" action="ppaction://hlinksldjump"/>
+              </p:cNvPr>
+              <p:cNvSpPr/>
+              <p:nvPr/>
+            </p:nvSpPr>
+            <p:spPr>
+              <a:xfrm>
+                <a:off x="2514600" y="5029200"/>
+                <a:ext cx="990600" cy="533400"/>
+              </a:xfrm>
+              <a:prstGeom prst="rect">
+                <a:avLst/>
+              </a:prstGeom>
+              <a:solidFill>
+                <a:schemeClr val="bg1"/>
+              </a:solidFill>
+              <a:ln>
+                <a:solidFill>
+                  <a:schemeClr val="accent4">
+                    <a:lumMod val="60000"/>
+                    <a:lumOff val="40000"/>
+                  </a:schemeClr>
+                </a:solidFill>
+              </a:ln>
+            </p:spPr>
+            <p:style>
+              <a:lnRef idx="2">
+                <a:schemeClr val="accent1">
+                  <a:shade val="50000"/>
+                </a:schemeClr>
+              </a:lnRef>
+              <a:fillRef idx="1">
+                <a:schemeClr val="accent1"/>
+              </a:fillRef>
+              <a:effectRef idx="0">
+                <a:schemeClr val="accent1"/>
+              </a:effectRef>
+              <a:fontRef idx="minor">
+                <a:schemeClr val="lt1"/>
+              </a:fontRef>
+            </p:style>
+            <p:txBody>
+              <a:bodyPr rtlCol="0" anchor="ctr"/>
+              <a:lstStyle/>
+              <a:p>
+                <a:pPr algn="ctr"/>
+                <a:r>
+                  <a:rPr lang="es-CL" sz="2000" dirty="0" smtClean="0">
+                    <a:solidFill>
+                      <a:schemeClr val="bg1">
+                        <a:lumMod val="50000"/>
+                      </a:schemeClr>
+                    </a:solidFill>
+                  </a:rPr>
+                  <a:t>Usuario</a:t>
+                </a:r>
+                <a:endParaRPr lang="en-US" sz="2000" dirty="0">
+                  <a:solidFill>
+                    <a:schemeClr val="bg1">
+                      <a:lumMod val="50000"/>
+                    </a:schemeClr>
+                  </a:solidFill>
+                </a:endParaRPr>
+              </a:p>
+            </p:txBody>
+          </p:sp>
+          <p:sp>
+            <p:nvSpPr>
+              <p:cNvPr id="18" name="54 Rectángulo">
+                <a:hlinkClick r:id="rId4" action="ppaction://hlinksldjump"/>
+              </p:cNvPr>
+              <p:cNvSpPr/>
+              <p:nvPr/>
+            </p:nvSpPr>
+            <p:spPr>
+              <a:xfrm>
+                <a:off x="1642404" y="2819400"/>
+                <a:ext cx="1143000" cy="533400"/>
+              </a:xfrm>
+              <a:prstGeom prst="rect">
+                <a:avLst/>
+              </a:prstGeom>
+              <a:solidFill>
+                <a:schemeClr val="bg1"/>
+              </a:solidFill>
+              <a:ln>
+                <a:solidFill>
+                  <a:schemeClr val="accent4">
+                    <a:lumMod val="60000"/>
+                    <a:lumOff val="40000"/>
+                  </a:schemeClr>
+                </a:solidFill>
+              </a:ln>
+            </p:spPr>
+            <p:style>
+              <a:lnRef idx="2">
+                <a:schemeClr val="accent1">
+                  <a:shade val="50000"/>
+                </a:schemeClr>
+              </a:lnRef>
+              <a:fillRef idx="1">
+                <a:schemeClr val="accent1"/>
+              </a:fillRef>
+              <a:effectRef idx="0">
+                <a:schemeClr val="accent1"/>
+              </a:effectRef>
+              <a:fontRef idx="minor">
+                <a:schemeClr val="lt1"/>
+              </a:fontRef>
+            </p:style>
+            <p:txBody>
+              <a:bodyPr rtlCol="0" anchor="ctr"/>
+              <a:lstStyle/>
+              <a:p>
+                <a:pPr algn="ctr"/>
+                <a:r>
+                  <a:rPr lang="es-CL" sz="2000" dirty="0" smtClean="0">
+                    <a:solidFill>
+                      <a:schemeClr val="bg1">
+                        <a:lumMod val="50000"/>
+                      </a:schemeClr>
+                    </a:solidFill>
+                  </a:rPr>
+                  <a:t>Solicitud</a:t>
+                </a:r>
+                <a:endParaRPr lang="en-US" sz="2000" dirty="0">
+                  <a:solidFill>
+                    <a:schemeClr val="bg1">
+                      <a:lumMod val="50000"/>
+                    </a:schemeClr>
+                  </a:solidFill>
+                </a:endParaRPr>
+              </a:p>
+            </p:txBody>
+          </p:sp>
+          <p:sp>
+            <p:nvSpPr>
+              <p:cNvPr id="19" name="72 Rombo"/>
+              <p:cNvSpPr/>
+              <p:nvPr/>
+            </p:nvSpPr>
+            <p:spPr>
+              <a:xfrm>
+                <a:off x="1676400" y="3962400"/>
+                <a:ext cx="1066800" cy="533400"/>
+              </a:xfrm>
+              <a:prstGeom prst="diamond">
+                <a:avLst/>
+              </a:prstGeom>
+              <a:solidFill>
+                <a:schemeClr val="bg1"/>
+              </a:solidFill>
+              <a:ln>
+                <a:solidFill>
+                  <a:schemeClr val="accent4">
+                    <a:lumMod val="60000"/>
+                    <a:lumOff val="40000"/>
+                  </a:schemeClr>
+                </a:solidFill>
+              </a:ln>
+            </p:spPr>
+            <p:style>
+              <a:lnRef idx="2">
+                <a:schemeClr val="accent1">
+                  <a:shade val="50000"/>
+                </a:schemeClr>
+              </a:lnRef>
+              <a:fillRef idx="1">
+                <a:schemeClr val="accent1"/>
+              </a:fillRef>
+              <a:effectRef idx="0">
+                <a:schemeClr val="accent1"/>
+              </a:effectRef>
+              <a:fontRef idx="minor">
+                <a:schemeClr val="lt1"/>
+              </a:fontRef>
+            </p:style>
+            <p:txBody>
+              <a:bodyPr rtlCol="0" anchor="ctr"/>
+              <a:lstStyle/>
+              <a:p>
+                <a:pPr algn="ctr"/>
+                <a:r>
+                  <a:rPr lang="es-CL" sz="1000" dirty="0" smtClean="0">
+                    <a:solidFill>
+                      <a:schemeClr val="bg1">
+                        <a:lumMod val="50000"/>
+                      </a:schemeClr>
+                    </a:solidFill>
+                  </a:rPr>
+                  <a:t>Tiene</a:t>
+                </a:r>
+                <a:endParaRPr lang="en-US" sz="2000" dirty="0">
+                  <a:solidFill>
+                    <a:schemeClr val="bg1">
+                      <a:lumMod val="50000"/>
+                    </a:schemeClr>
+                  </a:solidFill>
+                </a:endParaRPr>
+              </a:p>
+            </p:txBody>
+          </p:sp>
+          <p:cxnSp>
+            <p:nvCxnSpPr>
+              <p:cNvPr id="20" name="65 Forma"/>
+              <p:cNvCxnSpPr>
+                <a:stCxn id="13" idx="0"/>
+                <a:endCxn id="19" idx="2"/>
+              </p:cNvCxnSpPr>
+              <p:nvPr/>
+            </p:nvCxnSpPr>
+            <p:spPr>
+              <a:xfrm rot="16200000" flipV="1">
+                <a:off x="2343150" y="4362450"/>
+                <a:ext cx="533400" cy="800100"/>
+              </a:xfrm>
+              <a:prstGeom prst="bentConnector3">
+                <a:avLst>
+                  <a:gd name="adj1" fmla="val 50000"/>
+                </a:avLst>
+              </a:prstGeom>
+              <a:solidFill>
+                <a:schemeClr val="bg1"/>
+              </a:solidFill>
+              <a:ln>
+                <a:solidFill>
+                  <a:schemeClr val="accent4">
+                    <a:lumMod val="60000"/>
+                    <a:lumOff val="40000"/>
+                  </a:schemeClr>
+                </a:solidFill>
+              </a:ln>
+            </p:spPr>
+            <p:style>
+              <a:lnRef idx="2">
+                <a:schemeClr val="accent1">
+                  <a:shade val="50000"/>
+                </a:schemeClr>
+              </a:lnRef>
+              <a:fillRef idx="1">
+                <a:schemeClr val="accent1"/>
+              </a:fillRef>
+              <a:effectRef idx="0">
+                <a:schemeClr val="accent1"/>
+              </a:effectRef>
+              <a:fontRef idx="minor">
+                <a:schemeClr val="lt1"/>
+              </a:fontRef>
+            </p:style>
+          </p:cxnSp>
+          <p:cxnSp>
+            <p:nvCxnSpPr>
+              <p:cNvPr id="22" name="174 Conector recto"/>
+              <p:cNvCxnSpPr>
+                <a:stCxn id="18" idx="2"/>
+                <a:endCxn id="19" idx="0"/>
+              </p:cNvCxnSpPr>
+              <p:nvPr/>
+            </p:nvCxnSpPr>
+            <p:spPr>
+              <a:xfrm flipH="1">
+                <a:off x="2209800" y="3352800"/>
+                <a:ext cx="4104" cy="609600"/>
+              </a:xfrm>
+              <a:prstGeom prst="line">
+                <a:avLst/>
+              </a:prstGeom>
+              <a:solidFill>
+                <a:schemeClr val="bg1"/>
+              </a:solidFill>
+              <a:ln>
+                <a:solidFill>
+                  <a:schemeClr val="accent4">
+                    <a:lumMod val="60000"/>
+                    <a:lumOff val="40000"/>
+                  </a:schemeClr>
+                </a:solidFill>
+              </a:ln>
+            </p:spPr>
+            <p:style>
+              <a:lnRef idx="2">
+                <a:schemeClr val="accent1">
+                  <a:shade val="50000"/>
+                </a:schemeClr>
+              </a:lnRef>
+              <a:fillRef idx="1">
+                <a:schemeClr val="accent1"/>
+              </a:fillRef>
+              <a:effectRef idx="0">
+                <a:schemeClr val="accent1"/>
+              </a:effectRef>
+              <a:fontRef idx="minor">
+                <a:schemeClr val="lt1"/>
+              </a:fontRef>
+            </p:style>
+          </p:cxnSp>
+        </p:grpSp>
+        <p:sp>
+          <p:nvSpPr>
+            <p:cNvPr id="25" name="72 Rombo"/>
+            <p:cNvSpPr/>
+            <p:nvPr/>
+          </p:nvSpPr>
+          <p:spPr>
+            <a:xfrm>
+              <a:off x="2971800" y="3581400"/>
+              <a:ext cx="1066800" cy="533400"/>
+            </a:xfrm>
+            <a:prstGeom prst="diamond">
+              <a:avLst/>
+            </a:prstGeom>
+            <a:solidFill>
+              <a:schemeClr val="bg1"/>
+            </a:solidFill>
+            <a:ln>
+              <a:solidFill>
+                <a:schemeClr val="accent4">
+                  <a:lumMod val="60000"/>
+                  <a:lumOff val="40000"/>
+                </a:schemeClr>
+              </a:solidFill>
+            </a:ln>
+          </p:spPr>
+          <p:style>
+            <a:lnRef idx="2">
+              <a:schemeClr val="accent1">
+                <a:shade val="50000"/>
+              </a:schemeClr>
+            </a:lnRef>
+            <a:fillRef idx="1">
+              <a:schemeClr val="accent1"/>
+            </a:fillRef>
+            <a:effectRef idx="0">
+              <a:schemeClr val="accent1"/>
+            </a:effectRef>
+            <a:fontRef idx="minor">
+              <a:schemeClr val="lt1"/>
+            </a:fontRef>
+          </p:style>
+          <p:txBody>
+            <a:bodyPr rtlCol="0" anchor="ctr"/>
+            <a:lstStyle/>
+            <a:p>
+              <a:pPr algn="ctr"/>
+              <a:r>
+                <a:rPr lang="es-CL" sz="1000" dirty="0" smtClean="0">
+                  <a:solidFill>
+                    <a:schemeClr val="bg1">
+                      <a:lumMod val="50000"/>
+                    </a:schemeClr>
+                  </a:solidFill>
+                </a:rPr>
+                <a:t>De</a:t>
+              </a:r>
+              <a:endParaRPr lang="en-US" sz="2000" dirty="0">
+                <a:solidFill>
+                  <a:schemeClr val="bg1">
+                    <a:lumMod val="50000"/>
+                  </a:schemeClr>
+                </a:solidFill>
+              </a:endParaRPr>
+            </a:p>
+          </p:txBody>
+        </p:sp>
+        <p:cxnSp>
+          <p:nvCxnSpPr>
+            <p:cNvPr id="26" name="65 Forma"/>
+            <p:cNvCxnSpPr>
+              <a:stCxn id="13" idx="1"/>
+              <a:endCxn id="25" idx="2"/>
+            </p:cNvCxnSpPr>
+            <p:nvPr/>
+          </p:nvCxnSpPr>
+          <p:spPr>
+            <a:xfrm rot="10800000">
+              <a:off x="3505200" y="4114800"/>
+              <a:ext cx="1481796" cy="800100"/>
+            </a:xfrm>
+            <a:prstGeom prst="bentConnector2">
+              <a:avLst/>
+            </a:prstGeom>
+            <a:solidFill>
+              <a:schemeClr val="bg1"/>
+            </a:solidFill>
+            <a:ln>
+              <a:solidFill>
+                <a:schemeClr val="accent4">
+                  <a:lumMod val="60000"/>
+                  <a:lumOff val="40000"/>
+                </a:schemeClr>
+              </a:solidFill>
+            </a:ln>
+          </p:spPr>
+          <p:style>
+            <a:lnRef idx="2">
+              <a:schemeClr val="accent1">
+                <a:shade val="50000"/>
+              </a:schemeClr>
+            </a:lnRef>
+            <a:fillRef idx="1">
+              <a:schemeClr val="accent1"/>
+            </a:fillRef>
+            <a:effectRef idx="0">
+              <a:schemeClr val="accent1"/>
+            </a:effectRef>
+            <a:fontRef idx="minor">
+              <a:schemeClr val="lt1"/>
+            </a:fontRef>
+          </p:style>
+        </p:cxnSp>
+        <p:cxnSp>
+          <p:nvCxnSpPr>
+            <p:cNvPr id="31" name="65 Forma"/>
+            <p:cNvCxnSpPr>
+              <a:stCxn id="18" idx="1"/>
+              <a:endCxn id="25" idx="0"/>
+            </p:cNvCxnSpPr>
+            <p:nvPr/>
+          </p:nvCxnSpPr>
+          <p:spPr>
+            <a:xfrm rot="10800000" flipV="1">
+              <a:off x="3505200" y="2705100"/>
+              <a:ext cx="609600" cy="876300"/>
+            </a:xfrm>
+            <a:prstGeom prst="bentConnector2">
+              <a:avLst/>
+            </a:prstGeom>
+            <a:solidFill>
+              <a:schemeClr val="bg1"/>
+            </a:solidFill>
+            <a:ln>
+              <a:solidFill>
+                <a:schemeClr val="accent4">
+                  <a:lumMod val="60000"/>
+                  <a:lumOff val="40000"/>
+                </a:schemeClr>
+              </a:solidFill>
+            </a:ln>
+          </p:spPr>
+          <p:style>
+            <a:lnRef idx="2">
+              <a:schemeClr val="accent1">
+                <a:shade val="50000"/>
+              </a:schemeClr>
+            </a:lnRef>
+            <a:fillRef idx="1">
+              <a:schemeClr val="accent1"/>
+            </a:fillRef>
+            <a:effectRef idx="0">
+              <a:schemeClr val="accent1"/>
+            </a:effectRef>
+            <a:fontRef idx="minor">
+              <a:schemeClr val="lt1"/>
+            </a:fontRef>
+          </p:style>
+        </p:cxnSp>
+        <p:sp>
+          <p:nvSpPr>
+            <p:cNvPr id="34" name="8 CuadroTexto"/>
+            <p:cNvSpPr txBox="1"/>
+            <p:nvPr/>
+          </p:nvSpPr>
+          <p:spPr>
+            <a:xfrm>
+              <a:off x="4495800" y="4583668"/>
+              <a:ext cx="609600" cy="369332"/>
+            </a:xfrm>
+            <a:prstGeom prst="rect">
+              <a:avLst/>
+            </a:prstGeom>
+            <a:noFill/>
+          </p:spPr>
+          <p:txBody>
+            <a:bodyPr wrap="square" rtlCol="0">
+              <a:spAutoFit/>
+            </a:bodyPr>
+            <a:lstStyle/>
+            <a:p>
+              <a:r>
+                <a:rPr lang="es-CL" dirty="0" smtClean="0">
+                  <a:solidFill>
+                    <a:schemeClr val="bg1">
+                      <a:lumMod val="50000"/>
+                    </a:schemeClr>
+                  </a:solidFill>
+                </a:rPr>
+                <a:t>1..1</a:t>
+              </a:r>
+              <a:endParaRPr lang="en-US" dirty="0">
+                <a:solidFill>
+                  <a:schemeClr val="bg1">
+                    <a:lumMod val="50000"/>
+                  </a:schemeClr>
+                </a:solidFill>
+              </a:endParaRPr>
+            </a:p>
+          </p:txBody>
+        </p:sp>
+        <p:sp>
+          <p:nvSpPr>
+            <p:cNvPr id="35" name="8 CuadroTexto"/>
+            <p:cNvSpPr txBox="1"/>
+            <p:nvPr/>
+          </p:nvSpPr>
+          <p:spPr>
+            <a:xfrm>
+              <a:off x="3581400" y="2286000"/>
+              <a:ext cx="609600" cy="369332"/>
+            </a:xfrm>
+            <a:prstGeom prst="rect">
+              <a:avLst/>
+            </a:prstGeom>
+            <a:noFill/>
+          </p:spPr>
+          <p:txBody>
+            <a:bodyPr wrap="square" rtlCol="0">
+              <a:spAutoFit/>
+            </a:bodyPr>
+            <a:lstStyle/>
+            <a:p>
+              <a:r>
+                <a:rPr lang="es-CL" dirty="0" smtClean="0">
+                  <a:solidFill>
+                    <a:schemeClr val="bg1">
+                      <a:lumMod val="50000"/>
+                    </a:schemeClr>
+                  </a:solidFill>
+                </a:rPr>
+                <a:t>0</a:t>
+              </a:r>
+              <a:r>
+                <a:rPr lang="es-CL" dirty="0" smtClean="0">
+                  <a:solidFill>
+                    <a:schemeClr val="bg1">
+                      <a:lumMod val="50000"/>
+                    </a:schemeClr>
+                  </a:solidFill>
+                </a:rPr>
+                <a:t>..N</a:t>
+              </a:r>
+              <a:endParaRPr lang="en-US" dirty="0">
+                <a:solidFill>
+                  <a:schemeClr val="bg1">
+                    <a:lumMod val="50000"/>
+                  </a:schemeClr>
+                </a:solidFill>
+              </a:endParaRPr>
+            </a:p>
+          </p:txBody>
+        </p:sp>
+      </p:grpSp>
+      <p:sp>
+        <p:nvSpPr>
+          <p:cNvPr id="37" name="Action Button: Return 36">
+            <a:hlinkClick r:id="" action="ppaction://hlinkshowjump?jump=lastslideviewed" highlightClick="1"/>
+          </p:cNvPr>
+          <p:cNvSpPr/>
+          <p:nvPr/>
+        </p:nvSpPr>
+        <p:spPr>
+          <a:xfrm>
+            <a:off x="7696200" y="6096000"/>
+            <a:ext cx="457200" cy="381000"/>
+          </a:xfrm>
+          <a:prstGeom prst="actionButtonReturn">
+            <a:avLst/>
+          </a:prstGeom>
+          <a:solidFill>
+            <a:schemeClr val="accent2">
+              <a:lumMod val="20000"/>
+              <a:lumOff val="80000"/>
+            </a:schemeClr>
+          </a:solidFill>
+          <a:ln>
+            <a:solidFill>
+              <a:schemeClr val="accent2"/>
+            </a:solidFill>
+          </a:ln>
+        </p:spPr>
+        <p:style>
+          <a:lnRef idx="2">
+            <a:schemeClr val="accent1">
+              <a:shade val="50000"/>
+            </a:schemeClr>
+          </a:lnRef>
+          <a:fillRef idx="1">
+            <a:schemeClr val="accent1"/>
+          </a:fillRef>
+          <a:effectRef idx="0">
+            <a:schemeClr val="accent1"/>
+          </a:effectRef>
+          <a:fontRef idx="minor">
+            <a:schemeClr val="lt1"/>
+          </a:fontRef>
+        </p:style>
+        <p:txBody>
+          <a:bodyPr rtlCol="0" anchor="ctr"/>
+          <a:lstStyle/>
+          <a:p>
+            <a:pPr algn="ctr"/>
+            <a:endParaRPr lang="es-CL"/>
+          </a:p>
+        </p:txBody>
+      </p:sp>
+    </p:spTree>
+  </p:cSld>
+  <p:clrMapOvr>
+    <a:masterClrMapping/>
+  </p:clrMapOvr>
+  <p:transition advClick="0"/>
+  <p:timing>
+    <p:tnLst>
+      <p:par>
+        <p:cTn id="1" dur="indefinite" restart="never" nodeType="tmRoot"/>
+      </p:par>
+    </p:tnLst>
+  </p:timing>
+</p:sld>
+</file>
+
+<file path=ppt/slides/slide16.xml><?xml version="1.0" encoding="utf-8"?>
+<p:sld xmlns:a="http://schemas.openxmlformats.org/drawingml/2006/main" xmlns:r="http://schemas.openxmlformats.org/officeDocument/2006/relationships" xmlns:p="http://schemas.openxmlformats.org/presentationml/2006/main">
+  <p:cSld>
+    <p:spTree>
+      <p:nvGrpSpPr>
+        <p:cNvPr id="1" name=""/>
+        <p:cNvGrpSpPr/>
+        <p:nvPr/>
+      </p:nvGrpSpPr>
+      <p:grpSpPr>
+        <a:xfrm>
+          <a:off x="0" y="0"/>
+          <a:ext cx="0" cy="0"/>
+          <a:chOff x="0" y="0"/>
+          <a:chExt cx="0" cy="0"/>
+        </a:xfrm>
+      </p:grpSpPr>
+      <p:sp>
+        <p:nvSpPr>
+          <p:cNvPr id="2" name="1 Título"/>
+          <p:cNvSpPr>
+            <a:spLocks noGrp="1"/>
+          </p:cNvSpPr>
+          <p:nvPr>
+            <p:ph type="title"/>
+          </p:nvPr>
+        </p:nvSpPr>
+        <p:spPr/>
+        <p:txBody>
+          <a:bodyPr>
+            <a:normAutofit fontScale="90000"/>
+          </a:bodyPr>
+          <a:lstStyle/>
+          <a:p>
+            <a:r>
+              <a:rPr lang="es-CL" dirty="0" smtClean="0">
+                <a:solidFill>
+                  <a:schemeClr val="accent2"/>
+                </a:solidFill>
+              </a:rPr>
+              <a:t>Detalle Modelo Relacional:</a:t>
+            </a:r>
+            <a:br>
+              <a:rPr lang="es-CL" dirty="0" smtClean="0">
+                <a:solidFill>
+                  <a:schemeClr val="accent2"/>
+                </a:solidFill>
+              </a:rPr>
+            </a:br>
+            <a:r>
+              <a:rPr lang="es-CL" dirty="0" err="1" smtClean="0">
+                <a:solidFill>
+                  <a:schemeClr val="accent2"/>
+                </a:solidFill>
+              </a:rPr>
+              <a:t>Usuario_Tiene_Mensaje</a:t>
+            </a:r>
+            <a:endParaRPr lang="en-US" dirty="0">
+              <a:solidFill>
+                <a:schemeClr val="accent2"/>
+              </a:solidFill>
+            </a:endParaRPr>
+          </a:p>
+        </p:txBody>
+      </p:sp>
+      <p:sp>
+        <p:nvSpPr>
+          <p:cNvPr id="12" name="11 Botón de acción: Inicio">
+            <a:hlinkClick r:id="rId2" action="ppaction://hlinksldjump" highlightClick="1"/>
+          </p:cNvPr>
+          <p:cNvSpPr/>
+          <p:nvPr/>
+        </p:nvSpPr>
+        <p:spPr>
+          <a:xfrm>
+            <a:off x="8305800" y="6096000"/>
+            <a:ext cx="457200" cy="381000"/>
+          </a:xfrm>
+          <a:prstGeom prst="actionButtonHome">
+            <a:avLst/>
+          </a:prstGeom>
+          <a:solidFill>
+            <a:schemeClr val="accent2">
+              <a:lumMod val="20000"/>
+              <a:lumOff val="80000"/>
+            </a:schemeClr>
+          </a:solidFill>
+          <a:ln>
+            <a:solidFill>
+              <a:schemeClr val="accent2"/>
+            </a:solidFill>
+          </a:ln>
+        </p:spPr>
+        <p:style>
+          <a:lnRef idx="2">
+            <a:schemeClr val="accent1">
+              <a:shade val="50000"/>
+            </a:schemeClr>
+          </a:lnRef>
+          <a:fillRef idx="1">
+            <a:schemeClr val="accent1"/>
+          </a:fillRef>
+          <a:effectRef idx="0">
+            <a:schemeClr val="accent1"/>
+          </a:effectRef>
+          <a:fontRef idx="minor">
+            <a:schemeClr val="lt1"/>
+          </a:fontRef>
+        </p:style>
+        <p:txBody>
+          <a:bodyPr rtlCol="0" anchor="ctr"/>
+          <a:lstStyle/>
+          <a:p>
+            <a:pPr algn="ctr"/>
+            <a:endParaRPr lang="en-US"/>
+          </a:p>
+        </p:txBody>
+      </p:sp>
+      <p:sp>
+        <p:nvSpPr>
+          <p:cNvPr id="28" name="8 CuadroTexto"/>
+          <p:cNvSpPr txBox="1"/>
+          <p:nvPr/>
+        </p:nvSpPr>
+        <p:spPr>
+          <a:xfrm>
+            <a:off x="4648200" y="2819400"/>
+            <a:ext cx="609600" cy="369332"/>
+          </a:xfrm>
+          <a:prstGeom prst="rect">
+            <a:avLst/>
+          </a:prstGeom>
+          <a:noFill/>
+        </p:spPr>
+        <p:txBody>
+          <a:bodyPr wrap="square" rtlCol="0">
+            <a:spAutoFit/>
+          </a:bodyPr>
+          <a:lstStyle/>
+          <a:p>
+            <a:r>
+              <a:rPr lang="es-CL" dirty="0" smtClean="0">
+                <a:solidFill>
+                  <a:schemeClr val="bg1">
+                    <a:lumMod val="50000"/>
+                  </a:schemeClr>
+                </a:solidFill>
+              </a:rPr>
+              <a:t>0..N</a:t>
+            </a:r>
+            <a:endParaRPr lang="en-US" dirty="0">
+              <a:solidFill>
+                <a:schemeClr val="bg1">
+                  <a:lumMod val="50000"/>
+                </a:schemeClr>
+              </a:solidFill>
+            </a:endParaRPr>
+          </a:p>
+        </p:txBody>
+      </p:sp>
+      <p:sp>
+        <p:nvSpPr>
+          <p:cNvPr id="30" name="8 CuadroTexto"/>
+          <p:cNvSpPr txBox="1"/>
+          <p:nvPr/>
+        </p:nvSpPr>
+        <p:spPr>
+          <a:xfrm>
+            <a:off x="6477000" y="3974068"/>
+            <a:ext cx="609600" cy="369332"/>
+          </a:xfrm>
+          <a:prstGeom prst="rect">
+            <a:avLst/>
+          </a:prstGeom>
+          <a:noFill/>
+        </p:spPr>
+        <p:txBody>
+          <a:bodyPr wrap="square" rtlCol="0">
+            <a:spAutoFit/>
+          </a:bodyPr>
+          <a:lstStyle/>
+          <a:p>
+            <a:r>
+              <a:rPr lang="es-CL" dirty="0" smtClean="0">
+                <a:solidFill>
+                  <a:schemeClr val="bg1">
+                    <a:lumMod val="50000"/>
+                  </a:schemeClr>
+                </a:solidFill>
+              </a:rPr>
+              <a:t>1..1</a:t>
+            </a:r>
+            <a:endParaRPr lang="en-US" dirty="0">
+              <a:solidFill>
+                <a:schemeClr val="bg1">
+                  <a:lumMod val="50000"/>
+                </a:schemeClr>
+              </a:solidFill>
+            </a:endParaRPr>
+          </a:p>
+        </p:txBody>
+      </p:sp>
+      <p:grpSp>
+        <p:nvGrpSpPr>
+          <p:cNvPr id="23" name="Group 22"/>
+          <p:cNvGrpSpPr/>
+          <p:nvPr/>
+        </p:nvGrpSpPr>
+        <p:grpSpPr>
+          <a:xfrm>
+            <a:off x="4072596" y="2286000"/>
+            <a:ext cx="2861604" cy="2590800"/>
+            <a:chOff x="414996" y="3352800"/>
+            <a:chExt cx="2861604" cy="2590800"/>
+          </a:xfrm>
+        </p:grpSpPr>
+        <p:sp>
+          <p:nvSpPr>
+            <p:cNvPr id="13" name="3 Rectángulo">
+              <a:hlinkClick r:id="rId3" action="ppaction://hlinksldjump"/>
+            </p:cNvPr>
+            <p:cNvSpPr/>
+            <p:nvPr/>
+          </p:nvSpPr>
+          <p:spPr>
+            <a:xfrm>
+              <a:off x="2286000" y="5410200"/>
+              <a:ext cx="990600" cy="533400"/>
+            </a:xfrm>
+            <a:prstGeom prst="rect">
+              <a:avLst/>
+            </a:prstGeom>
+            <a:solidFill>
+              <a:schemeClr val="bg1"/>
+            </a:solidFill>
+            <a:ln>
+              <a:solidFill>
+                <a:schemeClr val="accent4">
+                  <a:lumMod val="60000"/>
+                  <a:lumOff val="40000"/>
+                </a:schemeClr>
+              </a:solidFill>
+            </a:ln>
+          </p:spPr>
+          <p:style>
+            <a:lnRef idx="2">
+              <a:schemeClr val="accent1">
+                <a:shade val="50000"/>
+              </a:schemeClr>
+            </a:lnRef>
+            <a:fillRef idx="1">
+              <a:schemeClr val="accent1"/>
+            </a:fillRef>
+            <a:effectRef idx="0">
+              <a:schemeClr val="accent1"/>
+            </a:effectRef>
+            <a:fontRef idx="minor">
+              <a:schemeClr val="lt1"/>
+            </a:fontRef>
+          </p:style>
+          <p:txBody>
+            <a:bodyPr rtlCol="0" anchor="ctr"/>
+            <a:lstStyle/>
+            <a:p>
+              <a:pPr algn="ctr"/>
+              <a:r>
+                <a:rPr lang="es-CL" sz="2000" dirty="0" smtClean="0">
+                  <a:solidFill>
+                    <a:schemeClr val="bg1">
+                      <a:lumMod val="50000"/>
+                    </a:schemeClr>
+                  </a:solidFill>
+                </a:rPr>
+                <a:t>Usuario</a:t>
+              </a:r>
+              <a:endParaRPr lang="en-US" sz="2000" dirty="0">
+                <a:solidFill>
+                  <a:schemeClr val="bg1">
+                    <a:lumMod val="50000"/>
+                  </a:schemeClr>
+                </a:solidFill>
+              </a:endParaRPr>
+            </a:p>
+          </p:txBody>
+        </p:sp>
+        <p:sp>
+          <p:nvSpPr>
+            <p:cNvPr id="18" name="53 Rectángulo">
+              <a:hlinkClick r:id="rId4" action="ppaction://hlinksldjump"/>
+            </p:cNvPr>
+            <p:cNvSpPr/>
+            <p:nvPr/>
+          </p:nvSpPr>
+          <p:spPr>
+            <a:xfrm>
+              <a:off x="414996" y="3352800"/>
               <a:ext cx="1143000" cy="533400"/>
             </a:xfrm>
             <a:prstGeom prst="rect">
@@ -3429,7 +7333,74 @@
                     </a:schemeClr>
                   </a:solidFill>
                 </a:rPr>
-                <a:t>Evento</a:t>
+                <a:t>Mensaje</a:t>
+              </a:r>
+              <a:endParaRPr lang="en-US" sz="2000" dirty="0">
+                <a:solidFill>
+                  <a:schemeClr val="bg1">
+                    <a:lumMod val="50000"/>
+                  </a:schemeClr>
+                </a:solidFill>
+              </a:endParaRPr>
+            </a:p>
+          </p:txBody>
+        </p:sp>
+        <p:sp>
+          <p:nvSpPr>
+            <p:cNvPr id="19" name="55 Rombo"/>
+            <p:cNvSpPr/>
+            <p:nvPr/>
+          </p:nvSpPr>
+          <p:spPr>
+            <a:xfrm>
+              <a:off x="457200" y="4724400"/>
+              <a:ext cx="1066800" cy="457200"/>
+            </a:xfrm>
+            <a:prstGeom prst="diamond">
+              <a:avLst/>
+            </a:prstGeom>
+            <a:solidFill>
+              <a:schemeClr val="bg1"/>
+            </a:solidFill>
+            <a:ln>
+              <a:solidFill>
+                <a:schemeClr val="accent4">
+                  <a:lumMod val="60000"/>
+                  <a:lumOff val="40000"/>
+                </a:schemeClr>
+              </a:solidFill>
+            </a:ln>
+          </p:spPr>
+          <p:style>
+            <a:lnRef idx="2">
+              <a:schemeClr val="accent1">
+                <a:shade val="50000"/>
+              </a:schemeClr>
+            </a:lnRef>
+            <a:fillRef idx="1">
+              <a:schemeClr val="accent1"/>
+            </a:fillRef>
+            <a:effectRef idx="0">
+              <a:schemeClr val="accent1"/>
+            </a:effectRef>
+            <a:fontRef idx="minor">
+              <a:schemeClr val="lt1"/>
+            </a:fontRef>
+          </p:style>
+          <p:txBody>
+            <a:bodyPr rtlCol="0" anchor="ctr"/>
+            <a:lstStyle/>
+            <a:p>
+              <a:pPr algn="ctr"/>
+              <a:r>
+                <a:rPr lang="es-CL" sz="1000" dirty="0" smtClean="0">
+                  <a:solidFill>
+                    <a:schemeClr val="bg1">
+                      <a:lumMod val="50000"/>
+                    </a:schemeClr>
+                  </a:solidFill>
+                </a:rPr>
+                <a:t>Tiene</a:t>
               </a:r>
               <a:endParaRPr lang="en-US" sz="2000" dirty="0">
                 <a:solidFill>
@@ -3443,17 +7414,63 @@
         </p:sp>
         <p:cxnSp>
           <p:nvCxnSpPr>
-            <p:cNvPr id="18" name="17 Conector recto"/>
+            <p:cNvPr id="20" name="58 Forma"/>
             <p:cNvCxnSpPr>
               <a:stCxn id="13" idx="0"/>
-              <a:endCxn id="24" idx="3"/>
+              <a:endCxn id="19" idx="3"/>
             </p:cNvCxnSpPr>
             <p:nvPr/>
           </p:nvCxnSpPr>
           <p:spPr>
-            <a:xfrm flipV="1">
-              <a:off x="4686300" y="3209645"/>
-              <a:ext cx="564170" cy="219355"/>
+            <a:xfrm rot="16200000" flipV="1">
+              <a:off x="1924050" y="4552950"/>
+              <a:ext cx="457200" cy="1257300"/>
+            </a:xfrm>
+            <a:prstGeom prst="bentConnector2">
+              <a:avLst/>
+            </a:prstGeom>
+            <a:solidFill>
+              <a:schemeClr val="bg1"/>
+            </a:solidFill>
+            <a:ln>
+              <a:solidFill>
+                <a:schemeClr val="accent4">
+                  <a:lumMod val="60000"/>
+                  <a:lumOff val="40000"/>
+                </a:schemeClr>
+              </a:solidFill>
+            </a:ln>
+          </p:spPr>
+          <p:style>
+            <a:lnRef idx="2">
+              <a:schemeClr val="accent1">
+                <a:shade val="50000"/>
+              </a:schemeClr>
+            </a:lnRef>
+            <a:fillRef idx="1">
+              <a:schemeClr val="accent1"/>
+            </a:fillRef>
+            <a:effectRef idx="0">
+              <a:schemeClr val="accent1"/>
+            </a:effectRef>
+            <a:fontRef idx="minor">
+              <a:schemeClr val="lt1"/>
+            </a:fontRef>
+          </p:style>
+        </p:cxnSp>
+        <p:cxnSp>
+          <p:nvCxnSpPr>
+            <p:cNvPr id="22" name="171 Conector recto"/>
+            <p:cNvCxnSpPr>
+              <a:stCxn id="18" idx="2"/>
+              <a:endCxn id="19" idx="0"/>
+            </p:cNvCxnSpPr>
+            <p:nvPr/>
+          </p:nvCxnSpPr>
+          <p:spPr>
+            <a:xfrm>
+              <a:off x="986496" y="3886200"/>
+              <a:ext cx="4104" cy="838200"/>
             </a:xfrm>
             <a:prstGeom prst="line">
               <a:avLst/>
@@ -3487,19 +7504,753 @@
             </a:fontRef>
           </p:style>
         </p:cxnSp>
+      </p:grpSp>
+      <p:sp>
+        <p:nvSpPr>
+          <p:cNvPr id="26" name="55 Rombo"/>
+          <p:cNvSpPr/>
+          <p:nvPr/>
+        </p:nvSpPr>
+        <p:spPr>
+          <a:xfrm>
+            <a:off x="2971800" y="3657600"/>
+            <a:ext cx="990600" cy="457200"/>
+          </a:xfrm>
+          <a:prstGeom prst="diamond">
+            <a:avLst/>
+          </a:prstGeom>
+          <a:solidFill>
+            <a:schemeClr val="bg1"/>
+          </a:solidFill>
+          <a:ln>
+            <a:solidFill>
+              <a:schemeClr val="accent4">
+                <a:lumMod val="60000"/>
+                <a:lumOff val="40000"/>
+              </a:schemeClr>
+            </a:solidFill>
+          </a:ln>
+        </p:spPr>
+        <p:style>
+          <a:lnRef idx="2">
+            <a:schemeClr val="accent1">
+              <a:shade val="50000"/>
+            </a:schemeClr>
+          </a:lnRef>
+          <a:fillRef idx="1">
+            <a:schemeClr val="accent1"/>
+          </a:fillRef>
+          <a:effectRef idx="0">
+            <a:schemeClr val="accent1"/>
+          </a:effectRef>
+          <a:fontRef idx="minor">
+            <a:schemeClr val="lt1"/>
+          </a:fontRef>
+        </p:style>
+        <p:txBody>
+          <a:bodyPr rtlCol="0" anchor="ctr"/>
+          <a:lstStyle/>
+          <a:p>
+            <a:pPr algn="ctr"/>
+            <a:r>
+              <a:rPr lang="es-CL" sz="1000" dirty="0" smtClean="0">
+                <a:solidFill>
+                  <a:schemeClr val="bg1">
+                    <a:lumMod val="50000"/>
+                  </a:schemeClr>
+                </a:solidFill>
+              </a:rPr>
+              <a:t>De</a:t>
+            </a:r>
+            <a:endParaRPr lang="en-US" sz="2000" dirty="0">
+              <a:solidFill>
+                <a:schemeClr val="bg1">
+                  <a:lumMod val="50000"/>
+                </a:schemeClr>
+              </a:solidFill>
+            </a:endParaRPr>
+          </a:p>
+        </p:txBody>
+      </p:sp>
+      <p:cxnSp>
+        <p:nvCxnSpPr>
+          <p:cNvPr id="33" name="58 Forma"/>
+          <p:cNvCxnSpPr>
+            <a:stCxn id="26" idx="0"/>
+            <a:endCxn id="18" idx="1"/>
+          </p:cNvCxnSpPr>
+          <p:nvPr/>
+        </p:nvCxnSpPr>
+        <p:spPr>
+          <a:xfrm rot="5400000" flipH="1" flipV="1">
+            <a:off x="3217398" y="2802402"/>
+            <a:ext cx="1104900" cy="605496"/>
+          </a:xfrm>
+          <a:prstGeom prst="bentConnector2">
+            <a:avLst/>
+          </a:prstGeom>
+          <a:solidFill>
+            <a:schemeClr val="bg1"/>
+          </a:solidFill>
+          <a:ln>
+            <a:solidFill>
+              <a:schemeClr val="accent4">
+                <a:lumMod val="60000"/>
+                <a:lumOff val="40000"/>
+              </a:schemeClr>
+            </a:solidFill>
+          </a:ln>
+        </p:spPr>
+        <p:style>
+          <a:lnRef idx="2">
+            <a:schemeClr val="accent1">
+              <a:shade val="50000"/>
+            </a:schemeClr>
+          </a:lnRef>
+          <a:fillRef idx="1">
+            <a:schemeClr val="accent1"/>
+          </a:fillRef>
+          <a:effectRef idx="0">
+            <a:schemeClr val="accent1"/>
+          </a:effectRef>
+          <a:fontRef idx="minor">
+            <a:schemeClr val="lt1"/>
+          </a:fontRef>
+        </p:style>
+      </p:cxnSp>
+      <p:cxnSp>
+        <p:nvCxnSpPr>
+          <p:cNvPr id="36" name="58 Forma"/>
+          <p:cNvCxnSpPr>
+            <a:stCxn id="13" idx="1"/>
+            <a:endCxn id="26" idx="2"/>
+          </p:cNvCxnSpPr>
+          <p:nvPr/>
+        </p:nvCxnSpPr>
+        <p:spPr>
+          <a:xfrm rot="10800000">
+            <a:off x="3467100" y="4114800"/>
+            <a:ext cx="2476500" cy="495300"/>
+          </a:xfrm>
+          <a:prstGeom prst="bentConnector2">
+            <a:avLst/>
+          </a:prstGeom>
+          <a:solidFill>
+            <a:schemeClr val="bg1"/>
+          </a:solidFill>
+          <a:ln>
+            <a:solidFill>
+              <a:schemeClr val="accent4">
+                <a:lumMod val="60000"/>
+                <a:lumOff val="40000"/>
+              </a:schemeClr>
+            </a:solidFill>
+          </a:ln>
+        </p:spPr>
+        <p:style>
+          <a:lnRef idx="2">
+            <a:schemeClr val="accent1">
+              <a:shade val="50000"/>
+            </a:schemeClr>
+          </a:lnRef>
+          <a:fillRef idx="1">
+            <a:schemeClr val="accent1"/>
+          </a:fillRef>
+          <a:effectRef idx="0">
+            <a:schemeClr val="accent1"/>
+          </a:effectRef>
+          <a:fontRef idx="minor">
+            <a:schemeClr val="lt1"/>
+          </a:fontRef>
+        </p:style>
+      </p:cxnSp>
+      <p:sp>
+        <p:nvSpPr>
+          <p:cNvPr id="39" name="8 CuadroTexto"/>
+          <p:cNvSpPr txBox="1"/>
+          <p:nvPr/>
+        </p:nvSpPr>
+        <p:spPr>
+          <a:xfrm>
+            <a:off x="3429000" y="2133600"/>
+            <a:ext cx="609600" cy="369332"/>
+          </a:xfrm>
+          <a:prstGeom prst="rect">
+            <a:avLst/>
+          </a:prstGeom>
+          <a:noFill/>
+        </p:spPr>
+        <p:txBody>
+          <a:bodyPr wrap="square" rtlCol="0">
+            <a:spAutoFit/>
+          </a:bodyPr>
+          <a:lstStyle/>
+          <a:p>
+            <a:r>
+              <a:rPr lang="es-CL" dirty="0" smtClean="0">
+                <a:solidFill>
+                  <a:schemeClr val="bg1">
+                    <a:lumMod val="50000"/>
+                  </a:schemeClr>
+                </a:solidFill>
+              </a:rPr>
+              <a:t>0..N</a:t>
+            </a:r>
+            <a:endParaRPr lang="en-US" dirty="0">
+              <a:solidFill>
+                <a:schemeClr val="bg1">
+                  <a:lumMod val="50000"/>
+                </a:schemeClr>
+              </a:solidFill>
+            </a:endParaRPr>
+          </a:p>
+        </p:txBody>
+      </p:sp>
+      <p:sp>
+        <p:nvSpPr>
+          <p:cNvPr id="40" name="8 CuadroTexto"/>
+          <p:cNvSpPr txBox="1"/>
+          <p:nvPr/>
+        </p:nvSpPr>
+        <p:spPr>
+          <a:xfrm>
+            <a:off x="5410200" y="4278868"/>
+            <a:ext cx="609600" cy="369332"/>
+          </a:xfrm>
+          <a:prstGeom prst="rect">
+            <a:avLst/>
+          </a:prstGeom>
+          <a:noFill/>
+        </p:spPr>
+        <p:txBody>
+          <a:bodyPr wrap="square" rtlCol="0">
+            <a:spAutoFit/>
+          </a:bodyPr>
+          <a:lstStyle/>
+          <a:p>
+            <a:r>
+              <a:rPr lang="es-CL" dirty="0" smtClean="0">
+                <a:solidFill>
+                  <a:schemeClr val="bg1">
+                    <a:lumMod val="50000"/>
+                  </a:schemeClr>
+                </a:solidFill>
+              </a:rPr>
+              <a:t>1..1</a:t>
+            </a:r>
+            <a:endParaRPr lang="en-US" dirty="0">
+              <a:solidFill>
+                <a:schemeClr val="bg1">
+                  <a:lumMod val="50000"/>
+                </a:schemeClr>
+              </a:solidFill>
+            </a:endParaRPr>
+          </a:p>
+        </p:txBody>
+      </p:sp>
+      <p:sp>
+        <p:nvSpPr>
+          <p:cNvPr id="41" name="Action Button: Return 40">
+            <a:hlinkClick r:id="" action="ppaction://hlinkshowjump?jump=lastslideviewed" highlightClick="1"/>
+          </p:cNvPr>
+          <p:cNvSpPr/>
+          <p:nvPr/>
+        </p:nvSpPr>
+        <p:spPr>
+          <a:xfrm>
+            <a:off x="7696200" y="6096000"/>
+            <a:ext cx="457200" cy="381000"/>
+          </a:xfrm>
+          <a:prstGeom prst="actionButtonReturn">
+            <a:avLst/>
+          </a:prstGeom>
+          <a:solidFill>
+            <a:schemeClr val="accent2">
+              <a:lumMod val="20000"/>
+              <a:lumOff val="80000"/>
+            </a:schemeClr>
+          </a:solidFill>
+          <a:ln>
+            <a:solidFill>
+              <a:schemeClr val="accent2"/>
+            </a:solidFill>
+          </a:ln>
+        </p:spPr>
+        <p:style>
+          <a:lnRef idx="2">
+            <a:schemeClr val="accent1">
+              <a:shade val="50000"/>
+            </a:schemeClr>
+          </a:lnRef>
+          <a:fillRef idx="1">
+            <a:schemeClr val="accent1"/>
+          </a:fillRef>
+          <a:effectRef idx="0">
+            <a:schemeClr val="accent1"/>
+          </a:effectRef>
+          <a:fontRef idx="minor">
+            <a:schemeClr val="lt1"/>
+          </a:fontRef>
+        </p:style>
+        <p:txBody>
+          <a:bodyPr rtlCol="0" anchor="ctr"/>
+          <a:lstStyle/>
+          <a:p>
+            <a:pPr algn="ctr"/>
+            <a:endParaRPr lang="es-CL"/>
+          </a:p>
+        </p:txBody>
+      </p:sp>
+    </p:spTree>
+  </p:cSld>
+  <p:clrMapOvr>
+    <a:masterClrMapping/>
+  </p:clrMapOvr>
+  <p:transition advClick="0"/>
+  <p:timing>
+    <p:tnLst>
+      <p:par>
+        <p:cTn id="1" dur="indefinite" restart="never" nodeType="tmRoot"/>
+      </p:par>
+    </p:tnLst>
+  </p:timing>
+</p:sld>
+</file>
+
+<file path=ppt/slides/slide17.xml><?xml version="1.0" encoding="utf-8"?>
+<p:sld xmlns:a="http://schemas.openxmlformats.org/drawingml/2006/main" xmlns:r="http://schemas.openxmlformats.org/officeDocument/2006/relationships" xmlns:p="http://schemas.openxmlformats.org/presentationml/2006/main">
+  <p:cSld>
+    <p:spTree>
+      <p:nvGrpSpPr>
+        <p:cNvPr id="1" name=""/>
+        <p:cNvGrpSpPr/>
+        <p:nvPr/>
+      </p:nvGrpSpPr>
+      <p:grpSpPr>
+        <a:xfrm>
+          <a:off x="0" y="0"/>
+          <a:ext cx="0" cy="0"/>
+          <a:chOff x="0" y="0"/>
+          <a:chExt cx="0" cy="0"/>
+        </a:xfrm>
+      </p:grpSpPr>
+      <p:sp>
+        <p:nvSpPr>
+          <p:cNvPr id="2" name="1 Título"/>
+          <p:cNvSpPr>
+            <a:spLocks noGrp="1"/>
+          </p:cNvSpPr>
+          <p:nvPr>
+            <p:ph type="title"/>
+          </p:nvPr>
+        </p:nvSpPr>
+        <p:spPr/>
+        <p:txBody>
+          <a:bodyPr>
+            <a:normAutofit fontScale="90000"/>
+          </a:bodyPr>
+          <a:lstStyle/>
+          <a:p>
+            <a:r>
+              <a:rPr lang="es-CL" dirty="0" smtClean="0">
+                <a:solidFill>
+                  <a:schemeClr val="accent2"/>
+                </a:solidFill>
+              </a:rPr>
+              <a:t>Detalle Modelo Relacional:</a:t>
+            </a:r>
+            <a:br>
+              <a:rPr lang="es-CL" dirty="0" smtClean="0">
+                <a:solidFill>
+                  <a:schemeClr val="accent2"/>
+                </a:solidFill>
+              </a:rPr>
+            </a:br>
+            <a:r>
+              <a:rPr lang="es-CL" dirty="0" err="1" smtClean="0">
+                <a:solidFill>
+                  <a:schemeClr val="accent2"/>
+                </a:solidFill>
+              </a:rPr>
+              <a:t>Usuario_Tiene_Favorito</a:t>
+            </a:r>
+            <a:endParaRPr lang="en-US" dirty="0">
+              <a:solidFill>
+                <a:schemeClr val="accent2"/>
+              </a:solidFill>
+            </a:endParaRPr>
+          </a:p>
+        </p:txBody>
+      </p:sp>
+      <p:sp>
+        <p:nvSpPr>
+          <p:cNvPr id="12" name="11 Botón de acción: Inicio">
+            <a:hlinkClick r:id="rId2" action="ppaction://hlinksldjump" highlightClick="1"/>
+          </p:cNvPr>
+          <p:cNvSpPr/>
+          <p:nvPr/>
+        </p:nvSpPr>
+        <p:spPr>
+          <a:xfrm>
+            <a:off x="8305800" y="6096000"/>
+            <a:ext cx="457200" cy="381000"/>
+          </a:xfrm>
+          <a:prstGeom prst="actionButtonHome">
+            <a:avLst/>
+          </a:prstGeom>
+          <a:solidFill>
+            <a:schemeClr val="accent2">
+              <a:lumMod val="20000"/>
+              <a:lumOff val="80000"/>
+            </a:schemeClr>
+          </a:solidFill>
+          <a:ln>
+            <a:solidFill>
+              <a:schemeClr val="accent2"/>
+            </a:solidFill>
+          </a:ln>
+        </p:spPr>
+        <p:style>
+          <a:lnRef idx="2">
+            <a:schemeClr val="accent1">
+              <a:shade val="50000"/>
+            </a:schemeClr>
+          </a:lnRef>
+          <a:fillRef idx="1">
+            <a:schemeClr val="accent1"/>
+          </a:fillRef>
+          <a:effectRef idx="0">
+            <a:schemeClr val="accent1"/>
+          </a:effectRef>
+          <a:fontRef idx="minor">
+            <a:schemeClr val="lt1"/>
+          </a:fontRef>
+        </p:style>
+        <p:txBody>
+          <a:bodyPr rtlCol="0" anchor="ctr"/>
+          <a:lstStyle/>
+          <a:p>
+            <a:pPr algn="ctr"/>
+            <a:endParaRPr lang="en-US"/>
+          </a:p>
+        </p:txBody>
+      </p:sp>
+      <p:sp>
+        <p:nvSpPr>
+          <p:cNvPr id="28" name="8 CuadroTexto"/>
+          <p:cNvSpPr txBox="1"/>
+          <p:nvPr/>
+        </p:nvSpPr>
+        <p:spPr>
+          <a:xfrm>
+            <a:off x="5410200" y="2895600"/>
+            <a:ext cx="609600" cy="369332"/>
+          </a:xfrm>
+          <a:prstGeom prst="rect">
+            <a:avLst/>
+          </a:prstGeom>
+          <a:noFill/>
+        </p:spPr>
+        <p:txBody>
+          <a:bodyPr wrap="square" rtlCol="0">
+            <a:spAutoFit/>
+          </a:bodyPr>
+          <a:lstStyle/>
+          <a:p>
+            <a:r>
+              <a:rPr lang="es-CL" dirty="0" smtClean="0">
+                <a:solidFill>
+                  <a:schemeClr val="bg1">
+                    <a:lumMod val="50000"/>
+                  </a:schemeClr>
+                </a:solidFill>
+              </a:rPr>
+              <a:t>0..N</a:t>
+            </a:r>
+            <a:endParaRPr lang="en-US" dirty="0">
+              <a:solidFill>
+                <a:schemeClr val="bg1">
+                  <a:lumMod val="50000"/>
+                </a:schemeClr>
+              </a:solidFill>
+            </a:endParaRPr>
+          </a:p>
+        </p:txBody>
+      </p:sp>
+      <p:sp>
+        <p:nvSpPr>
+          <p:cNvPr id="30" name="8 CuadroTexto"/>
+          <p:cNvSpPr txBox="1"/>
+          <p:nvPr/>
+        </p:nvSpPr>
+        <p:spPr>
+          <a:xfrm>
+            <a:off x="3352800" y="3516868"/>
+            <a:ext cx="609600" cy="369332"/>
+          </a:xfrm>
+          <a:prstGeom prst="rect">
+            <a:avLst/>
+          </a:prstGeom>
+          <a:noFill/>
+        </p:spPr>
+        <p:txBody>
+          <a:bodyPr wrap="square" rtlCol="0">
+            <a:spAutoFit/>
+          </a:bodyPr>
+          <a:lstStyle/>
+          <a:p>
+            <a:r>
+              <a:rPr lang="es-CL" dirty="0" smtClean="0">
+                <a:solidFill>
+                  <a:schemeClr val="bg1">
+                    <a:lumMod val="50000"/>
+                  </a:schemeClr>
+                </a:solidFill>
+              </a:rPr>
+              <a:t>0..N</a:t>
+            </a:r>
+            <a:endParaRPr lang="en-US" dirty="0">
+              <a:solidFill>
+                <a:schemeClr val="bg1">
+                  <a:lumMod val="50000"/>
+                </a:schemeClr>
+              </a:solidFill>
+            </a:endParaRPr>
+          </a:p>
+        </p:txBody>
+      </p:sp>
+      <p:grpSp>
+        <p:nvGrpSpPr>
+          <p:cNvPr id="35" name="Group 34"/>
+          <p:cNvGrpSpPr/>
+          <p:nvPr/>
+        </p:nvGrpSpPr>
+        <p:grpSpPr>
+          <a:xfrm>
+            <a:off x="2362200" y="2971800"/>
+            <a:ext cx="4648200" cy="1143000"/>
+            <a:chOff x="3505200" y="4419600"/>
+            <a:chExt cx="4648200" cy="1143000"/>
+          </a:xfrm>
+        </p:grpSpPr>
+        <p:sp>
+          <p:nvSpPr>
+            <p:cNvPr id="29" name="3 Rectángulo">
+              <a:hlinkClick r:id="rId3" action="ppaction://hlinksldjump"/>
+            </p:cNvPr>
+            <p:cNvSpPr/>
+            <p:nvPr/>
+          </p:nvSpPr>
+          <p:spPr>
+            <a:xfrm>
+              <a:off x="3505200" y="5029200"/>
+              <a:ext cx="990600" cy="533400"/>
+            </a:xfrm>
+            <a:prstGeom prst="rect">
+              <a:avLst/>
+            </a:prstGeom>
+            <a:solidFill>
+              <a:schemeClr val="bg1"/>
+            </a:solidFill>
+            <a:ln>
+              <a:solidFill>
+                <a:schemeClr val="accent4">
+                  <a:lumMod val="60000"/>
+                  <a:lumOff val="40000"/>
+                </a:schemeClr>
+              </a:solidFill>
+            </a:ln>
+          </p:spPr>
+          <p:style>
+            <a:lnRef idx="2">
+              <a:schemeClr val="accent1">
+                <a:shade val="50000"/>
+              </a:schemeClr>
+            </a:lnRef>
+            <a:fillRef idx="1">
+              <a:schemeClr val="accent1"/>
+            </a:fillRef>
+            <a:effectRef idx="0">
+              <a:schemeClr val="accent1"/>
+            </a:effectRef>
+            <a:fontRef idx="minor">
+              <a:schemeClr val="lt1"/>
+            </a:fontRef>
+          </p:style>
+          <p:txBody>
+            <a:bodyPr rtlCol="0" anchor="ctr"/>
+            <a:lstStyle/>
+            <a:p>
+              <a:pPr algn="ctr"/>
+              <a:r>
+                <a:rPr lang="es-CL" sz="2000" dirty="0" smtClean="0">
+                  <a:solidFill>
+                    <a:schemeClr val="bg1">
+                      <a:lumMod val="50000"/>
+                    </a:schemeClr>
+                  </a:solidFill>
+                </a:rPr>
+                <a:t>Usuario</a:t>
+              </a:r>
+              <a:endParaRPr lang="en-US" sz="2000" dirty="0">
+                <a:solidFill>
+                  <a:schemeClr val="bg1">
+                    <a:lumMod val="50000"/>
+                  </a:schemeClr>
+                </a:solidFill>
+              </a:endParaRPr>
+            </a:p>
+          </p:txBody>
+        </p:sp>
+        <p:sp>
+          <p:nvSpPr>
+            <p:cNvPr id="31" name="24 Rectángulo">
+              <a:hlinkClick r:id="rId4" action="ppaction://hlinksldjump"/>
+            </p:cNvPr>
+            <p:cNvSpPr/>
+            <p:nvPr/>
+          </p:nvSpPr>
+          <p:spPr>
+            <a:xfrm>
+              <a:off x="7162800" y="4419600"/>
+              <a:ext cx="990600" cy="533400"/>
+            </a:xfrm>
+            <a:prstGeom prst="rect">
+              <a:avLst/>
+            </a:prstGeom>
+            <a:solidFill>
+              <a:schemeClr val="bg1"/>
+            </a:solidFill>
+            <a:ln>
+              <a:solidFill>
+                <a:schemeClr val="accent4">
+                  <a:lumMod val="60000"/>
+                  <a:lumOff val="40000"/>
+                </a:schemeClr>
+              </a:solidFill>
+            </a:ln>
+          </p:spPr>
+          <p:style>
+            <a:lnRef idx="2">
+              <a:schemeClr val="accent1">
+                <a:shade val="50000"/>
+              </a:schemeClr>
+            </a:lnRef>
+            <a:fillRef idx="1">
+              <a:schemeClr val="accent1"/>
+            </a:fillRef>
+            <a:effectRef idx="0">
+              <a:schemeClr val="accent1"/>
+            </a:effectRef>
+            <a:fontRef idx="minor">
+              <a:schemeClr val="lt1"/>
+            </a:fontRef>
+          </p:style>
+          <p:txBody>
+            <a:bodyPr rtlCol="0" anchor="ctr"/>
+            <a:lstStyle/>
+            <a:p>
+              <a:pPr algn="ctr"/>
+              <a:r>
+                <a:rPr lang="es-CL" sz="2000" dirty="0" smtClean="0">
+                  <a:solidFill>
+                    <a:schemeClr val="bg1">
+                      <a:lumMod val="50000"/>
+                    </a:schemeClr>
+                  </a:solidFill>
+                </a:rPr>
+                <a:t>Lugar</a:t>
+              </a:r>
+              <a:endParaRPr lang="en-US" sz="2000" dirty="0">
+                <a:solidFill>
+                  <a:schemeClr val="bg1">
+                    <a:lumMod val="50000"/>
+                  </a:schemeClr>
+                </a:solidFill>
+              </a:endParaRPr>
+            </a:p>
+          </p:txBody>
+        </p:sp>
+        <p:sp>
+          <p:nvSpPr>
+            <p:cNvPr id="32" name="25 Rombo"/>
+            <p:cNvSpPr/>
+            <p:nvPr/>
+          </p:nvSpPr>
+          <p:spPr>
+            <a:xfrm>
+              <a:off x="5257800" y="5029200"/>
+              <a:ext cx="1219200" cy="533400"/>
+            </a:xfrm>
+            <a:prstGeom prst="diamond">
+              <a:avLst/>
+            </a:prstGeom>
+            <a:solidFill>
+              <a:schemeClr val="bg1"/>
+            </a:solidFill>
+            <a:ln>
+              <a:solidFill>
+                <a:schemeClr val="accent4">
+                  <a:lumMod val="60000"/>
+                  <a:lumOff val="40000"/>
+                </a:schemeClr>
+              </a:solidFill>
+            </a:ln>
+          </p:spPr>
+          <p:style>
+            <a:lnRef idx="2">
+              <a:schemeClr val="accent1">
+                <a:shade val="50000"/>
+              </a:schemeClr>
+            </a:lnRef>
+            <a:fillRef idx="1">
+              <a:schemeClr val="accent1"/>
+            </a:fillRef>
+            <a:effectRef idx="0">
+              <a:schemeClr val="accent1"/>
+            </a:effectRef>
+            <a:fontRef idx="minor">
+              <a:schemeClr val="lt1"/>
+            </a:fontRef>
+          </p:style>
+          <p:txBody>
+            <a:bodyPr rtlCol="0" anchor="ctr"/>
+            <a:lstStyle/>
+            <a:p>
+              <a:pPr algn="ctr"/>
+              <a:r>
+                <a:rPr lang="es-CL" sz="1000" dirty="0" smtClean="0">
+                  <a:solidFill>
+                    <a:schemeClr val="bg1">
+                      <a:lumMod val="50000"/>
+                    </a:schemeClr>
+                  </a:solidFill>
+                </a:rPr>
+                <a:t>Favorito</a:t>
+              </a:r>
+              <a:endParaRPr lang="en-US" sz="2000" dirty="0">
+                <a:solidFill>
+                  <a:schemeClr val="bg1">
+                    <a:lumMod val="50000"/>
+                  </a:schemeClr>
+                </a:solidFill>
+              </a:endParaRPr>
+            </a:p>
+          </p:txBody>
+        </p:sp>
         <p:cxnSp>
           <p:nvCxnSpPr>
-            <p:cNvPr id="20" name="19 Conector recto"/>
+            <p:cNvPr id="33" name="26 Conector recto"/>
             <p:cNvCxnSpPr>
-              <a:stCxn id="13" idx="0"/>
-              <a:endCxn id="31" idx="5"/>
+              <a:stCxn id="29" idx="3"/>
+              <a:endCxn id="32" idx="1"/>
             </p:cNvCxnSpPr>
             <p:nvPr/>
           </p:nvCxnSpPr>
           <p:spPr>
-            <a:xfrm flipH="1" flipV="1">
-              <a:off x="4198330" y="3209645"/>
-              <a:ext cx="487970" cy="219355"/>
+            <a:xfrm>
+              <a:off x="4495800" y="5295900"/>
+              <a:ext cx="762000" cy="0"/>
             </a:xfrm>
             <a:prstGeom prst="line">
               <a:avLst/>
@@ -3533,18 +8284,354 @@
             </a:fontRef>
           </p:style>
         </p:cxnSp>
+        <p:cxnSp>
+          <p:nvCxnSpPr>
+            <p:cNvPr id="34" name="94 Forma"/>
+            <p:cNvCxnSpPr>
+              <a:stCxn id="31" idx="1"/>
+              <a:endCxn id="32" idx="3"/>
+            </p:cNvCxnSpPr>
+            <p:nvPr/>
+          </p:nvCxnSpPr>
+          <p:spPr>
+            <a:xfrm rot="10800000" flipV="1">
+              <a:off x="6477000" y="4686300"/>
+              <a:ext cx="685800" cy="609600"/>
+            </a:xfrm>
+            <a:prstGeom prst="bentConnector3">
+              <a:avLst>
+                <a:gd name="adj1" fmla="val 50000"/>
+              </a:avLst>
+            </a:prstGeom>
+            <a:solidFill>
+              <a:schemeClr val="bg1"/>
+            </a:solidFill>
+            <a:ln>
+              <a:solidFill>
+                <a:schemeClr val="accent4">
+                  <a:lumMod val="60000"/>
+                  <a:lumOff val="40000"/>
+                </a:schemeClr>
+              </a:solidFill>
+            </a:ln>
+          </p:spPr>
+          <p:style>
+            <a:lnRef idx="2">
+              <a:schemeClr val="accent1">
+                <a:shade val="50000"/>
+              </a:schemeClr>
+            </a:lnRef>
+            <a:fillRef idx="1">
+              <a:schemeClr val="accent1"/>
+            </a:fillRef>
+            <a:effectRef idx="0">
+              <a:schemeClr val="accent1"/>
+            </a:effectRef>
+            <a:fontRef idx="minor">
+              <a:schemeClr val="lt1"/>
+            </a:fontRef>
+          </p:style>
+        </p:cxnSp>
+      </p:grpSp>
+      <p:sp>
+        <p:nvSpPr>
+          <p:cNvPr id="38" name="Action Button: Return 37">
+            <a:hlinkClick r:id="" action="ppaction://hlinkshowjump?jump=lastslideviewed" highlightClick="1"/>
+          </p:cNvPr>
+          <p:cNvSpPr/>
+          <p:nvPr/>
+        </p:nvSpPr>
+        <p:spPr>
+          <a:xfrm>
+            <a:off x="7696200" y="6096000"/>
+            <a:ext cx="457200" cy="381000"/>
+          </a:xfrm>
+          <a:prstGeom prst="actionButtonReturn">
+            <a:avLst/>
+          </a:prstGeom>
+          <a:solidFill>
+            <a:schemeClr val="accent2">
+              <a:lumMod val="20000"/>
+              <a:lumOff val="80000"/>
+            </a:schemeClr>
+          </a:solidFill>
+          <a:ln>
+            <a:solidFill>
+              <a:schemeClr val="accent2"/>
+            </a:solidFill>
+          </a:ln>
+        </p:spPr>
+        <p:style>
+          <a:lnRef idx="2">
+            <a:schemeClr val="accent1">
+              <a:shade val="50000"/>
+            </a:schemeClr>
+          </a:lnRef>
+          <a:fillRef idx="1">
+            <a:schemeClr val="accent1"/>
+          </a:fillRef>
+          <a:effectRef idx="0">
+            <a:schemeClr val="accent1"/>
+          </a:effectRef>
+          <a:fontRef idx="minor">
+            <a:schemeClr val="lt1"/>
+          </a:fontRef>
+        </p:style>
+        <p:txBody>
+          <a:bodyPr rtlCol="0" anchor="ctr"/>
+          <a:lstStyle/>
+          <a:p>
+            <a:pPr algn="ctr"/>
+            <a:endParaRPr lang="es-CL"/>
+          </a:p>
+        </p:txBody>
+      </p:sp>
+    </p:spTree>
+  </p:cSld>
+  <p:clrMapOvr>
+    <a:masterClrMapping/>
+  </p:clrMapOvr>
+  <p:transition advClick="0"/>
+  <p:timing>
+    <p:tnLst>
+      <p:par>
+        <p:cTn id="1" dur="indefinite" restart="never" nodeType="tmRoot"/>
+      </p:par>
+    </p:tnLst>
+  </p:timing>
+</p:sld>
+</file>
+
+<file path=ppt/slides/slide18.xml><?xml version="1.0" encoding="utf-8"?>
+<p:sld xmlns:a="http://schemas.openxmlformats.org/drawingml/2006/main" xmlns:r="http://schemas.openxmlformats.org/officeDocument/2006/relationships" xmlns:p="http://schemas.openxmlformats.org/presentationml/2006/main">
+  <p:cSld>
+    <p:spTree>
+      <p:nvGrpSpPr>
+        <p:cNvPr id="1" name=""/>
+        <p:cNvGrpSpPr/>
+        <p:nvPr/>
+      </p:nvGrpSpPr>
+      <p:grpSpPr>
+        <a:xfrm>
+          <a:off x="0" y="0"/>
+          <a:ext cx="0" cy="0"/>
+          <a:chOff x="0" y="0"/>
+          <a:chExt cx="0" cy="0"/>
+        </a:xfrm>
+      </p:grpSpPr>
+      <p:sp>
+        <p:nvSpPr>
+          <p:cNvPr id="2" name="1 Título"/>
+          <p:cNvSpPr>
+            <a:spLocks noGrp="1"/>
+          </p:cNvSpPr>
+          <p:nvPr>
+            <p:ph type="title"/>
+          </p:nvPr>
+        </p:nvSpPr>
+        <p:spPr/>
+        <p:txBody>
+          <a:bodyPr>
+            <a:normAutofit fontScale="90000"/>
+          </a:bodyPr>
+          <a:lstStyle/>
+          <a:p>
+            <a:r>
+              <a:rPr lang="es-CL" dirty="0" smtClean="0">
+                <a:solidFill>
+                  <a:schemeClr val="accent2"/>
+                </a:solidFill>
+              </a:rPr>
+              <a:t>Detalle Modelo Relacional:</a:t>
+            </a:r>
+            <a:br>
+              <a:rPr lang="es-CL" dirty="0" smtClean="0">
+                <a:solidFill>
+                  <a:schemeClr val="accent2"/>
+                </a:solidFill>
+              </a:rPr>
+            </a:br>
+            <a:r>
+              <a:rPr lang="es-CL" dirty="0" err="1" smtClean="0">
+                <a:solidFill>
+                  <a:schemeClr val="accent2"/>
+                </a:solidFill>
+              </a:rPr>
+              <a:t>Evento_CreadoPor_Usuario</a:t>
+            </a:r>
+            <a:endParaRPr lang="en-US" dirty="0">
+              <a:solidFill>
+                <a:schemeClr val="accent2"/>
+              </a:solidFill>
+            </a:endParaRPr>
+          </a:p>
+        </p:txBody>
+      </p:sp>
+      <p:sp>
+        <p:nvSpPr>
+          <p:cNvPr id="12" name="11 Botón de acción: Inicio">
+            <a:hlinkClick r:id="rId2" action="ppaction://hlinksldjump" highlightClick="1"/>
+          </p:cNvPr>
+          <p:cNvSpPr/>
+          <p:nvPr/>
+        </p:nvSpPr>
+        <p:spPr>
+          <a:xfrm>
+            <a:off x="8305800" y="6096000"/>
+            <a:ext cx="457200" cy="381000"/>
+          </a:xfrm>
+          <a:prstGeom prst="actionButtonHome">
+            <a:avLst/>
+          </a:prstGeom>
+          <a:solidFill>
+            <a:schemeClr val="accent2">
+              <a:lumMod val="20000"/>
+              <a:lumOff val="80000"/>
+            </a:schemeClr>
+          </a:solidFill>
+          <a:ln>
+            <a:solidFill>
+              <a:schemeClr val="accent2"/>
+            </a:solidFill>
+          </a:ln>
+        </p:spPr>
+        <p:style>
+          <a:lnRef idx="2">
+            <a:schemeClr val="accent1">
+              <a:shade val="50000"/>
+            </a:schemeClr>
+          </a:lnRef>
+          <a:fillRef idx="1">
+            <a:schemeClr val="accent1"/>
+          </a:fillRef>
+          <a:effectRef idx="0">
+            <a:schemeClr val="accent1"/>
+          </a:effectRef>
+          <a:fontRef idx="minor">
+            <a:schemeClr val="lt1"/>
+          </a:fontRef>
+        </p:style>
+        <p:txBody>
+          <a:bodyPr rtlCol="0" anchor="ctr"/>
+          <a:lstStyle/>
+          <a:p>
+            <a:pPr algn="ctr"/>
+            <a:endParaRPr lang="en-US"/>
+          </a:p>
+        </p:txBody>
+      </p:sp>
+      <p:sp>
+        <p:nvSpPr>
+          <p:cNvPr id="28" name="8 CuadroTexto"/>
+          <p:cNvSpPr txBox="1"/>
+          <p:nvPr/>
+        </p:nvSpPr>
+        <p:spPr>
+          <a:xfrm>
+            <a:off x="4572000" y="3048000"/>
+            <a:ext cx="609600" cy="369332"/>
+          </a:xfrm>
+          <a:prstGeom prst="rect">
+            <a:avLst/>
+          </a:prstGeom>
+          <a:noFill/>
+        </p:spPr>
+        <p:txBody>
+          <a:bodyPr wrap="square" rtlCol="0">
+            <a:spAutoFit/>
+          </a:bodyPr>
+          <a:lstStyle/>
+          <a:p>
+            <a:r>
+              <a:rPr lang="es-CL" dirty="0" smtClean="0">
+                <a:solidFill>
+                  <a:schemeClr val="bg1">
+                    <a:lumMod val="50000"/>
+                  </a:schemeClr>
+                </a:solidFill>
+              </a:rPr>
+              <a:t>0..N</a:t>
+            </a:r>
+            <a:endParaRPr lang="en-US" dirty="0">
+              <a:solidFill>
+                <a:schemeClr val="bg1">
+                  <a:lumMod val="50000"/>
+                </a:schemeClr>
+              </a:solidFill>
+            </a:endParaRPr>
+          </a:p>
+        </p:txBody>
+      </p:sp>
+      <p:sp>
+        <p:nvSpPr>
+          <p:cNvPr id="30" name="8 CuadroTexto"/>
+          <p:cNvSpPr txBox="1"/>
+          <p:nvPr/>
+        </p:nvSpPr>
+        <p:spPr>
+          <a:xfrm>
+            <a:off x="3810000" y="4648200"/>
+            <a:ext cx="609600" cy="369332"/>
+          </a:xfrm>
+          <a:prstGeom prst="rect">
+            <a:avLst/>
+          </a:prstGeom>
+          <a:noFill/>
+        </p:spPr>
+        <p:txBody>
+          <a:bodyPr wrap="square" rtlCol="0">
+            <a:spAutoFit/>
+          </a:bodyPr>
+          <a:lstStyle/>
+          <a:p>
+            <a:r>
+              <a:rPr lang="es-CL" dirty="0" smtClean="0">
+                <a:solidFill>
+                  <a:schemeClr val="bg1">
+                    <a:lumMod val="50000"/>
+                  </a:schemeClr>
+                </a:solidFill>
+              </a:rPr>
+              <a:t>1..1</a:t>
+            </a:r>
+            <a:endParaRPr lang="en-US" dirty="0">
+              <a:solidFill>
+                <a:schemeClr val="bg1">
+                  <a:lumMod val="50000"/>
+                </a:schemeClr>
+              </a:solidFill>
+            </a:endParaRPr>
+          </a:p>
+        </p:txBody>
+      </p:sp>
+      <p:grpSp>
+        <p:nvGrpSpPr>
+          <p:cNvPr id="18" name="Group 17"/>
+          <p:cNvGrpSpPr/>
+          <p:nvPr/>
+        </p:nvGrpSpPr>
+        <p:grpSpPr>
+          <a:xfrm>
+            <a:off x="2819400" y="2514600"/>
+            <a:ext cx="2334768" cy="2819400"/>
+            <a:chOff x="2819400" y="2514600"/>
+            <a:chExt cx="2334768" cy="2819400"/>
+          </a:xfrm>
+        </p:grpSpPr>
         <p:sp>
           <p:nvSpPr>
-            <p:cNvPr id="24" name="23 Elipse"/>
+            <p:cNvPr id="13" name="3 Rectángulo">
+              <a:hlinkClick r:id="rId3" action="ppaction://hlinksldjump"/>
+            </p:cNvPr>
             <p:cNvSpPr/>
             <p:nvPr/>
           </p:nvSpPr>
           <p:spPr>
             <a:xfrm>
-              <a:off x="5105400" y="2819400"/>
-              <a:ext cx="990600" cy="457200"/>
+              <a:off x="2819400" y="4800600"/>
+              <a:ext cx="990600" cy="533400"/>
             </a:xfrm>
-            <a:prstGeom prst="ellipse">
+            <a:prstGeom prst="rect">
               <a:avLst/>
             </a:prstGeom>
             <a:solidFill>
@@ -3581,16 +8668,16 @@
             <a:p>
               <a:pPr algn="ctr"/>
               <a:r>
-                <a:rPr lang="es-CL" sz="1200" dirty="0" smtClean="0">
+                <a:rPr lang="es-CL" sz="2000" dirty="0" smtClean="0">
                   <a:solidFill>
                     <a:schemeClr val="bg1">
                       <a:lumMod val="50000"/>
                     </a:schemeClr>
                   </a:solidFill>
                 </a:rPr>
-                <a:t>Fecha Hasta</a:t>
+                <a:t>Usuario</a:t>
               </a:r>
-              <a:endParaRPr lang="en-US" sz="1200" dirty="0">
+              <a:endParaRPr lang="en-US" sz="2000" dirty="0">
                 <a:solidFill>
                   <a:schemeClr val="bg1">
                     <a:lumMod val="50000"/>
@@ -3602,16 +8689,18 @@
         </p:sp>
         <p:sp>
           <p:nvSpPr>
-            <p:cNvPr id="31" name="30 Elipse"/>
+            <p:cNvPr id="14" name="104 Rectángulo">
+              <a:hlinkClick r:id="rId4" action="ppaction://hlinksldjump"/>
+            </p:cNvPr>
             <p:cNvSpPr/>
             <p:nvPr/>
           </p:nvSpPr>
           <p:spPr>
             <a:xfrm>
-              <a:off x="3352800" y="2819400"/>
-              <a:ext cx="990600" cy="457200"/>
+              <a:off x="4038600" y="2514600"/>
+              <a:ext cx="990600" cy="533400"/>
             </a:xfrm>
-            <a:prstGeom prst="ellipse">
+            <a:prstGeom prst="rect">
               <a:avLst/>
             </a:prstGeom>
             <a:solidFill>
@@ -3648,16 +8737,16 @@
             <a:p>
               <a:pPr algn="ctr"/>
               <a:r>
-                <a:rPr lang="es-CL" sz="1200" dirty="0" smtClean="0">
+                <a:rPr lang="es-CL" sz="2000" dirty="0" smtClean="0">
                   <a:solidFill>
                     <a:schemeClr val="bg1">
                       <a:lumMod val="50000"/>
                     </a:schemeClr>
                   </a:solidFill>
                 </a:rPr>
-                <a:t>Nombre</a:t>
+                <a:t>Evento</a:t>
               </a:r>
-              <a:endParaRPr lang="en-US" sz="1200" dirty="0">
+              <a:endParaRPr lang="en-US" sz="2000" dirty="0">
                 <a:solidFill>
                   <a:schemeClr val="bg1">
                     <a:lumMod val="50000"/>
@@ -3667,7 +8756,219 @@
             </a:p>
           </p:txBody>
         </p:sp>
+        <p:sp>
+          <p:nvSpPr>
+            <p:cNvPr id="15" name="105 Rombo"/>
+            <p:cNvSpPr/>
+            <p:nvPr/>
+          </p:nvSpPr>
+          <p:spPr>
+            <a:xfrm>
+              <a:off x="3934968" y="3657600"/>
+              <a:ext cx="1219200" cy="533400"/>
+            </a:xfrm>
+            <a:prstGeom prst="diamond">
+              <a:avLst/>
+            </a:prstGeom>
+            <a:solidFill>
+              <a:schemeClr val="bg1"/>
+            </a:solidFill>
+            <a:ln>
+              <a:solidFill>
+                <a:schemeClr val="accent4">
+                  <a:lumMod val="60000"/>
+                  <a:lumOff val="40000"/>
+                </a:schemeClr>
+              </a:solidFill>
+            </a:ln>
+          </p:spPr>
+          <p:style>
+            <a:lnRef idx="2">
+              <a:schemeClr val="accent1">
+                <a:shade val="50000"/>
+              </a:schemeClr>
+            </a:lnRef>
+            <a:fillRef idx="1">
+              <a:schemeClr val="accent1"/>
+            </a:fillRef>
+            <a:effectRef idx="0">
+              <a:schemeClr val="accent1"/>
+            </a:effectRef>
+            <a:fontRef idx="minor">
+              <a:schemeClr val="lt1"/>
+            </a:fontRef>
+          </p:style>
+          <p:txBody>
+            <a:bodyPr rtlCol="0" anchor="ctr"/>
+            <a:lstStyle/>
+            <a:p>
+              <a:pPr algn="ctr"/>
+              <a:r>
+                <a:rPr lang="es-CL" sz="1000" dirty="0" smtClean="0">
+                  <a:solidFill>
+                    <a:schemeClr val="bg1">
+                      <a:lumMod val="50000"/>
+                    </a:schemeClr>
+                  </a:solidFill>
+                </a:rPr>
+                <a:t>Creado Por</a:t>
+              </a:r>
+              <a:endParaRPr lang="en-US" sz="2000" dirty="0">
+                <a:solidFill>
+                  <a:schemeClr val="bg1">
+                    <a:lumMod val="50000"/>
+                  </a:schemeClr>
+                </a:solidFill>
+              </a:endParaRPr>
+            </a:p>
+          </p:txBody>
+        </p:sp>
+        <p:cxnSp>
+          <p:nvCxnSpPr>
+            <p:cNvPr id="16" name="65 Forma"/>
+            <p:cNvCxnSpPr>
+              <a:stCxn id="13" idx="3"/>
+              <a:endCxn id="15" idx="2"/>
+            </p:cNvCxnSpPr>
+            <p:nvPr/>
+          </p:nvCxnSpPr>
+          <p:spPr>
+            <a:xfrm flipV="1">
+              <a:off x="3810000" y="4191000"/>
+              <a:ext cx="734568" cy="876300"/>
+            </a:xfrm>
+            <a:prstGeom prst="bentConnector2">
+              <a:avLst/>
+            </a:prstGeom>
+            <a:solidFill>
+              <a:schemeClr val="bg1"/>
+            </a:solidFill>
+            <a:ln>
+              <a:solidFill>
+                <a:schemeClr val="accent4">
+                  <a:lumMod val="60000"/>
+                  <a:lumOff val="40000"/>
+                </a:schemeClr>
+              </a:solidFill>
+            </a:ln>
+          </p:spPr>
+          <p:style>
+            <a:lnRef idx="2">
+              <a:schemeClr val="accent1">
+                <a:shade val="50000"/>
+              </a:schemeClr>
+            </a:lnRef>
+            <a:fillRef idx="1">
+              <a:schemeClr val="accent1"/>
+            </a:fillRef>
+            <a:effectRef idx="0">
+              <a:schemeClr val="accent1"/>
+            </a:effectRef>
+            <a:fontRef idx="minor">
+              <a:schemeClr val="lt1"/>
+            </a:fontRef>
+          </p:style>
+        </p:cxnSp>
+        <p:cxnSp>
+          <p:nvCxnSpPr>
+            <p:cNvPr id="17" name="158 Conector recto"/>
+            <p:cNvCxnSpPr>
+              <a:stCxn id="14" idx="2"/>
+              <a:endCxn id="15" idx="0"/>
+            </p:cNvCxnSpPr>
+            <p:nvPr/>
+          </p:nvCxnSpPr>
+          <p:spPr>
+            <a:xfrm>
+              <a:off x="4533900" y="3048000"/>
+              <a:ext cx="10668" cy="609600"/>
+            </a:xfrm>
+            <a:prstGeom prst="line">
+              <a:avLst/>
+            </a:prstGeom>
+            <a:solidFill>
+              <a:schemeClr val="bg1"/>
+            </a:solidFill>
+            <a:ln>
+              <a:solidFill>
+                <a:schemeClr val="accent4">
+                  <a:lumMod val="60000"/>
+                  <a:lumOff val="40000"/>
+                </a:schemeClr>
+              </a:solidFill>
+            </a:ln>
+          </p:spPr>
+          <p:style>
+            <a:lnRef idx="2">
+              <a:schemeClr val="accent1">
+                <a:shade val="50000"/>
+              </a:schemeClr>
+            </a:lnRef>
+            <a:fillRef idx="1">
+              <a:schemeClr val="accent1"/>
+            </a:fillRef>
+            <a:effectRef idx="0">
+              <a:schemeClr val="accent1"/>
+            </a:effectRef>
+            <a:fontRef idx="minor">
+              <a:schemeClr val="lt1"/>
+            </a:fontRef>
+          </p:style>
+        </p:cxnSp>
       </p:grpSp>
+      <p:sp>
+        <p:nvSpPr>
+          <p:cNvPr id="21" name="Action Button: Return 20">
+            <a:hlinkClick r:id="" action="ppaction://hlinkshowjump?jump=lastslideviewed" highlightClick="1"/>
+          </p:cNvPr>
+          <p:cNvSpPr/>
+          <p:nvPr/>
+        </p:nvSpPr>
+        <p:spPr>
+          <a:xfrm>
+            <a:off x="7696200" y="6096000"/>
+            <a:ext cx="457200" cy="381000"/>
+          </a:xfrm>
+          <a:prstGeom prst="actionButtonReturn">
+            <a:avLst/>
+          </a:prstGeom>
+          <a:solidFill>
+            <a:schemeClr val="accent2">
+              <a:lumMod val="20000"/>
+              <a:lumOff val="80000"/>
+            </a:schemeClr>
+          </a:solidFill>
+          <a:ln>
+            <a:solidFill>
+              <a:schemeClr val="accent2"/>
+            </a:solidFill>
+          </a:ln>
+        </p:spPr>
+        <p:style>
+          <a:lnRef idx="2">
+            <a:schemeClr val="accent1">
+              <a:shade val="50000"/>
+            </a:schemeClr>
+          </a:lnRef>
+          <a:fillRef idx="1">
+            <a:schemeClr val="accent1"/>
+          </a:fillRef>
+          <a:effectRef idx="0">
+            <a:schemeClr val="accent1"/>
+          </a:effectRef>
+          <a:fontRef idx="minor">
+            <a:schemeClr val="lt1"/>
+          </a:fontRef>
+        </p:style>
+        <p:txBody>
+          <a:bodyPr rtlCol="0" anchor="ctr"/>
+          <a:lstStyle/>
+          <a:p>
+            <a:pPr algn="ctr"/>
+            <a:endParaRPr lang="es-CL"/>
+          </a:p>
+        </p:txBody>
+      </p:sp>
     </p:spTree>
   </p:cSld>
   <p:clrMapOvr>
@@ -4033,7 +9334,9 @@
       </p:sp>
       <p:sp>
         <p:nvSpPr>
-          <p:cNvPr id="26" name="25 Rombo"/>
+          <p:cNvPr id="26" name="25 Rombo">
+            <a:hlinkClick r:id="rId5" action="ppaction://hlinksldjump"/>
+          </p:cNvPr>
           <p:cNvSpPr/>
           <p:nvPr/>
         </p:nvSpPr>
@@ -4147,7 +9450,7 @@
       <p:sp>
         <p:nvSpPr>
           <p:cNvPr id="34" name="33 Rectángulo">
-            <a:hlinkClick r:id="rId5" action="ppaction://hlinksldjump"/>
+            <a:hlinkClick r:id="rId6" action="ppaction://hlinksldjump"/>
           </p:cNvPr>
           <p:cNvSpPr/>
           <p:nvPr/>
@@ -4215,7 +9518,9 @@
       </p:sp>
       <p:sp>
         <p:nvSpPr>
-          <p:cNvPr id="35" name="34 Rombo"/>
+          <p:cNvPr id="35" name="34 Rombo">
+            <a:hlinkClick r:id="rId7" action="ppaction://hlinksldjump"/>
+          </p:cNvPr>
           <p:cNvSpPr/>
           <p:nvPr/>
         </p:nvSpPr>
@@ -4374,7 +9679,9 @@
       </p:cxnSp>
       <p:sp>
         <p:nvSpPr>
-          <p:cNvPr id="45" name="44 Rombo"/>
+          <p:cNvPr id="45" name="44 Rombo">
+            <a:hlinkClick r:id="rId8" action="ppaction://hlinksldjump"/>
+          </p:cNvPr>
           <p:cNvSpPr/>
           <p:nvPr/>
         </p:nvSpPr>
@@ -4442,7 +9749,7 @@
       <p:sp>
         <p:nvSpPr>
           <p:cNvPr id="46" name="45 Rectángulo">
-            <a:hlinkClick r:id="rId6" action="ppaction://hlinksldjump"/>
+            <a:hlinkClick r:id="rId9" action="ppaction://hlinksldjump"/>
           </p:cNvPr>
           <p:cNvSpPr/>
           <p:nvPr/>
@@ -4602,7 +9909,9 @@
       </p:cxnSp>
       <p:sp>
         <p:nvSpPr>
-          <p:cNvPr id="53" name="52 Rombo"/>
+          <p:cNvPr id="53" name="52 Rombo">
+            <a:hlinkClick r:id="rId10" action="ppaction://hlinksldjump"/>
+          </p:cNvPr>
           <p:cNvSpPr/>
           <p:nvPr/>
         </p:nvSpPr>
@@ -4670,14 +9979,14 @@
       <p:sp>
         <p:nvSpPr>
           <p:cNvPr id="54" name="53 Rectángulo">
-            <a:hlinkClick r:id="rId7" action="ppaction://hlinksldjump"/>
+            <a:hlinkClick r:id="rId11" action="ppaction://hlinksldjump"/>
           </p:cNvPr>
           <p:cNvSpPr/>
           <p:nvPr/>
         </p:nvSpPr>
         <p:spPr>
           <a:xfrm>
-            <a:off x="417576" y="3962400"/>
+            <a:off x="457200" y="3962400"/>
             <a:ext cx="1143000" cy="533400"/>
           </a:xfrm>
           <a:prstGeom prst="rect">
@@ -4739,14 +10048,14 @@
       <p:sp>
         <p:nvSpPr>
           <p:cNvPr id="55" name="54 Rectángulo">
-            <a:hlinkClick r:id="rId8" action="ppaction://hlinksldjump"/>
+            <a:hlinkClick r:id="rId12" action="ppaction://hlinksldjump"/>
           </p:cNvPr>
           <p:cNvSpPr/>
           <p:nvPr/>
         </p:nvSpPr>
         <p:spPr>
           <a:xfrm>
-            <a:off x="1636776" y="3276600"/>
+            <a:off x="1828800" y="3276600"/>
             <a:ext cx="1143000" cy="533400"/>
           </a:xfrm>
           <a:prstGeom prst="rect">
@@ -4807,14 +10116,16 @@
       </p:sp>
       <p:sp>
         <p:nvSpPr>
-          <p:cNvPr id="56" name="55 Rombo"/>
+          <p:cNvPr id="56" name="55 Rombo">
+            <a:hlinkClick r:id="rId13" action="ppaction://hlinksldjump"/>
+          </p:cNvPr>
           <p:cNvSpPr/>
           <p:nvPr/>
         </p:nvSpPr>
         <p:spPr>
           <a:xfrm>
-            <a:off x="152400" y="4724400"/>
-            <a:ext cx="1676400" cy="457200"/>
+            <a:off x="304800" y="4724400"/>
+            <a:ext cx="1447800" cy="457200"/>
           </a:xfrm>
           <a:prstGeom prst="diamond">
             <a:avLst/>
@@ -4860,7 +10171,17 @@
                   </a:schemeClr>
                 </a:solidFill>
               </a:rPr>
-              <a:t>Tiene / Enviado Por</a:t>
+              <a:t>Tiene / </a:t>
+            </a:r>
+            <a:r>
+              <a:rPr lang="es-CL" sz="1000" dirty="0" smtClean="0">
+                <a:solidFill>
+                  <a:schemeClr val="bg1">
+                    <a:lumMod val="50000"/>
+                  </a:schemeClr>
+                </a:solidFill>
+              </a:rPr>
+              <a:t>De</a:t>
             </a:r>
             <a:endParaRPr lang="en-US" sz="2000" dirty="0">
               <a:solidFill>
@@ -4883,8 +10204,8 @@
         </p:nvCxnSpPr>
         <p:spPr>
           <a:xfrm rot="16200000" flipV="1">
-            <a:off x="2381250" y="4400550"/>
-            <a:ext cx="76200" cy="1181100"/>
+            <a:off x="2343150" y="4362450"/>
+            <a:ext cx="76200" cy="1257300"/>
           </a:xfrm>
           <a:prstGeom prst="bentConnector2">
             <a:avLst/>
@@ -4920,14 +10241,16 @@
       </p:cxnSp>
       <p:sp>
         <p:nvSpPr>
-          <p:cNvPr id="73" name="72 Rombo"/>
+          <p:cNvPr id="73" name="72 Rombo">
+            <a:hlinkClick r:id="rId14" action="ppaction://hlinksldjump"/>
+          </p:cNvPr>
           <p:cNvSpPr/>
           <p:nvPr/>
         </p:nvSpPr>
         <p:spPr>
           <a:xfrm>
             <a:off x="1676400" y="3962400"/>
-            <a:ext cx="1066800" cy="533400"/>
+            <a:ext cx="1447800" cy="533400"/>
           </a:xfrm>
           <a:prstGeom prst="diamond">
             <a:avLst/>
@@ -4973,7 +10296,7 @@
                   </a:schemeClr>
                 </a:solidFill>
               </a:rPr>
-              <a:t>Tiene</a:t>
+              <a:t>Tiene / De</a:t>
             </a:r>
             <a:endParaRPr lang="en-US" sz="2000" dirty="0">
               <a:solidFill>
@@ -4996,8 +10319,8 @@
         </p:nvCxnSpPr>
         <p:spPr>
           <a:xfrm rot="16200000" flipV="1">
-            <a:off x="2343150" y="4362450"/>
-            <a:ext cx="533400" cy="800100"/>
+            <a:off x="2438400" y="4457700"/>
+            <a:ext cx="533400" cy="609600"/>
           </a:xfrm>
           <a:prstGeom prst="bentConnector3">
             <a:avLst>
@@ -5084,7 +10407,7 @@
       <p:sp>
         <p:nvSpPr>
           <p:cNvPr id="105" name="104 Rectángulo">
-            <a:hlinkClick r:id="rId9" action="ppaction://hlinksldjump"/>
+            <a:hlinkClick r:id="rId15" action="ppaction://hlinksldjump"/>
           </p:cNvPr>
           <p:cNvSpPr/>
           <p:nvPr/>
@@ -5152,7 +10475,9 @@
       </p:sp>
       <p:sp>
         <p:nvSpPr>
-          <p:cNvPr id="106" name="105 Rombo"/>
+          <p:cNvPr id="106" name="105 Rombo">
+            <a:hlinkClick r:id="rId16" action="ppaction://hlinksldjump"/>
+          </p:cNvPr>
           <p:cNvSpPr/>
           <p:nvPr/>
         </p:nvSpPr>
@@ -5219,13 +10544,15 @@
       </p:sp>
       <p:sp>
         <p:nvSpPr>
-          <p:cNvPr id="121" name="120 Rombo"/>
+          <p:cNvPr id="121" name="120 Rombo">
+            <a:hlinkClick r:id="rId17" action="ppaction://hlinksldjump"/>
+          </p:cNvPr>
           <p:cNvSpPr/>
           <p:nvPr/>
         </p:nvSpPr>
         <p:spPr>
           <a:xfrm>
-            <a:off x="3124200" y="3124200"/>
+            <a:off x="3048000" y="3124200"/>
             <a:ext cx="1219200" cy="533400"/>
           </a:xfrm>
           <a:prstGeom prst="diamond">
@@ -5272,7 +10599,7 @@
                   </a:schemeClr>
                 </a:solidFill>
               </a:rPr>
-              <a:t>Asiste</a:t>
+              <a:t>Asiste A</a:t>
             </a:r>
             <a:endParaRPr lang="en-US" sz="2000" dirty="0">
               <a:solidFill>
@@ -5296,7 +10623,7 @@
         <p:spPr>
           <a:xfrm flipV="1">
             <a:off x="3505200" y="3657600"/>
-            <a:ext cx="228600" cy="1638300"/>
+            <a:ext cx="152400" cy="1638300"/>
           </a:xfrm>
           <a:prstGeom prst="bentConnector2">
             <a:avLst/>
@@ -5387,8 +10714,8 @@
         </p:nvCxnSpPr>
         <p:spPr>
           <a:xfrm rot="5400000" flipH="1" flipV="1">
-            <a:off x="3333750" y="2419350"/>
-            <a:ext cx="1104900" cy="304800"/>
+            <a:off x="3295650" y="2381250"/>
+            <a:ext cx="1104900" cy="381000"/>
           </a:xfrm>
           <a:prstGeom prst="bentConnector2">
             <a:avLst/>
@@ -5571,8 +10898,8 @@
         </p:nvCxnSpPr>
         <p:spPr>
           <a:xfrm>
-            <a:off x="989076" y="4495800"/>
-            <a:ext cx="1524" cy="228600"/>
+            <a:off x="1028700" y="4495800"/>
+            <a:ext cx="0" cy="228600"/>
           </a:xfrm>
           <a:prstGeom prst="line">
             <a:avLst/>
@@ -5617,8 +10944,8 @@
         </p:nvCxnSpPr>
         <p:spPr>
           <a:xfrm>
-            <a:off x="2208276" y="3810000"/>
-            <a:ext cx="1524" cy="152400"/>
+            <a:off x="2400300" y="3810000"/>
+            <a:ext cx="0" cy="152400"/>
           </a:xfrm>
           <a:prstGeom prst="line">
             <a:avLst/>
@@ -6433,6 +11760,59 @@
           </a:p>
         </p:txBody>
       </p:sp>
+      <p:sp>
+        <p:nvSpPr>
+          <p:cNvPr id="16" name="Action Button: Return 15">
+            <a:hlinkClick r:id="" action="ppaction://hlinkshowjump?jump=lastslideviewed" highlightClick="1"/>
+          </p:cNvPr>
+          <p:cNvSpPr/>
+          <p:nvPr/>
+        </p:nvSpPr>
+        <p:spPr>
+          <a:xfrm>
+            <a:off x="7696200" y="6096000"/>
+            <a:ext cx="457200" cy="381000"/>
+          </a:xfrm>
+          <a:prstGeom prst="actionButtonReturn">
+            <a:avLst/>
+          </a:prstGeom>
+          <a:solidFill>
+            <a:schemeClr val="accent2">
+              <a:lumMod val="20000"/>
+              <a:lumOff val="80000"/>
+            </a:schemeClr>
+          </a:solidFill>
+          <a:ln>
+            <a:solidFill>
+              <a:schemeClr val="accent2"/>
+            </a:solidFill>
+          </a:ln>
+        </p:spPr>
+        <p:style>
+          <a:lnRef idx="2">
+            <a:schemeClr val="accent1">
+              <a:shade val="50000"/>
+            </a:schemeClr>
+          </a:lnRef>
+          <a:fillRef idx="1">
+            <a:schemeClr val="accent1"/>
+          </a:fillRef>
+          <a:effectRef idx="0">
+            <a:schemeClr val="accent1"/>
+          </a:effectRef>
+          <a:fontRef idx="minor">
+            <a:schemeClr val="lt1"/>
+          </a:fontRef>
+        </p:style>
+        <p:txBody>
+          <a:bodyPr rtlCol="0" anchor="ctr"/>
+          <a:lstStyle/>
+          <a:p>
+            <a:pPr algn="ctr"/>
+            <a:endParaRPr lang="es-CL"/>
+          </a:p>
+        </p:txBody>
+      </p:sp>
     </p:spTree>
   </p:cSld>
   <p:clrMapOvr>
@@ -6504,580 +11884,6 @@
                   <a:schemeClr val="accent2"/>
                 </a:solidFill>
               </a:rPr>
-              <a:t>Amigo</a:t>
-            </a:r>
-            <a:endParaRPr lang="en-US" dirty="0">
-              <a:solidFill>
-                <a:schemeClr val="accent2"/>
-              </a:solidFill>
-            </a:endParaRPr>
-          </a:p>
-        </p:txBody>
-      </p:sp>
-      <p:grpSp>
-        <p:nvGrpSpPr>
-          <p:cNvPr id="15" name="14 Grupo"/>
-          <p:cNvGrpSpPr/>
-          <p:nvPr/>
-        </p:nvGrpSpPr>
-        <p:grpSpPr>
-          <a:xfrm>
-            <a:off x="2743200" y="2590800"/>
-            <a:ext cx="3733800" cy="1664732"/>
-            <a:chOff x="2743200" y="2590800"/>
-            <a:chExt cx="3733800" cy="1664732"/>
-          </a:xfrm>
-        </p:grpSpPr>
-        <p:sp>
-          <p:nvSpPr>
-            <p:cNvPr id="4" name="3 Rectángulo"/>
-            <p:cNvSpPr/>
-            <p:nvPr/>
-          </p:nvSpPr>
-          <p:spPr>
-            <a:xfrm>
-              <a:off x="2819400" y="3352800"/>
-              <a:ext cx="990600" cy="533400"/>
-            </a:xfrm>
-            <a:prstGeom prst="rect">
-              <a:avLst/>
-            </a:prstGeom>
-            <a:solidFill>
-              <a:schemeClr val="bg1"/>
-            </a:solidFill>
-            <a:ln>
-              <a:solidFill>
-                <a:schemeClr val="accent4">
-                  <a:lumMod val="60000"/>
-                  <a:lumOff val="40000"/>
-                </a:schemeClr>
-              </a:solidFill>
-            </a:ln>
-          </p:spPr>
-          <p:style>
-            <a:lnRef idx="2">
-              <a:schemeClr val="accent1">
-                <a:shade val="50000"/>
-              </a:schemeClr>
-            </a:lnRef>
-            <a:fillRef idx="1">
-              <a:schemeClr val="accent1"/>
-            </a:fillRef>
-            <a:effectRef idx="0">
-              <a:schemeClr val="accent1"/>
-            </a:effectRef>
-            <a:fontRef idx="minor">
-              <a:schemeClr val="lt1"/>
-            </a:fontRef>
-          </p:style>
-          <p:txBody>
-            <a:bodyPr rtlCol="0" anchor="ctr"/>
-            <a:lstStyle/>
-            <a:p>
-              <a:pPr algn="ctr"/>
-              <a:r>
-                <a:rPr lang="es-CL" sz="2000" dirty="0" smtClean="0">
-                  <a:solidFill>
-                    <a:schemeClr val="bg1">
-                      <a:lumMod val="50000"/>
-                    </a:schemeClr>
-                  </a:solidFill>
-                </a:rPr>
-                <a:t>Usuario</a:t>
-              </a:r>
-              <a:endParaRPr lang="en-US" sz="2000" dirty="0">
-                <a:solidFill>
-                  <a:schemeClr val="bg1">
-                    <a:lumMod val="50000"/>
-                  </a:schemeClr>
-                </a:solidFill>
-              </a:endParaRPr>
-            </a:p>
-          </p:txBody>
-        </p:sp>
-        <p:sp>
-          <p:nvSpPr>
-            <p:cNvPr id="28" name="27 Rombo"/>
-            <p:cNvSpPr/>
-            <p:nvPr/>
-          </p:nvSpPr>
-          <p:spPr>
-            <a:xfrm>
-              <a:off x="5410200" y="3352800"/>
-              <a:ext cx="1066800" cy="533400"/>
-            </a:xfrm>
-            <a:prstGeom prst="diamond">
-              <a:avLst/>
-            </a:prstGeom>
-            <a:solidFill>
-              <a:schemeClr val="bg1"/>
-            </a:solidFill>
-            <a:ln>
-              <a:solidFill>
-                <a:schemeClr val="accent4">
-                  <a:lumMod val="60000"/>
-                  <a:lumOff val="40000"/>
-                </a:schemeClr>
-              </a:solidFill>
-            </a:ln>
-          </p:spPr>
-          <p:style>
-            <a:lnRef idx="2">
-              <a:schemeClr val="accent1">
-                <a:shade val="50000"/>
-              </a:schemeClr>
-            </a:lnRef>
-            <a:fillRef idx="1">
-              <a:schemeClr val="accent1"/>
-            </a:fillRef>
-            <a:effectRef idx="0">
-              <a:schemeClr val="accent1"/>
-            </a:effectRef>
-            <a:fontRef idx="minor">
-              <a:schemeClr val="lt1"/>
-            </a:fontRef>
-          </p:style>
-          <p:txBody>
-            <a:bodyPr rtlCol="0" anchor="ctr"/>
-            <a:lstStyle/>
-            <a:p>
-              <a:pPr algn="ctr"/>
-              <a:r>
-                <a:rPr lang="es-CL" sz="1000" dirty="0" smtClean="0">
-                  <a:solidFill>
-                    <a:schemeClr val="bg1">
-                      <a:lumMod val="50000"/>
-                    </a:schemeClr>
-                  </a:solidFill>
-                </a:rPr>
-                <a:t>Amigo</a:t>
-              </a:r>
-              <a:endParaRPr lang="en-US" sz="2000" dirty="0">
-                <a:solidFill>
-                  <a:schemeClr val="bg1">
-                    <a:lumMod val="50000"/>
-                  </a:schemeClr>
-                </a:solidFill>
-              </a:endParaRPr>
-            </a:p>
-          </p:txBody>
-        </p:sp>
-        <p:cxnSp>
-          <p:nvCxnSpPr>
-            <p:cNvPr id="29" name="28 Conector recto"/>
-            <p:cNvCxnSpPr>
-              <a:stCxn id="28" idx="0"/>
-              <a:endCxn id="33" idx="4"/>
-            </p:cNvCxnSpPr>
-            <p:nvPr/>
-          </p:nvCxnSpPr>
-          <p:spPr>
-            <a:xfrm flipH="1" flipV="1">
-              <a:off x="5942076" y="3048000"/>
-              <a:ext cx="1524" cy="304800"/>
-            </a:xfrm>
-            <a:prstGeom prst="line">
-              <a:avLst/>
-            </a:prstGeom>
-            <a:solidFill>
-              <a:schemeClr val="bg1"/>
-            </a:solidFill>
-            <a:ln>
-              <a:solidFill>
-                <a:schemeClr val="accent4">
-                  <a:lumMod val="60000"/>
-                  <a:lumOff val="40000"/>
-                </a:schemeClr>
-              </a:solidFill>
-            </a:ln>
-          </p:spPr>
-          <p:style>
-            <a:lnRef idx="2">
-              <a:schemeClr val="accent1">
-                <a:shade val="50000"/>
-              </a:schemeClr>
-            </a:lnRef>
-            <a:fillRef idx="1">
-              <a:schemeClr val="accent1"/>
-            </a:fillRef>
-            <a:effectRef idx="0">
-              <a:schemeClr val="accent1"/>
-            </a:effectRef>
-            <a:fontRef idx="minor">
-              <a:schemeClr val="lt1"/>
-            </a:fontRef>
-          </p:style>
-        </p:cxnSp>
-        <p:sp>
-          <p:nvSpPr>
-            <p:cNvPr id="33" name="32 Elipse"/>
-            <p:cNvSpPr/>
-            <p:nvPr/>
-          </p:nvSpPr>
-          <p:spPr>
-            <a:xfrm>
-              <a:off x="5446776" y="2590800"/>
-              <a:ext cx="990600" cy="457200"/>
-            </a:xfrm>
-            <a:prstGeom prst="ellipse">
-              <a:avLst/>
-            </a:prstGeom>
-            <a:solidFill>
-              <a:schemeClr val="bg1"/>
-            </a:solidFill>
-            <a:ln>
-              <a:solidFill>
-                <a:schemeClr val="accent4">
-                  <a:lumMod val="60000"/>
-                  <a:lumOff val="40000"/>
-                </a:schemeClr>
-              </a:solidFill>
-            </a:ln>
-          </p:spPr>
-          <p:style>
-            <a:lnRef idx="2">
-              <a:schemeClr val="accent1">
-                <a:shade val="50000"/>
-              </a:schemeClr>
-            </a:lnRef>
-            <a:fillRef idx="1">
-              <a:schemeClr val="accent1"/>
-            </a:fillRef>
-            <a:effectRef idx="0">
-              <a:schemeClr val="accent1"/>
-            </a:effectRef>
-            <a:fontRef idx="minor">
-              <a:schemeClr val="lt1"/>
-            </a:fontRef>
-          </p:style>
-          <p:txBody>
-            <a:bodyPr rtlCol="0" anchor="ctr"/>
-            <a:lstStyle/>
-            <a:p>
-              <a:pPr algn="ctr"/>
-              <a:r>
-                <a:rPr lang="es-CL" sz="1200" dirty="0" smtClean="0">
-                  <a:solidFill>
-                    <a:schemeClr val="bg1">
-                      <a:lumMod val="50000"/>
-                    </a:schemeClr>
-                  </a:solidFill>
-                </a:rPr>
-                <a:t>Desde</a:t>
-              </a:r>
-              <a:endParaRPr lang="en-US" sz="1200" dirty="0">
-                <a:solidFill>
-                  <a:schemeClr val="bg1">
-                    <a:lumMod val="50000"/>
-                  </a:schemeClr>
-                </a:solidFill>
-              </a:endParaRPr>
-            </a:p>
-          </p:txBody>
-        </p:sp>
-        <p:cxnSp>
-          <p:nvCxnSpPr>
-            <p:cNvPr id="38" name="37 Forma"/>
-            <p:cNvCxnSpPr>
-              <a:stCxn id="28" idx="2"/>
-              <a:endCxn id="4" idx="2"/>
-            </p:cNvCxnSpPr>
-            <p:nvPr/>
-          </p:nvCxnSpPr>
-          <p:spPr>
-            <a:xfrm rot="5400000">
-              <a:off x="4629150" y="2571750"/>
-              <a:ext cx="12700" cy="2628900"/>
-            </a:xfrm>
-            <a:prstGeom prst="bentConnector3">
-              <a:avLst>
-                <a:gd name="adj1" fmla="val 4824002"/>
-              </a:avLst>
-            </a:prstGeom>
-            <a:solidFill>
-              <a:schemeClr val="bg1"/>
-            </a:solidFill>
-            <a:ln>
-              <a:solidFill>
-                <a:schemeClr val="accent4">
-                  <a:lumMod val="60000"/>
-                  <a:lumOff val="40000"/>
-                </a:schemeClr>
-              </a:solidFill>
-            </a:ln>
-          </p:spPr>
-          <p:style>
-            <a:lnRef idx="2">
-              <a:schemeClr val="accent1">
-                <a:shade val="50000"/>
-              </a:schemeClr>
-            </a:lnRef>
-            <a:fillRef idx="1">
-              <a:schemeClr val="accent1"/>
-            </a:fillRef>
-            <a:effectRef idx="0">
-              <a:schemeClr val="accent1"/>
-            </a:effectRef>
-            <a:fontRef idx="minor">
-              <a:schemeClr val="lt1"/>
-            </a:fontRef>
-          </p:style>
-        </p:cxnSp>
-        <p:cxnSp>
-          <p:nvCxnSpPr>
-            <p:cNvPr id="79" name="78 Conector recto"/>
-            <p:cNvCxnSpPr>
-              <a:stCxn id="4" idx="3"/>
-              <a:endCxn id="28" idx="1"/>
-            </p:cNvCxnSpPr>
-            <p:nvPr/>
-          </p:nvCxnSpPr>
-          <p:spPr>
-            <a:xfrm>
-              <a:off x="3810000" y="3619500"/>
-              <a:ext cx="1600200" cy="0"/>
-            </a:xfrm>
-            <a:prstGeom prst="line">
-              <a:avLst/>
-            </a:prstGeom>
-            <a:solidFill>
-              <a:schemeClr val="bg1"/>
-            </a:solidFill>
-            <a:ln>
-              <a:solidFill>
-                <a:schemeClr val="accent4">
-                  <a:lumMod val="60000"/>
-                  <a:lumOff val="40000"/>
-                </a:schemeClr>
-              </a:solidFill>
-            </a:ln>
-          </p:spPr>
-          <p:style>
-            <a:lnRef idx="2">
-              <a:schemeClr val="accent1">
-                <a:shade val="50000"/>
-              </a:schemeClr>
-            </a:lnRef>
-            <a:fillRef idx="1">
-              <a:schemeClr val="accent1"/>
-            </a:fillRef>
-            <a:effectRef idx="0">
-              <a:schemeClr val="accent1"/>
-            </a:effectRef>
-            <a:fontRef idx="minor">
-              <a:schemeClr val="lt1"/>
-            </a:fontRef>
-          </p:style>
-        </p:cxnSp>
-        <p:sp>
-          <p:nvSpPr>
-            <p:cNvPr id="9" name="8 CuadroTexto"/>
-            <p:cNvSpPr txBox="1"/>
-            <p:nvPr/>
-          </p:nvSpPr>
-          <p:spPr>
-            <a:xfrm>
-              <a:off x="3810000" y="3276600"/>
-              <a:ext cx="609600" cy="369332"/>
-            </a:xfrm>
-            <a:prstGeom prst="rect">
-              <a:avLst/>
-            </a:prstGeom>
-            <a:noFill/>
-          </p:spPr>
-          <p:txBody>
-            <a:bodyPr wrap="square" rtlCol="0">
-              <a:spAutoFit/>
-            </a:bodyPr>
-            <a:lstStyle/>
-            <a:p>
-              <a:r>
-                <a:rPr lang="es-CL" dirty="0" smtClean="0">
-                  <a:solidFill>
-                    <a:schemeClr val="bg1">
-                      <a:lumMod val="50000"/>
-                    </a:schemeClr>
-                  </a:solidFill>
-                </a:rPr>
-                <a:t>0..N</a:t>
-              </a:r>
-              <a:endParaRPr lang="en-US" dirty="0">
-                <a:solidFill>
-                  <a:schemeClr val="bg1">
-                    <a:lumMod val="50000"/>
-                  </a:schemeClr>
-                </a:solidFill>
-              </a:endParaRPr>
-            </a:p>
-          </p:txBody>
-        </p:sp>
-        <p:sp>
-          <p:nvSpPr>
-            <p:cNvPr id="10" name="9 CuadroTexto"/>
-            <p:cNvSpPr txBox="1"/>
-            <p:nvPr/>
-          </p:nvSpPr>
-          <p:spPr>
-            <a:xfrm>
-              <a:off x="2743200" y="3886200"/>
-              <a:ext cx="609600" cy="369332"/>
-            </a:xfrm>
-            <a:prstGeom prst="rect">
-              <a:avLst/>
-            </a:prstGeom>
-            <a:noFill/>
-          </p:spPr>
-          <p:txBody>
-            <a:bodyPr wrap="square" rtlCol="0">
-              <a:spAutoFit/>
-            </a:bodyPr>
-            <a:lstStyle/>
-            <a:p>
-              <a:r>
-                <a:rPr lang="es-CL" dirty="0" smtClean="0">
-                  <a:solidFill>
-                    <a:schemeClr val="bg1">
-                      <a:lumMod val="50000"/>
-                    </a:schemeClr>
-                  </a:solidFill>
-                </a:rPr>
-                <a:t>0..N</a:t>
-              </a:r>
-              <a:endParaRPr lang="en-US" dirty="0">
-                <a:solidFill>
-                  <a:schemeClr val="bg1">
-                    <a:lumMod val="50000"/>
-                  </a:schemeClr>
-                </a:solidFill>
-              </a:endParaRPr>
-            </a:p>
-          </p:txBody>
-        </p:sp>
-      </p:grpSp>
-      <p:sp>
-        <p:nvSpPr>
-          <p:cNvPr id="12" name="11 Botón de acción: Inicio">
-            <a:hlinkClick r:id="rId2" action="ppaction://hlinksldjump" highlightClick="1"/>
-          </p:cNvPr>
-          <p:cNvSpPr/>
-          <p:nvPr/>
-        </p:nvSpPr>
-        <p:spPr>
-          <a:xfrm>
-            <a:off x="8305800" y="6096000"/>
-            <a:ext cx="457200" cy="381000"/>
-          </a:xfrm>
-          <a:prstGeom prst="actionButtonHome">
-            <a:avLst/>
-          </a:prstGeom>
-          <a:solidFill>
-            <a:schemeClr val="accent2">
-              <a:lumMod val="20000"/>
-              <a:lumOff val="80000"/>
-            </a:schemeClr>
-          </a:solidFill>
-          <a:ln>
-            <a:solidFill>
-              <a:schemeClr val="accent2"/>
-            </a:solidFill>
-          </a:ln>
-        </p:spPr>
-        <p:style>
-          <a:lnRef idx="2">
-            <a:schemeClr val="accent1">
-              <a:shade val="50000"/>
-            </a:schemeClr>
-          </a:lnRef>
-          <a:fillRef idx="1">
-            <a:schemeClr val="accent1"/>
-          </a:fillRef>
-          <a:effectRef idx="0">
-            <a:schemeClr val="accent1"/>
-          </a:effectRef>
-          <a:fontRef idx="minor">
-            <a:schemeClr val="lt1"/>
-          </a:fontRef>
-        </p:style>
-        <p:txBody>
-          <a:bodyPr rtlCol="0" anchor="ctr"/>
-          <a:lstStyle/>
-          <a:p>
-            <a:pPr algn="ctr"/>
-            <a:endParaRPr lang="en-US"/>
-          </a:p>
-        </p:txBody>
-      </p:sp>
-    </p:spTree>
-  </p:cSld>
-  <p:clrMapOvr>
-    <a:masterClrMapping/>
-  </p:clrMapOvr>
-  <p:transition advClick="0"/>
-  <p:timing>
-    <p:tnLst>
-      <p:par>
-        <p:cTn id="1" dur="indefinite" restart="never" nodeType="tmRoot"/>
-      </p:par>
-    </p:tnLst>
-  </p:timing>
-</p:sld>
-</file>
-
-<file path=ppt/slides/slide5.xml><?xml version="1.0" encoding="utf-8"?>
-<p:sld xmlns:a="http://schemas.openxmlformats.org/drawingml/2006/main" xmlns:r="http://schemas.openxmlformats.org/officeDocument/2006/relationships" xmlns:p="http://schemas.openxmlformats.org/presentationml/2006/main">
-  <p:cSld>
-    <p:spTree>
-      <p:nvGrpSpPr>
-        <p:cNvPr id="1" name=""/>
-        <p:cNvGrpSpPr/>
-        <p:nvPr/>
-      </p:nvGrpSpPr>
-      <p:grpSpPr>
-        <a:xfrm>
-          <a:off x="0" y="0"/>
-          <a:ext cx="0" cy="0"/>
-          <a:chOff x="0" y="0"/>
-          <a:chExt cx="0" cy="0"/>
-        </a:xfrm>
-      </p:grpSpPr>
-      <p:sp>
-        <p:nvSpPr>
-          <p:cNvPr id="2" name="1 Título"/>
-          <p:cNvSpPr>
-            <a:spLocks noGrp="1"/>
-          </p:cNvSpPr>
-          <p:nvPr>
-            <p:ph type="title"/>
-          </p:nvPr>
-        </p:nvSpPr>
-        <p:spPr/>
-        <p:txBody>
-          <a:bodyPr>
-            <a:normAutofit fontScale="90000"/>
-          </a:bodyPr>
-          <a:lstStyle/>
-          <a:p>
-            <a:r>
-              <a:rPr lang="es-CL" dirty="0" smtClean="0">
-                <a:solidFill>
-                  <a:schemeClr val="accent2"/>
-                </a:solidFill>
-              </a:rPr>
-              <a:t>Detalle Modelo Relacional:</a:t>
-            </a:r>
-            <a:br>
-              <a:rPr lang="es-CL" dirty="0" smtClean="0">
-                <a:solidFill>
-                  <a:schemeClr val="accent2"/>
-                </a:solidFill>
-              </a:rPr>
-            </a:br>
-            <a:r>
-              <a:rPr lang="es-CL" dirty="0" smtClean="0">
-                <a:solidFill>
-                  <a:schemeClr val="accent2"/>
-                </a:solidFill>
-              </a:rPr>
               <a:t>Solicitud</a:t>
             </a:r>
             <a:endParaRPr lang="en-US" dirty="0">
@@ -7449,6 +12255,59 @@
           </p:txBody>
         </p:sp>
       </p:grpSp>
+      <p:sp>
+        <p:nvSpPr>
+          <p:cNvPr id="10" name="Action Button: Return 9">
+            <a:hlinkClick r:id="" action="ppaction://hlinkshowjump?jump=lastslideviewed" highlightClick="1"/>
+          </p:cNvPr>
+          <p:cNvSpPr/>
+          <p:nvPr/>
+        </p:nvSpPr>
+        <p:spPr>
+          <a:xfrm>
+            <a:off x="7696200" y="6096000"/>
+            <a:ext cx="457200" cy="381000"/>
+          </a:xfrm>
+          <a:prstGeom prst="actionButtonReturn">
+            <a:avLst/>
+          </a:prstGeom>
+          <a:solidFill>
+            <a:schemeClr val="accent2">
+              <a:lumMod val="20000"/>
+              <a:lumOff val="80000"/>
+            </a:schemeClr>
+          </a:solidFill>
+          <a:ln>
+            <a:solidFill>
+              <a:schemeClr val="accent2"/>
+            </a:solidFill>
+          </a:ln>
+        </p:spPr>
+        <p:style>
+          <a:lnRef idx="2">
+            <a:schemeClr val="accent1">
+              <a:shade val="50000"/>
+            </a:schemeClr>
+          </a:lnRef>
+          <a:fillRef idx="1">
+            <a:schemeClr val="accent1"/>
+          </a:fillRef>
+          <a:effectRef idx="0">
+            <a:schemeClr val="accent1"/>
+          </a:effectRef>
+          <a:fontRef idx="minor">
+            <a:schemeClr val="lt1"/>
+          </a:fontRef>
+        </p:style>
+        <p:txBody>
+          <a:bodyPr rtlCol="0" anchor="ctr"/>
+          <a:lstStyle/>
+          <a:p>
+            <a:pPr algn="ctr"/>
+            <a:endParaRPr lang="es-CL"/>
+          </a:p>
+        </p:txBody>
+      </p:sp>
     </p:spTree>
   </p:cSld>
   <p:clrMapOvr>
@@ -7465,7 +12324,7 @@
 </p:sld>
 </file>
 
-<file path=ppt/slides/slide6.xml><?xml version="1.0" encoding="utf-8"?>
+<file path=ppt/slides/slide5.xml><?xml version="1.0" encoding="utf-8"?>
 <p:sld xmlns:a="http://schemas.openxmlformats.org/drawingml/2006/main" xmlns:r="http://schemas.openxmlformats.org/officeDocument/2006/relationships" xmlns:p="http://schemas.openxmlformats.org/presentationml/2006/main">
   <p:cSld>
     <p:spTree>
@@ -8004,6 +12863,59 @@
           </p:txBody>
         </p:sp>
       </p:grpSp>
+      <p:sp>
+        <p:nvSpPr>
+          <p:cNvPr id="14" name="Action Button: Return 13">
+            <a:hlinkClick r:id="" action="ppaction://hlinkshowjump?jump=lastslideviewed" highlightClick="1"/>
+          </p:cNvPr>
+          <p:cNvSpPr/>
+          <p:nvPr/>
+        </p:nvSpPr>
+        <p:spPr>
+          <a:xfrm>
+            <a:off x="7696200" y="6096000"/>
+            <a:ext cx="457200" cy="381000"/>
+          </a:xfrm>
+          <a:prstGeom prst="actionButtonReturn">
+            <a:avLst/>
+          </a:prstGeom>
+          <a:solidFill>
+            <a:schemeClr val="accent2">
+              <a:lumMod val="20000"/>
+              <a:lumOff val="80000"/>
+            </a:schemeClr>
+          </a:solidFill>
+          <a:ln>
+            <a:solidFill>
+              <a:schemeClr val="accent2"/>
+            </a:solidFill>
+          </a:ln>
+        </p:spPr>
+        <p:style>
+          <a:lnRef idx="2">
+            <a:schemeClr val="accent1">
+              <a:shade val="50000"/>
+            </a:schemeClr>
+          </a:lnRef>
+          <a:fillRef idx="1">
+            <a:schemeClr val="accent1"/>
+          </a:fillRef>
+          <a:effectRef idx="0">
+            <a:schemeClr val="accent1"/>
+          </a:effectRef>
+          <a:fontRef idx="minor">
+            <a:schemeClr val="lt1"/>
+          </a:fontRef>
+        </p:style>
+        <p:txBody>
+          <a:bodyPr rtlCol="0" anchor="ctr"/>
+          <a:lstStyle/>
+          <a:p>
+            <a:pPr algn="ctr"/>
+            <a:endParaRPr lang="es-CL"/>
+          </a:p>
+        </p:txBody>
+      </p:sp>
     </p:spTree>
   </p:cSld>
   <p:clrMapOvr>
@@ -8020,7 +12932,7 @@
 </p:sld>
 </file>
 
-<file path=ppt/slides/slide7.xml><?xml version="1.0" encoding="utf-8"?>
+<file path=ppt/slides/slide6.xml><?xml version="1.0" encoding="utf-8"?>
 <p:sld xmlns:a="http://schemas.openxmlformats.org/drawingml/2006/main" xmlns:r="http://schemas.openxmlformats.org/officeDocument/2006/relationships" xmlns:p="http://schemas.openxmlformats.org/presentationml/2006/main">
   <p:cSld>
     <p:spTree>
@@ -8800,6 +13712,59 @@
           </p:style>
         </p:cxnSp>
       </p:grpSp>
+      <p:sp>
+        <p:nvSpPr>
+          <p:cNvPr id="17" name="Action Button: Return 16">
+            <a:hlinkClick r:id="" action="ppaction://hlinkshowjump?jump=lastslideviewed" highlightClick="1"/>
+          </p:cNvPr>
+          <p:cNvSpPr/>
+          <p:nvPr/>
+        </p:nvSpPr>
+        <p:spPr>
+          <a:xfrm>
+            <a:off x="7696200" y="6096000"/>
+            <a:ext cx="457200" cy="381000"/>
+          </a:xfrm>
+          <a:prstGeom prst="actionButtonReturn">
+            <a:avLst/>
+          </a:prstGeom>
+          <a:solidFill>
+            <a:schemeClr val="accent2">
+              <a:lumMod val="20000"/>
+              <a:lumOff val="80000"/>
+            </a:schemeClr>
+          </a:solidFill>
+          <a:ln>
+            <a:solidFill>
+              <a:schemeClr val="accent2"/>
+            </a:solidFill>
+          </a:ln>
+        </p:spPr>
+        <p:style>
+          <a:lnRef idx="2">
+            <a:schemeClr val="accent1">
+              <a:shade val="50000"/>
+            </a:schemeClr>
+          </a:lnRef>
+          <a:fillRef idx="1">
+            <a:schemeClr val="accent1"/>
+          </a:fillRef>
+          <a:effectRef idx="0">
+            <a:schemeClr val="accent1"/>
+          </a:effectRef>
+          <a:fontRef idx="minor">
+            <a:schemeClr val="lt1"/>
+          </a:fontRef>
+        </p:style>
+        <p:txBody>
+          <a:bodyPr rtlCol="0" anchor="ctr"/>
+          <a:lstStyle/>
+          <a:p>
+            <a:pPr algn="ctr"/>
+            <a:endParaRPr lang="es-CL"/>
+          </a:p>
+        </p:txBody>
+      </p:sp>
     </p:spTree>
   </p:cSld>
   <p:clrMapOvr>
@@ -8816,7 +13781,7 @@
 </p:sld>
 </file>
 
-<file path=ppt/slides/slide8.xml><?xml version="1.0" encoding="utf-8"?>
+<file path=ppt/slides/slide7.xml><?xml version="1.0" encoding="utf-8"?>
 <p:sld xmlns:a="http://schemas.openxmlformats.org/drawingml/2006/main" xmlns:r="http://schemas.openxmlformats.org/officeDocument/2006/relationships" xmlns:p="http://schemas.openxmlformats.org/presentationml/2006/main">
   <p:cSld>
     <p:spTree>
@@ -9468,6 +14433,59 @@
           </a:fontRef>
         </p:style>
       </p:cxnSp>
+      <p:sp>
+        <p:nvSpPr>
+          <p:cNvPr id="14" name="Action Button: Return 13">
+            <a:hlinkClick r:id="" action="ppaction://hlinkshowjump?jump=lastslideviewed" highlightClick="1"/>
+          </p:cNvPr>
+          <p:cNvSpPr/>
+          <p:nvPr/>
+        </p:nvSpPr>
+        <p:spPr>
+          <a:xfrm>
+            <a:off x="7696200" y="6096000"/>
+            <a:ext cx="457200" cy="381000"/>
+          </a:xfrm>
+          <a:prstGeom prst="actionButtonReturn">
+            <a:avLst/>
+          </a:prstGeom>
+          <a:solidFill>
+            <a:schemeClr val="accent2">
+              <a:lumMod val="20000"/>
+              <a:lumOff val="80000"/>
+            </a:schemeClr>
+          </a:solidFill>
+          <a:ln>
+            <a:solidFill>
+              <a:schemeClr val="accent2"/>
+            </a:solidFill>
+          </a:ln>
+        </p:spPr>
+        <p:style>
+          <a:lnRef idx="2">
+            <a:schemeClr val="accent1">
+              <a:shade val="50000"/>
+            </a:schemeClr>
+          </a:lnRef>
+          <a:fillRef idx="1">
+            <a:schemeClr val="accent1"/>
+          </a:fillRef>
+          <a:effectRef idx="0">
+            <a:schemeClr val="accent1"/>
+          </a:effectRef>
+          <a:fontRef idx="minor">
+            <a:schemeClr val="lt1"/>
+          </a:fontRef>
+        </p:style>
+        <p:txBody>
+          <a:bodyPr rtlCol="0" anchor="ctr"/>
+          <a:lstStyle/>
+          <a:p>
+            <a:pPr algn="ctr"/>
+            <a:endParaRPr lang="es-CL"/>
+          </a:p>
+        </p:txBody>
+      </p:sp>
     </p:spTree>
   </p:cSld>
   <p:clrMapOvr>
@@ -9484,7 +14502,7 @@
 </p:sld>
 </file>
 
-<file path=ppt/slides/slide9.xml><?xml version="1.0" encoding="utf-8"?>
+<file path=ppt/slides/slide8.xml><?xml version="1.0" encoding="utf-8"?>
 <p:sld xmlns:a="http://schemas.openxmlformats.org/drawingml/2006/main" xmlns:r="http://schemas.openxmlformats.org/officeDocument/2006/relationships" xmlns:p="http://schemas.openxmlformats.org/presentationml/2006/main">
   <p:cSld>
     <p:spTree>
@@ -9794,6 +14812,667 @@
           <a:p>
             <a:pPr algn="ctr"/>
             <a:endParaRPr lang="en-US"/>
+          </a:p>
+        </p:txBody>
+      </p:sp>
+      <p:sp>
+        <p:nvSpPr>
+          <p:cNvPr id="8" name="Action Button: Return 7">
+            <a:hlinkClick r:id="" action="ppaction://hlinkshowjump?jump=lastslideviewed" highlightClick="1"/>
+          </p:cNvPr>
+          <p:cNvSpPr/>
+          <p:nvPr/>
+        </p:nvSpPr>
+        <p:spPr>
+          <a:xfrm>
+            <a:off x="7696200" y="6096000"/>
+            <a:ext cx="457200" cy="381000"/>
+          </a:xfrm>
+          <a:prstGeom prst="actionButtonReturn">
+            <a:avLst/>
+          </a:prstGeom>
+          <a:solidFill>
+            <a:schemeClr val="accent2">
+              <a:lumMod val="20000"/>
+              <a:lumOff val="80000"/>
+            </a:schemeClr>
+          </a:solidFill>
+          <a:ln>
+            <a:solidFill>
+              <a:schemeClr val="accent2"/>
+            </a:solidFill>
+          </a:ln>
+        </p:spPr>
+        <p:style>
+          <a:lnRef idx="2">
+            <a:schemeClr val="accent1">
+              <a:shade val="50000"/>
+            </a:schemeClr>
+          </a:lnRef>
+          <a:fillRef idx="1">
+            <a:schemeClr val="accent1"/>
+          </a:fillRef>
+          <a:effectRef idx="0">
+            <a:schemeClr val="accent1"/>
+          </a:effectRef>
+          <a:fontRef idx="minor">
+            <a:schemeClr val="lt1"/>
+          </a:fontRef>
+        </p:style>
+        <p:txBody>
+          <a:bodyPr rtlCol="0" anchor="ctr"/>
+          <a:lstStyle/>
+          <a:p>
+            <a:pPr algn="ctr"/>
+            <a:endParaRPr lang="es-CL"/>
+          </a:p>
+        </p:txBody>
+      </p:sp>
+    </p:spTree>
+  </p:cSld>
+  <p:clrMapOvr>
+    <a:masterClrMapping/>
+  </p:clrMapOvr>
+  <p:transition advClick="0"/>
+  <p:timing>
+    <p:tnLst>
+      <p:par>
+        <p:cTn id="1" dur="indefinite" restart="never" nodeType="tmRoot"/>
+      </p:par>
+    </p:tnLst>
+  </p:timing>
+</p:sld>
+</file>
+
+<file path=ppt/slides/slide9.xml><?xml version="1.0" encoding="utf-8"?>
+<p:sld xmlns:a="http://schemas.openxmlformats.org/drawingml/2006/main" xmlns:r="http://schemas.openxmlformats.org/officeDocument/2006/relationships" xmlns:p="http://schemas.openxmlformats.org/presentationml/2006/main">
+  <p:cSld>
+    <p:spTree>
+      <p:nvGrpSpPr>
+        <p:cNvPr id="1" name=""/>
+        <p:cNvGrpSpPr/>
+        <p:nvPr/>
+      </p:nvGrpSpPr>
+      <p:grpSpPr>
+        <a:xfrm>
+          <a:off x="0" y="0"/>
+          <a:ext cx="0" cy="0"/>
+          <a:chOff x="0" y="0"/>
+          <a:chExt cx="0" cy="0"/>
+        </a:xfrm>
+      </p:grpSpPr>
+      <p:sp>
+        <p:nvSpPr>
+          <p:cNvPr id="2" name="1 Título"/>
+          <p:cNvSpPr>
+            <a:spLocks noGrp="1"/>
+          </p:cNvSpPr>
+          <p:nvPr>
+            <p:ph type="title"/>
+          </p:nvPr>
+        </p:nvSpPr>
+        <p:spPr/>
+        <p:txBody>
+          <a:bodyPr>
+            <a:normAutofit fontScale="90000"/>
+          </a:bodyPr>
+          <a:lstStyle/>
+          <a:p>
+            <a:r>
+              <a:rPr lang="es-CL" dirty="0" smtClean="0">
+                <a:solidFill>
+                  <a:schemeClr val="accent2"/>
+                </a:solidFill>
+              </a:rPr>
+              <a:t>Detalle Modelo Relacional:</a:t>
+            </a:r>
+            <a:br>
+              <a:rPr lang="es-CL" dirty="0" smtClean="0">
+                <a:solidFill>
+                  <a:schemeClr val="accent2"/>
+                </a:solidFill>
+              </a:rPr>
+            </a:br>
+            <a:r>
+              <a:rPr lang="es-CL" dirty="0" smtClean="0">
+                <a:solidFill>
+                  <a:schemeClr val="accent2"/>
+                </a:solidFill>
+              </a:rPr>
+              <a:t>Evento</a:t>
+            </a:r>
+            <a:endParaRPr lang="en-US" dirty="0">
+              <a:solidFill>
+                <a:schemeClr val="accent2"/>
+              </a:solidFill>
+            </a:endParaRPr>
+          </a:p>
+        </p:txBody>
+      </p:sp>
+      <p:sp>
+        <p:nvSpPr>
+          <p:cNvPr id="12" name="11 Botón de acción: Inicio">
+            <a:hlinkClick r:id="rId2" action="ppaction://hlinksldjump" highlightClick="1"/>
+          </p:cNvPr>
+          <p:cNvSpPr/>
+          <p:nvPr/>
+        </p:nvSpPr>
+        <p:spPr>
+          <a:xfrm>
+            <a:off x="8305800" y="6096000"/>
+            <a:ext cx="457200" cy="381000"/>
+          </a:xfrm>
+          <a:prstGeom prst="actionButtonHome">
+            <a:avLst/>
+          </a:prstGeom>
+          <a:solidFill>
+            <a:schemeClr val="accent2">
+              <a:lumMod val="20000"/>
+              <a:lumOff val="80000"/>
+            </a:schemeClr>
+          </a:solidFill>
+          <a:ln>
+            <a:solidFill>
+              <a:schemeClr val="accent2"/>
+            </a:solidFill>
+          </a:ln>
+        </p:spPr>
+        <p:style>
+          <a:lnRef idx="2">
+            <a:schemeClr val="accent1">
+              <a:shade val="50000"/>
+            </a:schemeClr>
+          </a:lnRef>
+          <a:fillRef idx="1">
+            <a:schemeClr val="accent1"/>
+          </a:fillRef>
+          <a:effectRef idx="0">
+            <a:schemeClr val="accent1"/>
+          </a:effectRef>
+          <a:fontRef idx="minor">
+            <a:schemeClr val="lt1"/>
+          </a:fontRef>
+        </p:style>
+        <p:txBody>
+          <a:bodyPr rtlCol="0" anchor="ctr"/>
+          <a:lstStyle/>
+          <a:p>
+            <a:pPr algn="ctr"/>
+            <a:endParaRPr lang="en-US"/>
+          </a:p>
+        </p:txBody>
+      </p:sp>
+      <p:grpSp>
+        <p:nvGrpSpPr>
+          <p:cNvPr id="3" name="34 Grupo"/>
+          <p:cNvGrpSpPr/>
+          <p:nvPr/>
+        </p:nvGrpSpPr>
+        <p:grpSpPr>
+          <a:xfrm>
+            <a:off x="3352800" y="2590800"/>
+            <a:ext cx="2743200" cy="1524000"/>
+            <a:chOff x="3352800" y="2438400"/>
+            <a:chExt cx="2743200" cy="1524000"/>
+          </a:xfrm>
+        </p:grpSpPr>
+        <p:cxnSp>
+          <p:nvCxnSpPr>
+            <p:cNvPr id="29" name="28 Conector recto"/>
+            <p:cNvCxnSpPr>
+              <a:stCxn id="13" idx="0"/>
+              <a:endCxn id="33" idx="4"/>
+            </p:cNvCxnSpPr>
+            <p:nvPr/>
+          </p:nvCxnSpPr>
+          <p:spPr>
+            <a:xfrm flipV="1">
+              <a:off x="4686300" y="2895600"/>
+              <a:ext cx="0" cy="533400"/>
+            </a:xfrm>
+            <a:prstGeom prst="line">
+              <a:avLst/>
+            </a:prstGeom>
+            <a:solidFill>
+              <a:schemeClr val="bg1"/>
+            </a:solidFill>
+            <a:ln>
+              <a:solidFill>
+                <a:schemeClr val="accent4">
+                  <a:lumMod val="60000"/>
+                  <a:lumOff val="40000"/>
+                </a:schemeClr>
+              </a:solidFill>
+            </a:ln>
+          </p:spPr>
+          <p:style>
+            <a:lnRef idx="2">
+              <a:schemeClr val="accent1">
+                <a:shade val="50000"/>
+              </a:schemeClr>
+            </a:lnRef>
+            <a:fillRef idx="1">
+              <a:schemeClr val="accent1"/>
+            </a:fillRef>
+            <a:effectRef idx="0">
+              <a:schemeClr val="accent1"/>
+            </a:effectRef>
+            <a:fontRef idx="minor">
+              <a:schemeClr val="lt1"/>
+            </a:fontRef>
+          </p:style>
+        </p:cxnSp>
+        <p:sp>
+          <p:nvSpPr>
+            <p:cNvPr id="33" name="32 Elipse"/>
+            <p:cNvSpPr/>
+            <p:nvPr/>
+          </p:nvSpPr>
+          <p:spPr>
+            <a:xfrm>
+              <a:off x="4191000" y="2438400"/>
+              <a:ext cx="990600" cy="457200"/>
+            </a:xfrm>
+            <a:prstGeom prst="ellipse">
+              <a:avLst/>
+            </a:prstGeom>
+            <a:solidFill>
+              <a:schemeClr val="bg1"/>
+            </a:solidFill>
+            <a:ln>
+              <a:solidFill>
+                <a:schemeClr val="accent4">
+                  <a:lumMod val="60000"/>
+                  <a:lumOff val="40000"/>
+                </a:schemeClr>
+              </a:solidFill>
+            </a:ln>
+          </p:spPr>
+          <p:style>
+            <a:lnRef idx="2">
+              <a:schemeClr val="accent1">
+                <a:shade val="50000"/>
+              </a:schemeClr>
+            </a:lnRef>
+            <a:fillRef idx="1">
+              <a:schemeClr val="accent1"/>
+            </a:fillRef>
+            <a:effectRef idx="0">
+              <a:schemeClr val="accent1"/>
+            </a:effectRef>
+            <a:fontRef idx="minor">
+              <a:schemeClr val="lt1"/>
+            </a:fontRef>
+          </p:style>
+          <p:txBody>
+            <a:bodyPr rtlCol="0" anchor="ctr"/>
+            <a:lstStyle/>
+            <a:p>
+              <a:pPr algn="ctr"/>
+              <a:r>
+                <a:rPr lang="es-CL" sz="1200" dirty="0" smtClean="0">
+                  <a:solidFill>
+                    <a:schemeClr val="bg1">
+                      <a:lumMod val="50000"/>
+                    </a:schemeClr>
+                  </a:solidFill>
+                </a:rPr>
+                <a:t>Fecha Inicio</a:t>
+              </a:r>
+              <a:endParaRPr lang="en-US" sz="1200" dirty="0">
+                <a:solidFill>
+                  <a:schemeClr val="bg1">
+                    <a:lumMod val="50000"/>
+                  </a:schemeClr>
+                </a:solidFill>
+              </a:endParaRPr>
+            </a:p>
+          </p:txBody>
+        </p:sp>
+        <p:sp>
+          <p:nvSpPr>
+            <p:cNvPr id="13" name="12 Rectángulo"/>
+            <p:cNvSpPr/>
+            <p:nvPr/>
+          </p:nvSpPr>
+          <p:spPr>
+            <a:xfrm>
+              <a:off x="4114800" y="3429000"/>
+              <a:ext cx="1143000" cy="533400"/>
+            </a:xfrm>
+            <a:prstGeom prst="rect">
+              <a:avLst/>
+            </a:prstGeom>
+            <a:solidFill>
+              <a:schemeClr val="bg1"/>
+            </a:solidFill>
+            <a:ln>
+              <a:solidFill>
+                <a:schemeClr val="accent4">
+                  <a:lumMod val="60000"/>
+                  <a:lumOff val="40000"/>
+                </a:schemeClr>
+              </a:solidFill>
+            </a:ln>
+          </p:spPr>
+          <p:style>
+            <a:lnRef idx="2">
+              <a:schemeClr val="accent1">
+                <a:shade val="50000"/>
+              </a:schemeClr>
+            </a:lnRef>
+            <a:fillRef idx="1">
+              <a:schemeClr val="accent1"/>
+            </a:fillRef>
+            <a:effectRef idx="0">
+              <a:schemeClr val="accent1"/>
+            </a:effectRef>
+            <a:fontRef idx="minor">
+              <a:schemeClr val="lt1"/>
+            </a:fontRef>
+          </p:style>
+          <p:txBody>
+            <a:bodyPr rtlCol="0" anchor="ctr"/>
+            <a:lstStyle/>
+            <a:p>
+              <a:pPr algn="ctr"/>
+              <a:r>
+                <a:rPr lang="es-CL" sz="2000" dirty="0" smtClean="0">
+                  <a:solidFill>
+                    <a:schemeClr val="bg1">
+                      <a:lumMod val="50000"/>
+                    </a:schemeClr>
+                  </a:solidFill>
+                </a:rPr>
+                <a:t>Evento</a:t>
+              </a:r>
+              <a:endParaRPr lang="en-US" sz="2000" dirty="0">
+                <a:solidFill>
+                  <a:schemeClr val="bg1">
+                    <a:lumMod val="50000"/>
+                  </a:schemeClr>
+                </a:solidFill>
+              </a:endParaRPr>
+            </a:p>
+          </p:txBody>
+        </p:sp>
+        <p:cxnSp>
+          <p:nvCxnSpPr>
+            <p:cNvPr id="18" name="17 Conector recto"/>
+            <p:cNvCxnSpPr>
+              <a:stCxn id="13" idx="0"/>
+              <a:endCxn id="24" idx="3"/>
+            </p:cNvCxnSpPr>
+            <p:nvPr/>
+          </p:nvCxnSpPr>
+          <p:spPr>
+            <a:xfrm flipV="1">
+              <a:off x="4686300" y="3209645"/>
+              <a:ext cx="564170" cy="219355"/>
+            </a:xfrm>
+            <a:prstGeom prst="line">
+              <a:avLst/>
+            </a:prstGeom>
+            <a:solidFill>
+              <a:schemeClr val="bg1"/>
+            </a:solidFill>
+            <a:ln>
+              <a:solidFill>
+                <a:schemeClr val="accent4">
+                  <a:lumMod val="60000"/>
+                  <a:lumOff val="40000"/>
+                </a:schemeClr>
+              </a:solidFill>
+            </a:ln>
+          </p:spPr>
+          <p:style>
+            <a:lnRef idx="2">
+              <a:schemeClr val="accent1">
+                <a:shade val="50000"/>
+              </a:schemeClr>
+            </a:lnRef>
+            <a:fillRef idx="1">
+              <a:schemeClr val="accent1"/>
+            </a:fillRef>
+            <a:effectRef idx="0">
+              <a:schemeClr val="accent1"/>
+            </a:effectRef>
+            <a:fontRef idx="minor">
+              <a:schemeClr val="lt1"/>
+            </a:fontRef>
+          </p:style>
+        </p:cxnSp>
+        <p:cxnSp>
+          <p:nvCxnSpPr>
+            <p:cNvPr id="20" name="19 Conector recto"/>
+            <p:cNvCxnSpPr>
+              <a:stCxn id="13" idx="0"/>
+              <a:endCxn id="31" idx="5"/>
+            </p:cNvCxnSpPr>
+            <p:nvPr/>
+          </p:nvCxnSpPr>
+          <p:spPr>
+            <a:xfrm flipH="1" flipV="1">
+              <a:off x="4198330" y="3209645"/>
+              <a:ext cx="487970" cy="219355"/>
+            </a:xfrm>
+            <a:prstGeom prst="line">
+              <a:avLst/>
+            </a:prstGeom>
+            <a:solidFill>
+              <a:schemeClr val="bg1"/>
+            </a:solidFill>
+            <a:ln>
+              <a:solidFill>
+                <a:schemeClr val="accent4">
+                  <a:lumMod val="60000"/>
+                  <a:lumOff val="40000"/>
+                </a:schemeClr>
+              </a:solidFill>
+            </a:ln>
+          </p:spPr>
+          <p:style>
+            <a:lnRef idx="2">
+              <a:schemeClr val="accent1">
+                <a:shade val="50000"/>
+              </a:schemeClr>
+            </a:lnRef>
+            <a:fillRef idx="1">
+              <a:schemeClr val="accent1"/>
+            </a:fillRef>
+            <a:effectRef idx="0">
+              <a:schemeClr val="accent1"/>
+            </a:effectRef>
+            <a:fontRef idx="minor">
+              <a:schemeClr val="lt1"/>
+            </a:fontRef>
+          </p:style>
+        </p:cxnSp>
+        <p:sp>
+          <p:nvSpPr>
+            <p:cNvPr id="24" name="23 Elipse"/>
+            <p:cNvSpPr/>
+            <p:nvPr/>
+          </p:nvSpPr>
+          <p:spPr>
+            <a:xfrm>
+              <a:off x="5105400" y="2819400"/>
+              <a:ext cx="990600" cy="457200"/>
+            </a:xfrm>
+            <a:prstGeom prst="ellipse">
+              <a:avLst/>
+            </a:prstGeom>
+            <a:solidFill>
+              <a:schemeClr val="bg1"/>
+            </a:solidFill>
+            <a:ln>
+              <a:solidFill>
+                <a:schemeClr val="accent4">
+                  <a:lumMod val="60000"/>
+                  <a:lumOff val="40000"/>
+                </a:schemeClr>
+              </a:solidFill>
+            </a:ln>
+          </p:spPr>
+          <p:style>
+            <a:lnRef idx="2">
+              <a:schemeClr val="accent1">
+                <a:shade val="50000"/>
+              </a:schemeClr>
+            </a:lnRef>
+            <a:fillRef idx="1">
+              <a:schemeClr val="accent1"/>
+            </a:fillRef>
+            <a:effectRef idx="0">
+              <a:schemeClr val="accent1"/>
+            </a:effectRef>
+            <a:fontRef idx="minor">
+              <a:schemeClr val="lt1"/>
+            </a:fontRef>
+          </p:style>
+          <p:txBody>
+            <a:bodyPr rtlCol="0" anchor="ctr"/>
+            <a:lstStyle/>
+            <a:p>
+              <a:pPr algn="ctr"/>
+              <a:r>
+                <a:rPr lang="es-CL" sz="1200" dirty="0" smtClean="0">
+                  <a:solidFill>
+                    <a:schemeClr val="bg1">
+                      <a:lumMod val="50000"/>
+                    </a:schemeClr>
+                  </a:solidFill>
+                </a:rPr>
+                <a:t>Fecha Hasta</a:t>
+              </a:r>
+              <a:endParaRPr lang="en-US" sz="1200" dirty="0">
+                <a:solidFill>
+                  <a:schemeClr val="bg1">
+                    <a:lumMod val="50000"/>
+                  </a:schemeClr>
+                </a:solidFill>
+              </a:endParaRPr>
+            </a:p>
+          </p:txBody>
+        </p:sp>
+        <p:sp>
+          <p:nvSpPr>
+            <p:cNvPr id="31" name="30 Elipse"/>
+            <p:cNvSpPr/>
+            <p:nvPr/>
+          </p:nvSpPr>
+          <p:spPr>
+            <a:xfrm>
+              <a:off x="3352800" y="2819400"/>
+              <a:ext cx="990600" cy="457200"/>
+            </a:xfrm>
+            <a:prstGeom prst="ellipse">
+              <a:avLst/>
+            </a:prstGeom>
+            <a:solidFill>
+              <a:schemeClr val="bg1"/>
+            </a:solidFill>
+            <a:ln>
+              <a:solidFill>
+                <a:schemeClr val="accent4">
+                  <a:lumMod val="60000"/>
+                  <a:lumOff val="40000"/>
+                </a:schemeClr>
+              </a:solidFill>
+            </a:ln>
+          </p:spPr>
+          <p:style>
+            <a:lnRef idx="2">
+              <a:schemeClr val="accent1">
+                <a:shade val="50000"/>
+              </a:schemeClr>
+            </a:lnRef>
+            <a:fillRef idx="1">
+              <a:schemeClr val="accent1"/>
+            </a:fillRef>
+            <a:effectRef idx="0">
+              <a:schemeClr val="accent1"/>
+            </a:effectRef>
+            <a:fontRef idx="minor">
+              <a:schemeClr val="lt1"/>
+            </a:fontRef>
+          </p:style>
+          <p:txBody>
+            <a:bodyPr rtlCol="0" anchor="ctr"/>
+            <a:lstStyle/>
+            <a:p>
+              <a:pPr algn="ctr"/>
+              <a:r>
+                <a:rPr lang="es-CL" sz="1200" dirty="0" smtClean="0">
+                  <a:solidFill>
+                    <a:schemeClr val="bg1">
+                      <a:lumMod val="50000"/>
+                    </a:schemeClr>
+                  </a:solidFill>
+                </a:rPr>
+                <a:t>Nombre</a:t>
+              </a:r>
+              <a:endParaRPr lang="en-US" sz="1200" dirty="0">
+                <a:solidFill>
+                  <a:schemeClr val="bg1">
+                    <a:lumMod val="50000"/>
+                  </a:schemeClr>
+                </a:solidFill>
+              </a:endParaRPr>
+            </a:p>
+          </p:txBody>
+        </p:sp>
+      </p:grpSp>
+      <p:sp>
+        <p:nvSpPr>
+          <p:cNvPr id="14" name="Action Button: Return 13">
+            <a:hlinkClick r:id="" action="ppaction://hlinkshowjump?jump=lastslideviewed" highlightClick="1"/>
+          </p:cNvPr>
+          <p:cNvSpPr/>
+          <p:nvPr/>
+        </p:nvSpPr>
+        <p:spPr>
+          <a:xfrm>
+            <a:off x="7696200" y="6096000"/>
+            <a:ext cx="457200" cy="381000"/>
+          </a:xfrm>
+          <a:prstGeom prst="actionButtonReturn">
+            <a:avLst/>
+          </a:prstGeom>
+          <a:solidFill>
+            <a:schemeClr val="accent2">
+              <a:lumMod val="20000"/>
+              <a:lumOff val="80000"/>
+            </a:schemeClr>
+          </a:solidFill>
+          <a:ln>
+            <a:solidFill>
+              <a:schemeClr val="accent2"/>
+            </a:solidFill>
+          </a:ln>
+        </p:spPr>
+        <p:style>
+          <a:lnRef idx="2">
+            <a:schemeClr val="accent1">
+              <a:shade val="50000"/>
+            </a:schemeClr>
+          </a:lnRef>
+          <a:fillRef idx="1">
+            <a:schemeClr val="accent1"/>
+          </a:fillRef>
+          <a:effectRef idx="0">
+            <a:schemeClr val="accent1"/>
+          </a:effectRef>
+          <a:fontRef idx="minor">
+            <a:schemeClr val="lt1"/>
+          </a:fontRef>
+        </p:style>
+        <p:txBody>
+          <a:bodyPr rtlCol="0" anchor="ctr"/>
+          <a:lstStyle/>
+          <a:p>
+            <a:pPr algn="ctr"/>
+            <a:endParaRPr lang="es-CL"/>
           </a:p>
         </p:txBody>
       </p:sp>
